--- a/SPL1 Pesentation.pptx
+++ b/SPL1 Pesentation.pptx
@@ -4731,98 +4731,98 @@
     </dgm:pt>
   </dgm:ptLst>
   <dgm:cxnLst>
+    <dgm:cxn modelId="{27BFA827-B1DC-436C-9E6A-CE6D5EE22AD5}" type="presOf" srcId="{F74C2EE2-50FC-45DB-8E01-913B4A5D92EC}" destId="{91408221-E0A9-479D-B053-2D43C880DD67}" srcOrd="0" destOrd="0" presId="urn:microsoft.com/office/officeart/2005/8/layout/orgChart1"/>
+    <dgm:cxn modelId="{FF57F8A9-2186-4CF6-BB68-30E5CAF3EA4B}" type="presOf" srcId="{C3075AFD-33D0-44BE-B24B-50F877BA1BA3}" destId="{3526C1B9-D4C2-4093-B62A-E34AEDEAB893}" srcOrd="0" destOrd="0" presId="urn:microsoft.com/office/officeart/2005/8/layout/orgChart1"/>
+    <dgm:cxn modelId="{339A7B3F-CE96-495C-B73F-03F206AAFFD8}" type="presOf" srcId="{0D8FBF09-E798-436B-8680-E8812E01BA7E}" destId="{BFDDEB14-FCF8-4533-9C0F-0867A656B20F}" srcOrd="1" destOrd="0" presId="urn:microsoft.com/office/officeart/2005/8/layout/orgChart1"/>
+    <dgm:cxn modelId="{198CAA6A-29A0-4815-970E-A365A76B4304}" type="presOf" srcId="{AC57D0C9-D20C-4043-AAB1-B4EFF5A2DCE0}" destId="{33312C6C-9362-410B-8CE0-DD5FA09A9160}" srcOrd="1" destOrd="0" presId="urn:microsoft.com/office/officeart/2005/8/layout/orgChart1"/>
+    <dgm:cxn modelId="{09C19B7F-6E44-4FD0-AA3C-97F19CCCA2B9}" type="presOf" srcId="{784D01D3-05C3-494C-A7C8-459C37A92FC1}" destId="{253C8434-054F-4733-A637-CBB9EE451263}" srcOrd="0" destOrd="0" presId="urn:microsoft.com/office/officeart/2005/8/layout/orgChart1"/>
+    <dgm:cxn modelId="{720D70A0-1C7E-40FA-980A-E0DCADC06C54}" type="presOf" srcId="{801EC49B-99C5-412A-BA31-7361160B5C3D}" destId="{A6E509A3-578A-4AA9-9D0C-6706D979C416}" srcOrd="1" destOrd="0" presId="urn:microsoft.com/office/officeart/2005/8/layout/orgChart1"/>
+    <dgm:cxn modelId="{3DD84D38-BCE6-4AF6-9B47-7A03762E60F2}" type="presOf" srcId="{C01BBDF4-62EC-4668-B8EF-3055B3899612}" destId="{769F662F-630E-4B00-8744-585B5413518D}" srcOrd="0" destOrd="0" presId="urn:microsoft.com/office/officeart/2005/8/layout/orgChart1"/>
+    <dgm:cxn modelId="{7F331CF8-A51B-48F0-B4C2-AD79E84E9FCA}" type="presOf" srcId="{AD720A34-3B2E-48A2-8E92-E0854892FDFB}" destId="{97A696BC-B84F-4FAD-A203-6DB46EF30E7C}" srcOrd="0" destOrd="0" presId="urn:microsoft.com/office/officeart/2005/8/layout/orgChart1"/>
+    <dgm:cxn modelId="{185D6046-F192-46AF-9850-8023DE23A0B9}" type="presOf" srcId="{ED5E2831-86EB-4BF3-9944-6F00B7CC4790}" destId="{CF1AC9A2-2997-48B1-8D8D-F6C2E23C8F99}" srcOrd="1" destOrd="0" presId="urn:microsoft.com/office/officeart/2005/8/layout/orgChart1"/>
+    <dgm:cxn modelId="{BB1596A7-2031-483C-9129-BAE157302B56}" srcId="{0D6EDFAC-F208-472F-BABE-D311576438B4}" destId="{D05C6984-68F2-4392-A877-698D791699AA}" srcOrd="3" destOrd="0" parTransId="{407A8045-13A7-443E-A6E9-ADA0B450809D}" sibTransId="{FEE3A601-E6B1-4230-81D1-FF0DB3D303D0}"/>
+    <dgm:cxn modelId="{D629117C-C6E7-43E2-88F1-11EAC1071202}" type="presOf" srcId="{D2E95EB5-5E84-4518-B48A-A2DC57E7236C}" destId="{F638AE9B-3814-4324-8581-0E88ACDA82A4}" srcOrd="0" destOrd="0" presId="urn:microsoft.com/office/officeart/2005/8/layout/orgChart1"/>
+    <dgm:cxn modelId="{53EE59F7-327D-4A1A-8F73-09D09EE8157F}" type="presOf" srcId="{C6B75B40-09C4-41E7-8FCE-C6CB7819455A}" destId="{DB133B50-16D1-46CC-A7CB-9F3E2D873BA6}" srcOrd="0" destOrd="0" presId="urn:microsoft.com/office/officeart/2005/8/layout/orgChart1"/>
+    <dgm:cxn modelId="{62D43582-E586-44C6-9B64-543633512A4D}" type="presOf" srcId="{8496B3AF-8AC9-41AF-8A33-D2F9A426BA6B}" destId="{D0901E87-3F2A-4042-8013-E93F0724DECD}" srcOrd="1" destOrd="0" presId="urn:microsoft.com/office/officeart/2005/8/layout/orgChart1"/>
+    <dgm:cxn modelId="{48E7B1EB-1B85-40F4-9376-AF096F3785D1}" type="presOf" srcId="{D2E95EB5-5E84-4518-B48A-A2DC57E7236C}" destId="{412C7619-1837-4001-A1AE-C21C13763A44}" srcOrd="1" destOrd="0" presId="urn:microsoft.com/office/officeart/2005/8/layout/orgChart1"/>
+    <dgm:cxn modelId="{8A59C62B-C74F-45DD-B117-878E304ED075}" srcId="{AAF359BC-A3E8-4FC5-A60B-6CF14CA7354A}" destId="{A31EA6D1-C5FC-4FC7-B6E6-13E17EC2BA6E}" srcOrd="0" destOrd="0" parTransId="{CAE51EB7-0681-468F-BBFB-3CC731DBC655}" sibTransId="{42F7DDED-97EF-49AB-9FFD-88325D3464E8}"/>
+    <dgm:cxn modelId="{EDC8ECE3-589A-41A0-B191-5FBDF4C472F1}" srcId="{0D6EDFAC-F208-472F-BABE-D311576438B4}" destId="{DD9ABD88-44A6-4F88-830D-C0451CD7A5FA}" srcOrd="0" destOrd="0" parTransId="{A3BD83B2-8938-453D-BBE0-F9DABD35CF75}" sibTransId="{5C4D29FE-A5E5-4C3C-976E-69C656029AE4}"/>
+    <dgm:cxn modelId="{D09AD520-D954-4A5B-918B-6E00AD5EA861}" type="presOf" srcId="{F74C2EE2-50FC-45DB-8E01-913B4A5D92EC}" destId="{1F63EE2F-7197-4812-8409-30C22EF7DBC2}" srcOrd="1" destOrd="0" presId="urn:microsoft.com/office/officeart/2005/8/layout/orgChart1"/>
+    <dgm:cxn modelId="{59475E17-A142-4E6F-9107-CCF1E5391913}" type="presOf" srcId="{95A11C3E-83D9-49AE-9001-77DD5DB3B4C6}" destId="{788CF303-A938-4F3F-ACD8-FFC38DF35DF1}" srcOrd="0" destOrd="0" presId="urn:microsoft.com/office/officeart/2005/8/layout/orgChart1"/>
+    <dgm:cxn modelId="{2EFA34EE-223B-45B7-85EF-920E2F538EDF}" type="presOf" srcId="{37C59927-EB36-4676-A41C-0BD5DC0C36DE}" destId="{8EC80FE5-F758-45DC-808A-0D87F283EDA1}" srcOrd="0" destOrd="0" presId="urn:microsoft.com/office/officeart/2005/8/layout/orgChart1"/>
+    <dgm:cxn modelId="{FD6FAB7C-665F-4932-ACF6-06B057B3A6DB}" srcId="{D05C6984-68F2-4392-A877-698D791699AA}" destId="{812ACE74-DC59-46A3-845C-9195C766CA0F}" srcOrd="5" destOrd="0" parTransId="{D0F51134-99D4-4BE6-B389-B437BAE169C6}" sibTransId="{689EB9D3-2601-479F-91E4-D0ECD9F52C4C}"/>
+    <dgm:cxn modelId="{F19BEEE0-9AB4-4795-AA98-A8A7CA1AE68D}" type="presOf" srcId="{A31EA6D1-C5FC-4FC7-B6E6-13E17EC2BA6E}" destId="{A1C89CB1-EE87-4852-B852-D5DF069DF6C3}" srcOrd="0" destOrd="0" presId="urn:microsoft.com/office/officeart/2005/8/layout/orgChart1"/>
+    <dgm:cxn modelId="{E3DC57DE-989E-4902-ADE4-A408115074D3}" type="presOf" srcId="{0D6EDFAC-F208-472F-BABE-D311576438B4}" destId="{825F6006-6645-4CF8-8481-8CA88621DC59}" srcOrd="1" destOrd="0" presId="urn:microsoft.com/office/officeart/2005/8/layout/orgChart1"/>
+    <dgm:cxn modelId="{7E9EA3E7-1F9A-4F1B-9193-BB79EBC5F4C6}" type="presOf" srcId="{A0F934D1-5FF6-460A-92F4-68DAE1F899E7}" destId="{C64FEE58-AA56-483B-ABDF-4E4E855E995D}" srcOrd="1" destOrd="0" presId="urn:microsoft.com/office/officeart/2005/8/layout/orgChart1"/>
+    <dgm:cxn modelId="{01B5EC09-03A7-49B5-86C5-5EB415A3A4CC}" type="presOf" srcId="{999631F3-8C2A-4B2D-9F10-69C683EB509B}" destId="{5890B934-F029-4014-B867-B7AFF223B213}" srcOrd="0" destOrd="0" presId="urn:microsoft.com/office/officeart/2005/8/layout/orgChart1"/>
+    <dgm:cxn modelId="{58EEC68C-0E19-4139-9AD0-D0B7958FAB1D}" type="presOf" srcId="{D05C6984-68F2-4392-A877-698D791699AA}" destId="{3CBEF01E-EEE9-4074-AC21-54FA7640D0C4}" srcOrd="0" destOrd="0" presId="urn:microsoft.com/office/officeart/2005/8/layout/orgChart1"/>
+    <dgm:cxn modelId="{69DB6397-7B1C-4F9A-9539-E4E68B2253E6}" srcId="{DD9ABD88-44A6-4F88-830D-C0451CD7A5FA}" destId="{D2E95EB5-5E84-4518-B48A-A2DC57E7236C}" srcOrd="1" destOrd="0" parTransId="{1DCCBC74-F9FA-483F-8832-777E7D19F42C}" sibTransId="{A260D986-2D5F-4F5C-BBF5-06C6A7B7F64C}"/>
+    <dgm:cxn modelId="{FE13810E-61DF-4E6A-9C0F-80F85FB9E4A4}" type="presOf" srcId="{C01BBDF4-62EC-4668-B8EF-3055B3899612}" destId="{91767ED6-3EC0-4F12-92D5-C63DD8114BDD}" srcOrd="1" destOrd="0" presId="urn:microsoft.com/office/officeart/2005/8/layout/orgChart1"/>
+    <dgm:cxn modelId="{03A0C235-0EEC-4307-80A3-295FC4E6ECAD}" srcId="{A47BFAC0-082B-4A7F-8AEE-3990DDD58B31}" destId="{0D6EDFAC-F208-472F-BABE-D311576438B4}" srcOrd="0" destOrd="0" parTransId="{7328B3E1-96F2-4D70-AF77-1FF7AF6CCFDA}" sibTransId="{75150A00-0859-4ECB-B541-52E0BFA14B0C}"/>
+    <dgm:cxn modelId="{C10EFC93-3EB0-4878-AE2E-719A2A9E2377}" type="presOf" srcId="{71A5C4D8-895E-4A5E-BE52-87345DC5DACD}" destId="{CF63AE83-1A70-4BFF-B164-8E8B6D8C211E}" srcOrd="0" destOrd="0" presId="urn:microsoft.com/office/officeart/2005/8/layout/orgChart1"/>
+    <dgm:cxn modelId="{F6983FB0-89FB-4648-8FAC-86282A6D0DE5}" type="presOf" srcId="{792DA21C-EE5F-479E-AFBB-1A087FCB3553}" destId="{15A242AB-8667-4B35-B5BA-A09E0B1D1869}" srcOrd="1" destOrd="0" presId="urn:microsoft.com/office/officeart/2005/8/layout/orgChart1"/>
+    <dgm:cxn modelId="{FB069687-2D14-4CA9-8064-AA3DDAB11087}" type="presOf" srcId="{6EF379B2-4D7E-4540-8BB7-67534AB26039}" destId="{CD9E5783-146A-4E7C-9089-A812CE5C6AC5}" srcOrd="0" destOrd="0" presId="urn:microsoft.com/office/officeart/2005/8/layout/orgChart1"/>
+    <dgm:cxn modelId="{152754CC-9720-4DAF-BD6B-FDEE4F87F950}" type="presOf" srcId="{A3BD83B2-8938-453D-BBE0-F9DABD35CF75}" destId="{0B464B4C-E6BD-4582-A36E-DB519919DE72}" srcOrd="0" destOrd="0" presId="urn:microsoft.com/office/officeart/2005/8/layout/orgChart1"/>
+    <dgm:cxn modelId="{D379599A-6F33-4704-ACD3-C72D420B9031}" type="presOf" srcId="{AAF359BC-A3E8-4FC5-A60B-6CF14CA7354A}" destId="{1313EBF5-A6E0-4E7F-B37F-B3A9ECABF5F4}" srcOrd="0" destOrd="0" presId="urn:microsoft.com/office/officeart/2005/8/layout/orgChart1"/>
+    <dgm:cxn modelId="{2F4153A9-0F8A-45E2-9E7C-10A9038090C7}" type="presOf" srcId="{999631F3-8C2A-4B2D-9F10-69C683EB509B}" destId="{9B08A2E7-31F4-46B8-998F-035C41F928BD}" srcOrd="1" destOrd="0" presId="urn:microsoft.com/office/officeart/2005/8/layout/orgChart1"/>
+    <dgm:cxn modelId="{52C1340E-899D-41FF-9630-84D1ED3A4543}" type="presOf" srcId="{CAE51EB7-0681-468F-BBFB-3CC731DBC655}" destId="{6E8640C2-EC09-4866-9854-9A7F3545949C}" srcOrd="0" destOrd="0" presId="urn:microsoft.com/office/officeart/2005/8/layout/orgChart1"/>
     <dgm:cxn modelId="{8228DA2C-8501-4C86-A159-79C0C18308C8}" type="presOf" srcId="{0DC4D759-53DD-451E-86E2-9790F091B90F}" destId="{A620B099-914B-4035-B838-E6DF21B4C5CC}" srcOrd="0" destOrd="0" presId="urn:microsoft.com/office/officeart/2005/8/layout/orgChart1"/>
-    <dgm:cxn modelId="{2C133316-3FB8-4889-A3DB-06E0432C1868}" type="presOf" srcId="{1DCCBC74-F9FA-483F-8832-777E7D19F42C}" destId="{E2718672-F4C5-44E3-B199-3A544764C237}" srcOrd="0" destOrd="0" presId="urn:microsoft.com/office/officeart/2005/8/layout/orgChart1"/>
-    <dgm:cxn modelId="{FE13810E-61DF-4E6A-9C0F-80F85FB9E4A4}" type="presOf" srcId="{C01BBDF4-62EC-4668-B8EF-3055B3899612}" destId="{91767ED6-3EC0-4F12-92D5-C63DD8114BDD}" srcOrd="1" destOrd="0" presId="urn:microsoft.com/office/officeart/2005/8/layout/orgChart1"/>
-    <dgm:cxn modelId="{75C9A235-2E72-4B9B-842F-96A7E849C02C}" type="presOf" srcId="{AAF359BC-A3E8-4FC5-A60B-6CF14CA7354A}" destId="{617ACD48-AA25-4133-9154-8ECD3BEAC7EC}" srcOrd="1" destOrd="0" presId="urn:microsoft.com/office/officeart/2005/8/layout/orgChart1"/>
-    <dgm:cxn modelId="{D8949977-B4F9-4440-990A-147EC03F644F}" srcId="{6EF379B2-4D7E-4540-8BB7-67534AB26039}" destId="{AC57D0C9-D20C-4043-AAB1-B4EFF5A2DCE0}" srcOrd="3" destOrd="0" parTransId="{7755289A-15AA-4213-B5C2-1B915C2D1631}" sibTransId="{27F20970-EF3A-454E-92A2-9C9CFE51120F}"/>
+    <dgm:cxn modelId="{E1A968C3-1F2C-46C5-B5B4-C87064F9A68C}" type="presOf" srcId="{ED5E2831-86EB-4BF3-9944-6F00B7CC4790}" destId="{9D65FD68-EF68-432B-8693-36261A77E4C5}" srcOrd="0" destOrd="0" presId="urn:microsoft.com/office/officeart/2005/8/layout/orgChart1"/>
+    <dgm:cxn modelId="{8B91CD3B-6C0D-4977-95E7-2EB9CD7110A9}" srcId="{6EF379B2-4D7E-4540-8BB7-67534AB26039}" destId="{999631F3-8C2A-4B2D-9F10-69C683EB509B}" srcOrd="1" destOrd="0" parTransId="{37C59927-EB36-4676-A41C-0BD5DC0C36DE}" sibTransId="{0A2A3E89-7ED4-4F0D-9D87-F87CA940CC2A}"/>
+    <dgm:cxn modelId="{A913BF05-BFD1-4BFE-B72F-FC44CF18E3B5}" srcId="{D05C6984-68F2-4392-A877-698D791699AA}" destId="{0D8FBF09-E798-436B-8680-E8812E01BA7E}" srcOrd="4" destOrd="0" parTransId="{C4C8039C-F155-4880-8AD9-B880E9D80651}" sibTransId="{096020EA-810E-4839-86EF-BB05A4D6E3D7}"/>
+    <dgm:cxn modelId="{FB8E2F42-C545-4644-B135-D7512C464CFE}" type="presOf" srcId="{DF79325E-8553-4B66-BCB0-091CF953FF82}" destId="{C3A9274E-F514-48E6-A01A-F6588F514049}" srcOrd="0" destOrd="0" presId="urn:microsoft.com/office/officeart/2005/8/layout/orgChart1"/>
+    <dgm:cxn modelId="{3D368CA0-E1BC-45B4-8FC2-354D6BF24B71}" type="presOf" srcId="{A0F934D1-5FF6-460A-92F4-68DAE1F899E7}" destId="{E1704704-0928-4214-8BF3-DEB5CD7F211C}" srcOrd="0" destOrd="0" presId="urn:microsoft.com/office/officeart/2005/8/layout/orgChart1"/>
+    <dgm:cxn modelId="{C4AD5047-D124-4970-82F6-76D9237B19F9}" type="presOf" srcId="{A8C94217-024B-4A1E-9ECD-CC22A6125C24}" destId="{E5D2E38C-F806-4BEB-86B9-F2C37EF87292}" srcOrd="0" destOrd="0" presId="urn:microsoft.com/office/officeart/2005/8/layout/orgChart1"/>
     <dgm:cxn modelId="{198D7F25-2FC0-4091-9D1D-ADEB7B08AB26}" type="presOf" srcId="{A8C94217-024B-4A1E-9ECD-CC22A6125C24}" destId="{757250D1-EA3B-44D2-811A-9CBB51EDDE7A}" srcOrd="1" destOrd="0" presId="urn:microsoft.com/office/officeart/2005/8/layout/orgChart1"/>
+    <dgm:cxn modelId="{FFD351CE-353E-4D66-B914-683581C872AD}" srcId="{D05C6984-68F2-4392-A877-698D791699AA}" destId="{ED5E2831-86EB-4BF3-9944-6F00B7CC4790}" srcOrd="3" destOrd="0" parTransId="{BFB41897-BD4D-42BB-9E0B-E5CFB6A061D2}" sibTransId="{DC4BDC25-13B1-40C4-BD07-28EC843F4F52}"/>
+    <dgm:cxn modelId="{0DA355E4-D608-4B5B-BC98-9694E69FDD33}" type="presOf" srcId="{D05C6984-68F2-4392-A877-698D791699AA}" destId="{FBABE52F-7FDC-4D5C-A287-DF0ECDDF5597}" srcOrd="1" destOrd="0" presId="urn:microsoft.com/office/officeart/2005/8/layout/orgChart1"/>
+    <dgm:cxn modelId="{6435350C-BE7B-4F39-AD6D-9FDD633E3B06}" srcId="{0D6EDFAC-F208-472F-BABE-D311576438B4}" destId="{6EF379B2-4D7E-4540-8BB7-67534AB26039}" srcOrd="1" destOrd="0" parTransId="{AD720A34-3B2E-48A2-8E92-E0854892FDFB}" sibTransId="{BB8DD0BC-3CB9-43D7-82E7-A0BDA0ED465B}"/>
+    <dgm:cxn modelId="{3401BBC5-D3C2-4BC9-8896-1A47B3E39120}" type="presOf" srcId="{812ACE74-DC59-46A3-845C-9195C766CA0F}" destId="{9A9D97E9-0C32-48A1-BE28-E53627D81D87}" srcOrd="1" destOrd="0" presId="urn:microsoft.com/office/officeart/2005/8/layout/orgChart1"/>
+    <dgm:cxn modelId="{B312A191-C7CF-44DB-A469-F4E859899825}" srcId="{6EF379B2-4D7E-4540-8BB7-67534AB26039}" destId="{3D021EB7-2C27-45B3-BB1F-5BB402F44CBC}" srcOrd="2" destOrd="0" parTransId="{C3075AFD-33D0-44BE-B24B-50F877BA1BA3}" sibTransId="{0D805464-5F0B-4F2F-97D4-003812AC6558}"/>
+    <dgm:cxn modelId="{38CD5246-564F-489D-8B68-AF14DB18761A}" srcId="{DD9ABD88-44A6-4F88-830D-C0451CD7A5FA}" destId="{0DC4D759-53DD-451E-86E2-9790F091B90F}" srcOrd="2" destOrd="0" parTransId="{2AE3777E-3BB6-4717-8F49-890C7881FE5F}" sibTransId="{B92780F7-25FF-45ED-816C-94883467B8AC}"/>
+    <dgm:cxn modelId="{E0472861-366E-4B80-BD4F-8FB3155EC78E}" type="presOf" srcId="{792DA21C-EE5F-479E-AFBB-1A087FCB3553}" destId="{48B0A879-0291-4168-80D6-F5189B6BAA66}" srcOrd="0" destOrd="0" presId="urn:microsoft.com/office/officeart/2005/8/layout/orgChart1"/>
     <dgm:cxn modelId="{EF499BFB-8DF7-4417-A8B9-C8718A4FB44A}" type="presOf" srcId="{DD9ABD88-44A6-4F88-830D-C0451CD7A5FA}" destId="{EC4AF814-F0B6-40DE-A948-439DE25DBC43}" srcOrd="0" destOrd="0" presId="urn:microsoft.com/office/officeart/2005/8/layout/orgChart1"/>
-    <dgm:cxn modelId="{3DD84D38-BCE6-4AF6-9B47-7A03762E60F2}" type="presOf" srcId="{C01BBDF4-62EC-4668-B8EF-3055B3899612}" destId="{769F662F-630E-4B00-8744-585B5413518D}" srcOrd="0" destOrd="0" presId="urn:microsoft.com/office/officeart/2005/8/layout/orgChart1"/>
     <dgm:cxn modelId="{69099C88-1A89-4373-A343-D8CCC75D86EE}" srcId="{DD9ABD88-44A6-4F88-830D-C0451CD7A5FA}" destId="{8496B3AF-8AC9-41AF-8A33-D2F9A426BA6B}" srcOrd="0" destOrd="0" parTransId="{784D01D3-05C3-494C-A7C8-459C37A92FC1}" sibTransId="{4A70A932-4156-4777-AA91-0C8A25EE0D81}"/>
-    <dgm:cxn modelId="{3E2D2FD4-90C0-4D39-82A3-40C63EFB0B3F}" type="presOf" srcId="{0D8FBF09-E798-436B-8680-E8812E01BA7E}" destId="{23EDD40B-41FD-421C-927E-87300604D97F}" srcOrd="0" destOrd="0" presId="urn:microsoft.com/office/officeart/2005/8/layout/orgChart1"/>
-    <dgm:cxn modelId="{69DB6397-7B1C-4F9A-9539-E4E68B2253E6}" srcId="{DD9ABD88-44A6-4F88-830D-C0451CD7A5FA}" destId="{D2E95EB5-5E84-4518-B48A-A2DC57E7236C}" srcOrd="1" destOrd="0" parTransId="{1DCCBC74-F9FA-483F-8832-777E7D19F42C}" sibTransId="{A260D986-2D5F-4F5C-BBF5-06C6A7B7F64C}"/>
-    <dgm:cxn modelId="{7D3B4A71-8CAE-47E9-8FFA-902483374ABB}" type="presOf" srcId="{E6869938-8A85-4261-B564-7DADB2353E57}" destId="{856B2C2B-61CD-4141-9E2B-BEA70892F315}" srcOrd="0" destOrd="0" presId="urn:microsoft.com/office/officeart/2005/8/layout/orgChart1"/>
-    <dgm:cxn modelId="{6435350C-BE7B-4F39-AD6D-9FDD633E3B06}" srcId="{0D6EDFAC-F208-472F-BABE-D311576438B4}" destId="{6EF379B2-4D7E-4540-8BB7-67534AB26039}" srcOrd="1" destOrd="0" parTransId="{AD720A34-3B2E-48A2-8E92-E0854892FDFB}" sibTransId="{BB8DD0BC-3CB9-43D7-82E7-A0BDA0ED465B}"/>
-    <dgm:cxn modelId="{48E7B1EB-1B85-40F4-9376-AF096F3785D1}" type="presOf" srcId="{D2E95EB5-5E84-4518-B48A-A2DC57E7236C}" destId="{412C7619-1837-4001-A1AE-C21C13763A44}" srcOrd="1" destOrd="0" presId="urn:microsoft.com/office/officeart/2005/8/layout/orgChart1"/>
-    <dgm:cxn modelId="{4118D913-A757-4AD5-8F90-D5178F78ECEC}" type="presOf" srcId="{D0F51134-99D4-4BE6-B389-B437BAE169C6}" destId="{BFB47E4E-2A84-4304-8B87-122C9B95199C}" srcOrd="0" destOrd="0" presId="urn:microsoft.com/office/officeart/2005/8/layout/orgChart1"/>
-    <dgm:cxn modelId="{52C1340E-899D-41FF-9630-84D1ED3A4543}" type="presOf" srcId="{CAE51EB7-0681-468F-BBFB-3CC731DBC655}" destId="{6E8640C2-EC09-4866-9854-9A7F3545949C}" srcOrd="0" destOrd="0" presId="urn:microsoft.com/office/officeart/2005/8/layout/orgChart1"/>
-    <dgm:cxn modelId="{38CD5246-564F-489D-8B68-AF14DB18761A}" srcId="{DD9ABD88-44A6-4F88-830D-C0451CD7A5FA}" destId="{0DC4D759-53DD-451E-86E2-9790F091B90F}" srcOrd="2" destOrd="0" parTransId="{2AE3777E-3BB6-4717-8F49-890C7881FE5F}" sibTransId="{B92780F7-25FF-45ED-816C-94883467B8AC}"/>
-    <dgm:cxn modelId="{C1AE3585-7360-4656-AC87-8575FC1117C9}" type="presOf" srcId="{C4C8039C-F155-4880-8AD9-B880E9D80651}" destId="{D38426C7-250D-4149-BBE5-8CD7AFE78649}" srcOrd="0" destOrd="0" presId="urn:microsoft.com/office/officeart/2005/8/layout/orgChart1"/>
-    <dgm:cxn modelId="{EAD55278-2484-46A2-8423-DACFF69CECD5}" type="presOf" srcId="{BFB41897-BD4D-42BB-9E0B-E5CFB6A061D2}" destId="{B956E55E-8DC6-4CF9-98E1-5F469438B2B3}" srcOrd="0" destOrd="0" presId="urn:microsoft.com/office/officeart/2005/8/layout/orgChart1"/>
-    <dgm:cxn modelId="{1BA33607-6DC5-499B-98D9-E4734E946FE4}" srcId="{AAF359BC-A3E8-4FC5-A60B-6CF14CA7354A}" destId="{A8C94217-024B-4A1E-9ECD-CC22A6125C24}" srcOrd="1" destOrd="0" parTransId="{16C05F54-F969-4CCF-964C-FFD7EB5C45A6}" sibTransId="{59E36635-86C0-47DE-B8E3-D5DC856DE129}"/>
-    <dgm:cxn modelId="{D7AB6E49-B7EF-4C18-8DFD-9A03025B263A}" type="presOf" srcId="{407A8045-13A7-443E-A6E9-ADA0B450809D}" destId="{B5A24703-0C51-4CFD-8AF8-EFE9B10274AB}" srcOrd="0" destOrd="0" presId="urn:microsoft.com/office/officeart/2005/8/layout/orgChart1"/>
-    <dgm:cxn modelId="{057ACDE4-B61F-4EA4-8433-E2D2BEB582F9}" type="presOf" srcId="{3D021EB7-2C27-45B3-BB1F-5BB402F44CBC}" destId="{80E34073-2ED9-4F53-AD52-7E9B29A47228}" srcOrd="1" destOrd="0" presId="urn:microsoft.com/office/officeart/2005/8/layout/orgChart1"/>
-    <dgm:cxn modelId="{01B5EC09-03A7-49B5-86C5-5EB415A3A4CC}" type="presOf" srcId="{999631F3-8C2A-4B2D-9F10-69C683EB509B}" destId="{5890B934-F029-4014-B867-B7AFF223B213}" srcOrd="0" destOrd="0" presId="urn:microsoft.com/office/officeart/2005/8/layout/orgChart1"/>
-    <dgm:cxn modelId="{46364975-9585-44C4-BC0D-CB1D0AD0F09D}" type="presOf" srcId="{0DC4D759-53DD-451E-86E2-9790F091B90F}" destId="{6CF988AF-2084-459F-8A47-33FDCA55BC79}" srcOrd="1" destOrd="0" presId="urn:microsoft.com/office/officeart/2005/8/layout/orgChart1"/>
-    <dgm:cxn modelId="{EDC8ECE3-589A-41A0-B191-5FBDF4C472F1}" srcId="{0D6EDFAC-F208-472F-BABE-D311576438B4}" destId="{DD9ABD88-44A6-4F88-830D-C0451CD7A5FA}" srcOrd="0" destOrd="0" parTransId="{A3BD83B2-8938-453D-BBE0-F9DABD35CF75}" sibTransId="{5C4D29FE-A5E5-4C3C-976E-69C656029AE4}"/>
-    <dgm:cxn modelId="{2F4153A9-0F8A-45E2-9E7C-10A9038090C7}" type="presOf" srcId="{999631F3-8C2A-4B2D-9F10-69C683EB509B}" destId="{9B08A2E7-31F4-46B8-998F-035C41F928BD}" srcOrd="1" destOrd="0" presId="urn:microsoft.com/office/officeart/2005/8/layout/orgChart1"/>
-    <dgm:cxn modelId="{6746CCE9-6CB5-4B31-9B3B-C3B0BF929A11}" srcId="{6EF379B2-4D7E-4540-8BB7-67534AB26039}" destId="{792DA21C-EE5F-479E-AFBB-1A087FCB3553}" srcOrd="0" destOrd="0" parTransId="{D06BD15F-B537-4578-A96C-E5310FE3D8D0}" sibTransId="{E15F0886-9D2D-4137-B82B-F42A2C9CFF80}"/>
-    <dgm:cxn modelId="{A90CB63E-D773-40C1-84BA-8275F44DFA13}" type="presOf" srcId="{DD9ABD88-44A6-4F88-830D-C0451CD7A5FA}" destId="{4EEB985E-BA7B-4ACD-8EF7-B4BCFC54C730}" srcOrd="1" destOrd="0" presId="urn:microsoft.com/office/officeart/2005/8/layout/orgChart1"/>
-    <dgm:cxn modelId="{11805E66-44B3-4EFE-B4A2-0EF4810F9F59}" type="presOf" srcId="{8496B3AF-8AC9-41AF-8A33-D2F9A426BA6B}" destId="{0399E460-7248-4920-B4B0-89318FCD5159}" srcOrd="0" destOrd="0" presId="urn:microsoft.com/office/officeart/2005/8/layout/orgChart1"/>
-    <dgm:cxn modelId="{FD6FAB7C-665F-4932-ACF6-06B057B3A6DB}" srcId="{D05C6984-68F2-4392-A877-698D791699AA}" destId="{812ACE74-DC59-46A3-845C-9195C766CA0F}" srcOrd="5" destOrd="0" parTransId="{D0F51134-99D4-4BE6-B389-B437BAE169C6}" sibTransId="{689EB9D3-2601-479F-91E4-D0ECD9F52C4C}"/>
-    <dgm:cxn modelId="{E16CD759-08D2-4AD1-8BDD-AC54F69CB01C}" srcId="{D05C6984-68F2-4392-A877-698D791699AA}" destId="{801EC49B-99C5-412A-BA31-7361160B5C3D}" srcOrd="0" destOrd="0" parTransId="{344616A7-519F-4878-90A8-478B36CBB9E1}" sibTransId="{1D6953BF-2800-42BF-9F9D-E80B6E3DE0F1}"/>
-    <dgm:cxn modelId="{198CAA6A-29A0-4815-970E-A365A76B4304}" type="presOf" srcId="{AC57D0C9-D20C-4043-AAB1-B4EFF5A2DCE0}" destId="{33312C6C-9362-410B-8CE0-DD5FA09A9160}" srcOrd="1" destOrd="0" presId="urn:microsoft.com/office/officeart/2005/8/layout/orgChart1"/>
-    <dgm:cxn modelId="{A3D30A16-9DAD-4380-ACBF-8C4F93C93612}" type="presOf" srcId="{C7F4CFB8-1158-4A0A-94FC-60D036279D75}" destId="{1E8AD56F-1A97-45C1-A782-3A60934ADDC2}" srcOrd="1" destOrd="0" presId="urn:microsoft.com/office/officeart/2005/8/layout/orgChart1"/>
-    <dgm:cxn modelId="{BC0B4100-3963-4701-B1B5-CD5F55EC48F4}" srcId="{AAF359BC-A3E8-4FC5-A60B-6CF14CA7354A}" destId="{A0F934D1-5FF6-460A-92F4-68DAE1F899E7}" srcOrd="2" destOrd="0" parTransId="{C6B75B40-09C4-41E7-8FCE-C6CB7819455A}" sibTransId="{5E54B024-0494-4431-9F79-7454793DB889}"/>
-    <dgm:cxn modelId="{8846E967-19D6-4F82-85D4-C277A889F3C8}" type="presOf" srcId="{A47BFAC0-082B-4A7F-8AEE-3990DDD58B31}" destId="{D4D10D95-13B8-44A4-9547-B9182A2F1937}" srcOrd="0" destOrd="0" presId="urn:microsoft.com/office/officeart/2005/8/layout/orgChart1"/>
-    <dgm:cxn modelId="{D629117C-C6E7-43E2-88F1-11EAC1071202}" type="presOf" srcId="{D2E95EB5-5E84-4518-B48A-A2DC57E7236C}" destId="{F638AE9B-3814-4324-8581-0E88ACDA82A4}" srcOrd="0" destOrd="0" presId="urn:microsoft.com/office/officeart/2005/8/layout/orgChart1"/>
-    <dgm:cxn modelId="{720D70A0-1C7E-40FA-980A-E0DCADC06C54}" type="presOf" srcId="{801EC49B-99C5-412A-BA31-7361160B5C3D}" destId="{A6E509A3-578A-4AA9-9D0C-6706D979C416}" srcOrd="1" destOrd="0" presId="urn:microsoft.com/office/officeart/2005/8/layout/orgChart1"/>
-    <dgm:cxn modelId="{0DA355E4-D608-4B5B-BC98-9694E69FDD33}" type="presOf" srcId="{D05C6984-68F2-4392-A877-698D791699AA}" destId="{FBABE52F-7FDC-4D5C-A287-DF0ECDDF5597}" srcOrd="1" destOrd="0" presId="urn:microsoft.com/office/officeart/2005/8/layout/orgChart1"/>
-    <dgm:cxn modelId="{B8A638FA-822F-43C3-9BD3-1BC0136C0F90}" type="presOf" srcId="{71A5C4D8-895E-4A5E-BE52-87345DC5DACD}" destId="{820F4BD8-F8D5-486B-BC41-F6DA09052F0D}" srcOrd="1" destOrd="0" presId="urn:microsoft.com/office/officeart/2005/8/layout/orgChart1"/>
-    <dgm:cxn modelId="{2C07DF69-C311-4C56-B2FC-D86B2CEFE1E6}" type="presOf" srcId="{2AE3777E-3BB6-4717-8F49-890C7881FE5F}" destId="{18871F0A-F5B3-42D6-B0D0-A09769A9FB74}" srcOrd="0" destOrd="0" presId="urn:microsoft.com/office/officeart/2005/8/layout/orgChart1"/>
-    <dgm:cxn modelId="{2D5735C0-25A4-4258-A961-3D7F156B4143}" type="presOf" srcId="{AC57D0C9-D20C-4043-AAB1-B4EFF5A2DCE0}" destId="{DFFDABC5-5A28-4286-92A6-BAA1899B7067}" srcOrd="0" destOrd="0" presId="urn:microsoft.com/office/officeart/2005/8/layout/orgChart1"/>
-    <dgm:cxn modelId="{F5F7AC18-F943-4F3A-9B94-2221646C64D4}" type="presOf" srcId="{0D6EDFAC-F208-472F-BABE-D311576438B4}" destId="{E8D349D1-2F10-4399-BB98-6BD957F6D69B}" srcOrd="0" destOrd="0" presId="urn:microsoft.com/office/officeart/2005/8/layout/orgChart1"/>
-    <dgm:cxn modelId="{7E9EA3E7-1F9A-4F1B-9193-BB79EBC5F4C6}" type="presOf" srcId="{A0F934D1-5FF6-460A-92F4-68DAE1F899E7}" destId="{C64FEE58-AA56-483B-ABDF-4E4E855E995D}" srcOrd="1" destOrd="0" presId="urn:microsoft.com/office/officeart/2005/8/layout/orgChart1"/>
-    <dgm:cxn modelId="{55C441D0-2AC5-47B9-A0A6-FD17A41BDF49}" type="presOf" srcId="{A31EA6D1-C5FC-4FC7-B6E6-13E17EC2BA6E}" destId="{9BAC4C1A-564F-42B8-8E09-A791B9499022}" srcOrd="1" destOrd="0" presId="urn:microsoft.com/office/officeart/2005/8/layout/orgChart1"/>
-    <dgm:cxn modelId="{7F331CF8-A51B-48F0-B4C2-AD79E84E9FCA}" type="presOf" srcId="{AD720A34-3B2E-48A2-8E92-E0854892FDFB}" destId="{97A696BC-B84F-4FAD-A203-6DB46EF30E7C}" srcOrd="0" destOrd="0" presId="urn:microsoft.com/office/officeart/2005/8/layout/orgChart1"/>
+    <dgm:cxn modelId="{9F170A6D-C6C1-4A9B-B11A-8D06D63E2BAE}" srcId="{AAF359BC-A3E8-4FC5-A60B-6CF14CA7354A}" destId="{C01BBDF4-62EC-4668-B8EF-3055B3899612}" srcOrd="3" destOrd="0" parTransId="{95A11C3E-83D9-49AE-9001-77DD5DB3B4C6}" sibTransId="{794400E7-A129-41D0-8440-6BDC65401F15}"/>
     <dgm:cxn modelId="{6EC27C48-3CB0-4191-976A-2E5E5164605B}" srcId="{0D6EDFAC-F208-472F-BABE-D311576438B4}" destId="{AAF359BC-A3E8-4FC5-A60B-6CF14CA7354A}" srcOrd="2" destOrd="0" parTransId="{521FFBAF-EF12-443B-BDCE-8AA670DCBAB6}" sibTransId="{0797EA8F-EC6F-43C2-A5C1-2DFC740BBDFC}"/>
     <dgm:cxn modelId="{A4759804-B8B8-44C2-95D3-9696C84E1848}" type="presOf" srcId="{344616A7-519F-4878-90A8-478B36CBB9E1}" destId="{EAE7142A-1664-4F61-8F73-F01FDE3B784C}" srcOrd="0" destOrd="0" presId="urn:microsoft.com/office/officeart/2005/8/layout/orgChart1"/>
+    <dgm:cxn modelId="{46364975-9585-44C4-BC0D-CB1D0AD0F09D}" type="presOf" srcId="{0DC4D759-53DD-451E-86E2-9790F091B90F}" destId="{6CF988AF-2084-459F-8A47-33FDCA55BC79}" srcOrd="1" destOrd="0" presId="urn:microsoft.com/office/officeart/2005/8/layout/orgChart1"/>
+    <dgm:cxn modelId="{D76E9B60-145F-4C34-BE29-13DD45DA3ABE}" type="presOf" srcId="{7755289A-15AA-4213-B5C2-1B915C2D1631}" destId="{18762157-A732-4C33-BFFE-F8C8AD695527}" srcOrd="0" destOrd="0" presId="urn:microsoft.com/office/officeart/2005/8/layout/orgChart1"/>
+    <dgm:cxn modelId="{F5F7AC18-F943-4F3A-9B94-2221646C64D4}" type="presOf" srcId="{0D6EDFAC-F208-472F-BABE-D311576438B4}" destId="{E8D349D1-2F10-4399-BB98-6BD957F6D69B}" srcOrd="0" destOrd="0" presId="urn:microsoft.com/office/officeart/2005/8/layout/orgChart1"/>
+    <dgm:cxn modelId="{4118D913-A757-4AD5-8F90-D5178F78ECEC}" type="presOf" srcId="{D0F51134-99D4-4BE6-B389-B437BAE169C6}" destId="{BFB47E4E-2A84-4304-8B87-122C9B95199C}" srcOrd="0" destOrd="0" presId="urn:microsoft.com/office/officeart/2005/8/layout/orgChart1"/>
+    <dgm:cxn modelId="{49710E0B-D879-4FF3-BCE1-450DC12D6196}" type="presOf" srcId="{D06BD15F-B537-4578-A96C-E5310FE3D8D0}" destId="{42BC7A41-5707-4420-8741-8C94B3F59F62}" srcOrd="0" destOrd="0" presId="urn:microsoft.com/office/officeart/2005/8/layout/orgChart1"/>
+    <dgm:cxn modelId="{1BA33607-6DC5-499B-98D9-E4734E946FE4}" srcId="{AAF359BC-A3E8-4FC5-A60B-6CF14CA7354A}" destId="{A8C94217-024B-4A1E-9ECD-CC22A6125C24}" srcOrd="1" destOrd="0" parTransId="{16C05F54-F969-4CCF-964C-FFD7EB5C45A6}" sibTransId="{59E36635-86C0-47DE-B8E3-D5DC856DE129}"/>
+    <dgm:cxn modelId="{11805E66-44B3-4EFE-B4A2-0EF4810F9F59}" type="presOf" srcId="{8496B3AF-8AC9-41AF-8A33-D2F9A426BA6B}" destId="{0399E460-7248-4920-B4B0-89318FCD5159}" srcOrd="0" destOrd="0" presId="urn:microsoft.com/office/officeart/2005/8/layout/orgChart1"/>
+    <dgm:cxn modelId="{8EB8C3C9-84D0-40C5-BCC2-9C7582ED11BC}" type="presOf" srcId="{801EC49B-99C5-412A-BA31-7361160B5C3D}" destId="{DF5C2B3B-B2F3-4787-BF32-E4677640F02A}" srcOrd="0" destOrd="0" presId="urn:microsoft.com/office/officeart/2005/8/layout/orgChart1"/>
+    <dgm:cxn modelId="{3E2D2FD4-90C0-4D39-82A3-40C63EFB0B3F}" type="presOf" srcId="{0D8FBF09-E798-436B-8680-E8812E01BA7E}" destId="{23EDD40B-41FD-421C-927E-87300604D97F}" srcOrd="0" destOrd="0" presId="urn:microsoft.com/office/officeart/2005/8/layout/orgChart1"/>
+    <dgm:cxn modelId="{2C133316-3FB8-4889-A3DB-06E0432C1868}" type="presOf" srcId="{1DCCBC74-F9FA-483F-8832-777E7D19F42C}" destId="{E2718672-F4C5-44E3-B199-3A544764C237}" srcOrd="0" destOrd="0" presId="urn:microsoft.com/office/officeart/2005/8/layout/orgChart1"/>
+    <dgm:cxn modelId="{8846E967-19D6-4F82-85D4-C277A889F3C8}" type="presOf" srcId="{A47BFAC0-082B-4A7F-8AEE-3990DDD58B31}" destId="{D4D10D95-13B8-44A4-9547-B9182A2F1937}" srcOrd="0" destOrd="0" presId="urn:microsoft.com/office/officeart/2005/8/layout/orgChart1"/>
+    <dgm:cxn modelId="{B8A638FA-822F-43C3-9BD3-1BC0136C0F90}" type="presOf" srcId="{71A5C4D8-895E-4A5E-BE52-87345DC5DACD}" destId="{820F4BD8-F8D5-486B-BC41-F6DA09052F0D}" srcOrd="1" destOrd="0" presId="urn:microsoft.com/office/officeart/2005/8/layout/orgChart1"/>
+    <dgm:cxn modelId="{A3D30A16-9DAD-4380-ACBF-8C4F93C93612}" type="presOf" srcId="{C7F4CFB8-1158-4A0A-94FC-60D036279D75}" destId="{1E8AD56F-1A97-45C1-A782-3A60934ADDC2}" srcOrd="1" destOrd="0" presId="urn:microsoft.com/office/officeart/2005/8/layout/orgChart1"/>
+    <dgm:cxn modelId="{2C07DF69-C311-4C56-B2FC-D86B2CEFE1E6}" type="presOf" srcId="{2AE3777E-3BB6-4717-8F49-890C7881FE5F}" destId="{18871F0A-F5B3-42D6-B0D0-A09769A9FB74}" srcOrd="0" destOrd="0" presId="urn:microsoft.com/office/officeart/2005/8/layout/orgChart1"/>
+    <dgm:cxn modelId="{954AA562-D532-4F5A-A4BB-05AB25579188}" type="presOf" srcId="{3D021EB7-2C27-45B3-BB1F-5BB402F44CBC}" destId="{F7CEB11D-C2F2-4478-A929-D37328EEA641}" srcOrd="0" destOrd="0" presId="urn:microsoft.com/office/officeart/2005/8/layout/orgChart1"/>
+    <dgm:cxn modelId="{E21D05EC-3E01-472B-924D-3EB0BEFFF06A}" type="presOf" srcId="{521FFBAF-EF12-443B-BDCE-8AA670DCBAB6}" destId="{2A899268-748B-423A-B879-E325B1F915C4}" srcOrd="0" destOrd="0" presId="urn:microsoft.com/office/officeart/2005/8/layout/orgChart1"/>
+    <dgm:cxn modelId="{A90CB63E-D773-40C1-84BA-8275F44DFA13}" type="presOf" srcId="{DD9ABD88-44A6-4F88-830D-C0451CD7A5FA}" destId="{4EEB985E-BA7B-4ACD-8EF7-B4BCFC54C730}" srcOrd="1" destOrd="0" presId="urn:microsoft.com/office/officeart/2005/8/layout/orgChart1"/>
+    <dgm:cxn modelId="{EAD55278-2484-46A2-8423-DACFF69CECD5}" type="presOf" srcId="{BFB41897-BD4D-42BB-9E0B-E5CFB6A061D2}" destId="{B956E55E-8DC6-4CF9-98E1-5F469438B2B3}" srcOrd="0" destOrd="0" presId="urn:microsoft.com/office/officeart/2005/8/layout/orgChart1"/>
+    <dgm:cxn modelId="{E16CD759-08D2-4AD1-8BDD-AC54F69CB01C}" srcId="{D05C6984-68F2-4392-A877-698D791699AA}" destId="{801EC49B-99C5-412A-BA31-7361160B5C3D}" srcOrd="0" destOrd="0" parTransId="{344616A7-519F-4878-90A8-478B36CBB9E1}" sibTransId="{1D6953BF-2800-42BF-9F9D-E80B6E3DE0F1}"/>
+    <dgm:cxn modelId="{60828758-1F91-4AA8-B648-2C29B566FA98}" type="presOf" srcId="{812ACE74-DC59-46A3-845C-9195C766CA0F}" destId="{4857CE45-5506-43FB-A113-0DFD7AFFF3AB}" srcOrd="0" destOrd="0" presId="urn:microsoft.com/office/officeart/2005/8/layout/orgChart1"/>
+    <dgm:cxn modelId="{D7AB6E49-B7EF-4C18-8DFD-9A03025B263A}" type="presOf" srcId="{407A8045-13A7-443E-A6E9-ADA0B450809D}" destId="{B5A24703-0C51-4CFD-8AF8-EFE9B10274AB}" srcOrd="0" destOrd="0" presId="urn:microsoft.com/office/officeart/2005/8/layout/orgChart1"/>
+    <dgm:cxn modelId="{C1146791-2B0A-4603-913F-0B96168ECE8D}" srcId="{D05C6984-68F2-4392-A877-698D791699AA}" destId="{F74C2EE2-50FC-45DB-8E01-913B4A5D92EC}" srcOrd="2" destOrd="0" parTransId="{DF79325E-8553-4B66-BCB0-091CF953FF82}" sibTransId="{88E29E19-D617-43B5-B77D-DC08608A4BB3}"/>
+    <dgm:cxn modelId="{C1AE3585-7360-4656-AC87-8575FC1117C9}" type="presOf" srcId="{C4C8039C-F155-4880-8AD9-B880E9D80651}" destId="{D38426C7-250D-4149-BBE5-8CD7AFE78649}" srcOrd="0" destOrd="0" presId="urn:microsoft.com/office/officeart/2005/8/layout/orgChart1"/>
+    <dgm:cxn modelId="{BC0B4100-3963-4701-B1B5-CD5F55EC48F4}" srcId="{AAF359BC-A3E8-4FC5-A60B-6CF14CA7354A}" destId="{A0F934D1-5FF6-460A-92F4-68DAE1F899E7}" srcOrd="2" destOrd="0" parTransId="{C6B75B40-09C4-41E7-8FCE-C6CB7819455A}" sibTransId="{5E54B024-0494-4431-9F79-7454793DB889}"/>
+    <dgm:cxn modelId="{057ACDE4-B61F-4EA4-8433-E2D2BEB582F9}" type="presOf" srcId="{3D021EB7-2C27-45B3-BB1F-5BB402F44CBC}" destId="{80E34073-2ED9-4F53-AD52-7E9B29A47228}" srcOrd="1" destOrd="0" presId="urn:microsoft.com/office/officeart/2005/8/layout/orgChart1"/>
+    <dgm:cxn modelId="{6746CCE9-6CB5-4B31-9B3B-C3B0BF929A11}" srcId="{6EF379B2-4D7E-4540-8BB7-67534AB26039}" destId="{792DA21C-EE5F-479E-AFBB-1A087FCB3553}" srcOrd="0" destOrd="0" parTransId="{D06BD15F-B537-4578-A96C-E5310FE3D8D0}" sibTransId="{E15F0886-9D2D-4137-B82B-F42A2C9CFF80}"/>
+    <dgm:cxn modelId="{D8949977-B4F9-4440-990A-147EC03F644F}" srcId="{6EF379B2-4D7E-4540-8BB7-67534AB26039}" destId="{AC57D0C9-D20C-4043-AAB1-B4EFF5A2DCE0}" srcOrd="3" destOrd="0" parTransId="{7755289A-15AA-4213-B5C2-1B915C2D1631}" sibTransId="{27F20970-EF3A-454E-92A2-9C9CFE51120F}"/>
+    <dgm:cxn modelId="{75C9A235-2E72-4B9B-842F-96A7E849C02C}" type="presOf" srcId="{AAF359BC-A3E8-4FC5-A60B-6CF14CA7354A}" destId="{617ACD48-AA25-4133-9154-8ECD3BEAC7EC}" srcOrd="1" destOrd="0" presId="urn:microsoft.com/office/officeart/2005/8/layout/orgChart1"/>
     <dgm:cxn modelId="{CC22FB96-B1B8-4876-B72C-BF3D87B97949}" type="presOf" srcId="{16C05F54-F969-4CCF-964C-FFD7EB5C45A6}" destId="{FB1F49D2-7188-46B4-9A4E-E3F1A9A44A8E}" srcOrd="0" destOrd="0" presId="urn:microsoft.com/office/officeart/2005/8/layout/orgChart1"/>
-    <dgm:cxn modelId="{F19BEEE0-9AB4-4795-AA98-A8A7CA1AE68D}" type="presOf" srcId="{A31EA6D1-C5FC-4FC7-B6E6-13E17EC2BA6E}" destId="{A1C89CB1-EE87-4852-B852-D5DF069DF6C3}" srcOrd="0" destOrd="0" presId="urn:microsoft.com/office/officeart/2005/8/layout/orgChart1"/>
-    <dgm:cxn modelId="{A913BF05-BFD1-4BFE-B72F-FC44CF18E3B5}" srcId="{D05C6984-68F2-4392-A877-698D791699AA}" destId="{0D8FBF09-E798-436B-8680-E8812E01BA7E}" srcOrd="4" destOrd="0" parTransId="{C4C8039C-F155-4880-8AD9-B880E9D80651}" sibTransId="{096020EA-810E-4839-86EF-BB05A4D6E3D7}"/>
+    <dgm:cxn modelId="{65456899-AC53-4F33-9A65-D9D48D96E663}" srcId="{AAF359BC-A3E8-4FC5-A60B-6CF14CA7354A}" destId="{C7F4CFB8-1158-4A0A-94FC-60D036279D75}" srcOrd="4" destOrd="0" parTransId="{E6869938-8A85-4261-B564-7DADB2353E57}" sibTransId="{CA7564B5-EAB5-469A-BAC4-A8534B633E3D}"/>
+    <dgm:cxn modelId="{7D3B4A71-8CAE-47E9-8FFA-902483374ABB}" type="presOf" srcId="{E6869938-8A85-4261-B564-7DADB2353E57}" destId="{856B2C2B-61CD-4141-9E2B-BEA70892F315}" srcOrd="0" destOrd="0" presId="urn:microsoft.com/office/officeart/2005/8/layout/orgChart1"/>
+    <dgm:cxn modelId="{2D5735C0-25A4-4258-A961-3D7F156B4143}" type="presOf" srcId="{AC57D0C9-D20C-4043-AAB1-B4EFF5A2DCE0}" destId="{DFFDABC5-5A28-4286-92A6-BAA1899B7067}" srcOrd="0" destOrd="0" presId="urn:microsoft.com/office/officeart/2005/8/layout/orgChart1"/>
     <dgm:cxn modelId="{3B54581E-0A9F-448A-BE93-4C5BA33EA9C6}" type="presOf" srcId="{6EF379B2-4D7E-4540-8BB7-67534AB26039}" destId="{B8E93A73-32C3-4F52-B29D-9DE19D28AC51}" srcOrd="1" destOrd="0" presId="urn:microsoft.com/office/officeart/2005/8/layout/orgChart1"/>
-    <dgm:cxn modelId="{58EEC68C-0E19-4139-9AD0-D0B7958FAB1D}" type="presOf" srcId="{D05C6984-68F2-4392-A877-698D791699AA}" destId="{3CBEF01E-EEE9-4074-AC21-54FA7640D0C4}" srcOrd="0" destOrd="0" presId="urn:microsoft.com/office/officeart/2005/8/layout/orgChart1"/>
-    <dgm:cxn modelId="{60828758-1F91-4AA8-B648-2C29B566FA98}" type="presOf" srcId="{812ACE74-DC59-46A3-845C-9195C766CA0F}" destId="{4857CE45-5506-43FB-A113-0DFD7AFFF3AB}" srcOrd="0" destOrd="0" presId="urn:microsoft.com/office/officeart/2005/8/layout/orgChart1"/>
-    <dgm:cxn modelId="{65456899-AC53-4F33-9A65-D9D48D96E663}" srcId="{AAF359BC-A3E8-4FC5-A60B-6CF14CA7354A}" destId="{C7F4CFB8-1158-4A0A-94FC-60D036279D75}" srcOrd="4" destOrd="0" parTransId="{E6869938-8A85-4261-B564-7DADB2353E57}" sibTransId="{CA7564B5-EAB5-469A-BAC4-A8534B633E3D}"/>
     <dgm:cxn modelId="{78E8C700-A112-4762-970A-33F24E32DE21}" srcId="{D05C6984-68F2-4392-A877-698D791699AA}" destId="{71A5C4D8-895E-4A5E-BE52-87345DC5DACD}" srcOrd="1" destOrd="0" parTransId="{7165056B-5961-4361-8777-D43635107A7F}" sibTransId="{52802991-91EB-460A-A927-02CF9F423F18}"/>
-    <dgm:cxn modelId="{D76E9B60-145F-4C34-BE29-13DD45DA3ABE}" type="presOf" srcId="{7755289A-15AA-4213-B5C2-1B915C2D1631}" destId="{18762157-A732-4C33-BFFE-F8C8AD695527}" srcOrd="0" destOrd="0" presId="urn:microsoft.com/office/officeart/2005/8/layout/orgChart1"/>
-    <dgm:cxn modelId="{FFD351CE-353E-4D66-B914-683581C872AD}" srcId="{D05C6984-68F2-4392-A877-698D791699AA}" destId="{ED5E2831-86EB-4BF3-9944-6F00B7CC4790}" srcOrd="3" destOrd="0" parTransId="{BFB41897-BD4D-42BB-9E0B-E5CFB6A061D2}" sibTransId="{DC4BDC25-13B1-40C4-BD07-28EC843F4F52}"/>
-    <dgm:cxn modelId="{F6983FB0-89FB-4648-8FAC-86282A6D0DE5}" type="presOf" srcId="{792DA21C-EE5F-479E-AFBB-1A087FCB3553}" destId="{15A242AB-8667-4B35-B5BA-A09E0B1D1869}" srcOrd="1" destOrd="0" presId="urn:microsoft.com/office/officeart/2005/8/layout/orgChart1"/>
-    <dgm:cxn modelId="{E0472861-366E-4B80-BD4F-8FB3155EC78E}" type="presOf" srcId="{792DA21C-EE5F-479E-AFBB-1A087FCB3553}" destId="{48B0A879-0291-4168-80D6-F5189B6BAA66}" srcOrd="0" destOrd="0" presId="urn:microsoft.com/office/officeart/2005/8/layout/orgChart1"/>
-    <dgm:cxn modelId="{152754CC-9720-4DAF-BD6B-FDEE4F87F950}" type="presOf" srcId="{A3BD83B2-8938-453D-BBE0-F9DABD35CF75}" destId="{0B464B4C-E6BD-4582-A36E-DB519919DE72}" srcOrd="0" destOrd="0" presId="urn:microsoft.com/office/officeart/2005/8/layout/orgChart1"/>
-    <dgm:cxn modelId="{27BFA827-B1DC-436C-9E6A-CE6D5EE22AD5}" type="presOf" srcId="{F74C2EE2-50FC-45DB-8E01-913B4A5D92EC}" destId="{91408221-E0A9-479D-B053-2D43C880DD67}" srcOrd="0" destOrd="0" presId="urn:microsoft.com/office/officeart/2005/8/layout/orgChart1"/>
-    <dgm:cxn modelId="{B312A191-C7CF-44DB-A469-F4E859899825}" srcId="{6EF379B2-4D7E-4540-8BB7-67534AB26039}" destId="{3D021EB7-2C27-45B3-BB1F-5BB402F44CBC}" srcOrd="2" destOrd="0" parTransId="{C3075AFD-33D0-44BE-B24B-50F877BA1BA3}" sibTransId="{0D805464-5F0B-4F2F-97D4-003812AC6558}"/>
-    <dgm:cxn modelId="{49710E0B-D879-4FF3-BCE1-450DC12D6196}" type="presOf" srcId="{D06BD15F-B537-4578-A96C-E5310FE3D8D0}" destId="{42BC7A41-5707-4420-8741-8C94B3F59F62}" srcOrd="0" destOrd="0" presId="urn:microsoft.com/office/officeart/2005/8/layout/orgChart1"/>
-    <dgm:cxn modelId="{D379599A-6F33-4704-ACD3-C72D420B9031}" type="presOf" srcId="{AAF359BC-A3E8-4FC5-A60B-6CF14CA7354A}" destId="{1313EBF5-A6E0-4E7F-B37F-B3A9ECABF5F4}" srcOrd="0" destOrd="0" presId="urn:microsoft.com/office/officeart/2005/8/layout/orgChart1"/>
-    <dgm:cxn modelId="{3D368CA0-E1BC-45B4-8FC2-354D6BF24B71}" type="presOf" srcId="{A0F934D1-5FF6-460A-92F4-68DAE1F899E7}" destId="{E1704704-0928-4214-8BF3-DEB5CD7F211C}" srcOrd="0" destOrd="0" presId="urn:microsoft.com/office/officeart/2005/8/layout/orgChart1"/>
-    <dgm:cxn modelId="{185D6046-F192-46AF-9850-8023DE23A0B9}" type="presOf" srcId="{ED5E2831-86EB-4BF3-9944-6F00B7CC4790}" destId="{CF1AC9A2-2997-48B1-8D8D-F6C2E23C8F99}" srcOrd="1" destOrd="0" presId="urn:microsoft.com/office/officeart/2005/8/layout/orgChart1"/>
-    <dgm:cxn modelId="{339A7B3F-CE96-495C-B73F-03F206AAFFD8}" type="presOf" srcId="{0D8FBF09-E798-436B-8680-E8812E01BA7E}" destId="{BFDDEB14-FCF8-4533-9C0F-0867A656B20F}" srcOrd="1" destOrd="0" presId="urn:microsoft.com/office/officeart/2005/8/layout/orgChart1"/>
     <dgm:cxn modelId="{80AA730E-7BF1-4AA5-9E3F-0C516CE1C616}" type="presOf" srcId="{7165056B-5961-4361-8777-D43635107A7F}" destId="{1840CE6C-F333-4A7C-BCDD-509421C6DF84}" srcOrd="0" destOrd="0" presId="urn:microsoft.com/office/officeart/2005/8/layout/orgChart1"/>
-    <dgm:cxn modelId="{E21D05EC-3E01-472B-924D-3EB0BEFFF06A}" type="presOf" srcId="{521FFBAF-EF12-443B-BDCE-8AA670DCBAB6}" destId="{2A899268-748B-423A-B879-E325B1F915C4}" srcOrd="0" destOrd="0" presId="urn:microsoft.com/office/officeart/2005/8/layout/orgChart1"/>
-    <dgm:cxn modelId="{09C19B7F-6E44-4FD0-AA3C-97F19CCCA2B9}" type="presOf" srcId="{784D01D3-05C3-494C-A7C8-459C37A92FC1}" destId="{253C8434-054F-4733-A637-CBB9EE451263}" srcOrd="0" destOrd="0" presId="urn:microsoft.com/office/officeart/2005/8/layout/orgChart1"/>
-    <dgm:cxn modelId="{FF57F8A9-2186-4CF6-BB68-30E5CAF3EA4B}" type="presOf" srcId="{C3075AFD-33D0-44BE-B24B-50F877BA1BA3}" destId="{3526C1B9-D4C2-4093-B62A-E34AEDEAB893}" srcOrd="0" destOrd="0" presId="urn:microsoft.com/office/officeart/2005/8/layout/orgChart1"/>
-    <dgm:cxn modelId="{8A59C62B-C74F-45DD-B117-878E304ED075}" srcId="{AAF359BC-A3E8-4FC5-A60B-6CF14CA7354A}" destId="{A31EA6D1-C5FC-4FC7-B6E6-13E17EC2BA6E}" srcOrd="0" destOrd="0" parTransId="{CAE51EB7-0681-468F-BBFB-3CC731DBC655}" sibTransId="{42F7DDED-97EF-49AB-9FFD-88325D3464E8}"/>
-    <dgm:cxn modelId="{8B91CD3B-6C0D-4977-95E7-2EB9CD7110A9}" srcId="{6EF379B2-4D7E-4540-8BB7-67534AB26039}" destId="{999631F3-8C2A-4B2D-9F10-69C683EB509B}" srcOrd="1" destOrd="0" parTransId="{37C59927-EB36-4676-A41C-0BD5DC0C36DE}" sibTransId="{0A2A3E89-7ED4-4F0D-9D87-F87CA940CC2A}"/>
-    <dgm:cxn modelId="{C10EFC93-3EB0-4878-AE2E-719A2A9E2377}" type="presOf" srcId="{71A5C4D8-895E-4A5E-BE52-87345DC5DACD}" destId="{CF63AE83-1A70-4BFF-B164-8E8B6D8C211E}" srcOrd="0" destOrd="0" presId="urn:microsoft.com/office/officeart/2005/8/layout/orgChart1"/>
-    <dgm:cxn modelId="{BB1596A7-2031-483C-9129-BAE157302B56}" srcId="{0D6EDFAC-F208-472F-BABE-D311576438B4}" destId="{D05C6984-68F2-4392-A877-698D791699AA}" srcOrd="3" destOrd="0" parTransId="{407A8045-13A7-443E-A6E9-ADA0B450809D}" sibTransId="{FEE3A601-E6B1-4230-81D1-FF0DB3D303D0}"/>
-    <dgm:cxn modelId="{03A0C235-0EEC-4307-80A3-295FC4E6ECAD}" srcId="{A47BFAC0-082B-4A7F-8AEE-3990DDD58B31}" destId="{0D6EDFAC-F208-472F-BABE-D311576438B4}" srcOrd="0" destOrd="0" parTransId="{7328B3E1-96F2-4D70-AF77-1FF7AF6CCFDA}" sibTransId="{75150A00-0859-4ECB-B541-52E0BFA14B0C}"/>
-    <dgm:cxn modelId="{FB8E2F42-C545-4644-B135-D7512C464CFE}" type="presOf" srcId="{DF79325E-8553-4B66-BCB0-091CF953FF82}" destId="{C3A9274E-F514-48E6-A01A-F6588F514049}" srcOrd="0" destOrd="0" presId="urn:microsoft.com/office/officeart/2005/8/layout/orgChart1"/>
-    <dgm:cxn modelId="{FB069687-2D14-4CA9-8064-AA3DDAB11087}" type="presOf" srcId="{6EF379B2-4D7E-4540-8BB7-67534AB26039}" destId="{CD9E5783-146A-4E7C-9089-A812CE5C6AC5}" srcOrd="0" destOrd="0" presId="urn:microsoft.com/office/officeart/2005/8/layout/orgChart1"/>
-    <dgm:cxn modelId="{59475E17-A142-4E6F-9107-CCF1E5391913}" type="presOf" srcId="{95A11C3E-83D9-49AE-9001-77DD5DB3B4C6}" destId="{788CF303-A938-4F3F-ACD8-FFC38DF35DF1}" srcOrd="0" destOrd="0" presId="urn:microsoft.com/office/officeart/2005/8/layout/orgChart1"/>
-    <dgm:cxn modelId="{9F170A6D-C6C1-4A9B-B11A-8D06D63E2BAE}" srcId="{AAF359BC-A3E8-4FC5-A60B-6CF14CA7354A}" destId="{C01BBDF4-62EC-4668-B8EF-3055B3899612}" srcOrd="3" destOrd="0" parTransId="{95A11C3E-83D9-49AE-9001-77DD5DB3B4C6}" sibTransId="{794400E7-A129-41D0-8440-6BDC65401F15}"/>
+    <dgm:cxn modelId="{55C441D0-2AC5-47B9-A0A6-FD17A41BDF49}" type="presOf" srcId="{A31EA6D1-C5FC-4FC7-B6E6-13E17EC2BA6E}" destId="{9BAC4C1A-564F-42B8-8E09-A791B9499022}" srcOrd="1" destOrd="0" presId="urn:microsoft.com/office/officeart/2005/8/layout/orgChart1"/>
     <dgm:cxn modelId="{14535963-F19D-4ECF-83B7-995840F35C32}" type="presOf" srcId="{C7F4CFB8-1158-4A0A-94FC-60D036279D75}" destId="{63E5AB4E-82F4-408C-BA83-68259B7B9A05}" srcOrd="0" destOrd="0" presId="urn:microsoft.com/office/officeart/2005/8/layout/orgChart1"/>
-    <dgm:cxn modelId="{D09AD520-D954-4A5B-918B-6E00AD5EA861}" type="presOf" srcId="{F74C2EE2-50FC-45DB-8E01-913B4A5D92EC}" destId="{1F63EE2F-7197-4812-8409-30C22EF7DBC2}" srcOrd="1" destOrd="0" presId="urn:microsoft.com/office/officeart/2005/8/layout/orgChart1"/>
-    <dgm:cxn modelId="{3401BBC5-D3C2-4BC9-8896-1A47B3E39120}" type="presOf" srcId="{812ACE74-DC59-46A3-845C-9195C766CA0F}" destId="{9A9D97E9-0C32-48A1-BE28-E53627D81D87}" srcOrd="1" destOrd="0" presId="urn:microsoft.com/office/officeart/2005/8/layout/orgChart1"/>
-    <dgm:cxn modelId="{8EB8C3C9-84D0-40C5-BCC2-9C7582ED11BC}" type="presOf" srcId="{801EC49B-99C5-412A-BA31-7361160B5C3D}" destId="{DF5C2B3B-B2F3-4787-BF32-E4677640F02A}" srcOrd="0" destOrd="0" presId="urn:microsoft.com/office/officeart/2005/8/layout/orgChart1"/>
-    <dgm:cxn modelId="{E3DC57DE-989E-4902-ADE4-A408115074D3}" type="presOf" srcId="{0D6EDFAC-F208-472F-BABE-D311576438B4}" destId="{825F6006-6645-4CF8-8481-8CA88621DC59}" srcOrd="1" destOrd="0" presId="urn:microsoft.com/office/officeart/2005/8/layout/orgChart1"/>
-    <dgm:cxn modelId="{C1146791-2B0A-4603-913F-0B96168ECE8D}" srcId="{D05C6984-68F2-4392-A877-698D791699AA}" destId="{F74C2EE2-50FC-45DB-8E01-913B4A5D92EC}" srcOrd="2" destOrd="0" parTransId="{DF79325E-8553-4B66-BCB0-091CF953FF82}" sibTransId="{88E29E19-D617-43B5-B77D-DC08608A4BB3}"/>
-    <dgm:cxn modelId="{62D43582-E586-44C6-9B64-543633512A4D}" type="presOf" srcId="{8496B3AF-8AC9-41AF-8A33-D2F9A426BA6B}" destId="{D0901E87-3F2A-4042-8013-E93F0724DECD}" srcOrd="1" destOrd="0" presId="urn:microsoft.com/office/officeart/2005/8/layout/orgChart1"/>
-    <dgm:cxn modelId="{954AA562-D532-4F5A-A4BB-05AB25579188}" type="presOf" srcId="{3D021EB7-2C27-45B3-BB1F-5BB402F44CBC}" destId="{F7CEB11D-C2F2-4478-A929-D37328EEA641}" srcOrd="0" destOrd="0" presId="urn:microsoft.com/office/officeart/2005/8/layout/orgChart1"/>
-    <dgm:cxn modelId="{E1A968C3-1F2C-46C5-B5B4-C87064F9A68C}" type="presOf" srcId="{ED5E2831-86EB-4BF3-9944-6F00B7CC4790}" destId="{9D65FD68-EF68-432B-8693-36261A77E4C5}" srcOrd="0" destOrd="0" presId="urn:microsoft.com/office/officeart/2005/8/layout/orgChart1"/>
-    <dgm:cxn modelId="{C4AD5047-D124-4970-82F6-76D9237B19F9}" type="presOf" srcId="{A8C94217-024B-4A1E-9ECD-CC22A6125C24}" destId="{E5D2E38C-F806-4BEB-86B9-F2C37EF87292}" srcOrd="0" destOrd="0" presId="urn:microsoft.com/office/officeart/2005/8/layout/orgChart1"/>
-    <dgm:cxn modelId="{53EE59F7-327D-4A1A-8F73-09D09EE8157F}" type="presOf" srcId="{C6B75B40-09C4-41E7-8FCE-C6CB7819455A}" destId="{DB133B50-16D1-46CC-A7CB-9F3E2D873BA6}" srcOrd="0" destOrd="0" presId="urn:microsoft.com/office/officeart/2005/8/layout/orgChart1"/>
-    <dgm:cxn modelId="{2EFA34EE-223B-45B7-85EF-920E2F538EDF}" type="presOf" srcId="{37C59927-EB36-4676-A41C-0BD5DC0C36DE}" destId="{8EC80FE5-F758-45DC-808A-0D87F283EDA1}" srcOrd="0" destOrd="0" presId="urn:microsoft.com/office/officeart/2005/8/layout/orgChart1"/>
     <dgm:cxn modelId="{265D54FC-E3FF-46F8-B064-502BB72BAF23}" type="presParOf" srcId="{D4D10D95-13B8-44A4-9547-B9182A2F1937}" destId="{5F37C057-40AF-462F-BB80-B3D0A0C481A4}" srcOrd="0" destOrd="0" presId="urn:microsoft.com/office/officeart/2005/8/layout/orgChart1"/>
     <dgm:cxn modelId="{D21C27D0-3CC6-4C28-8BEC-38BD767EB96A}" type="presParOf" srcId="{5F37C057-40AF-462F-BB80-B3D0A0C481A4}" destId="{23D51B16-A9FE-4777-9641-A31B01AC3549}" srcOrd="0" destOrd="0" presId="urn:microsoft.com/office/officeart/2005/8/layout/orgChart1"/>
     <dgm:cxn modelId="{B8B8F912-9829-4276-9932-DFF7E9DFAA88}" type="presParOf" srcId="{23D51B16-A9FE-4777-9641-A31B01AC3549}" destId="{E8D349D1-2F10-4399-BB98-6BD957F6D69B}" srcOrd="0" destOrd="0" presId="urn:microsoft.com/office/officeart/2005/8/layout/orgChart1"/>
@@ -5940,45 +5940,45 @@
     </dgm:pt>
   </dgm:ptLst>
   <dgm:cxnLst>
+    <dgm:cxn modelId="{99DB22AE-566B-40B9-8E03-6E2E1589E353}" srcId="{18A7DD27-5A93-4959-A8E3-EDA4FE6365E0}" destId="{0F344449-1B86-4459-B9D8-6D7035FB3AD2}" srcOrd="0" destOrd="0" parTransId="{CBA3595E-3C0D-4803-89E4-AC867E44302C}" sibTransId="{A8500108-D2A1-46F0-BC10-ACB40CA73BE4}"/>
+    <dgm:cxn modelId="{5EB46947-50C1-4FF6-BCEA-CDA84026008F}" srcId="{21B2E24F-6FE5-43E3-9655-77EF0CEE342E}" destId="{FAC1885C-2006-41FD-99D9-CC58170F2D0D}" srcOrd="2" destOrd="0" parTransId="{869213BC-FC59-4937-AED0-C4B46E181C63}" sibTransId="{E0B527D5-8E0F-4E6E-97C1-E77669D7AD6A}"/>
+    <dgm:cxn modelId="{22339384-B178-4B14-8B8C-117BB5739E90}" type="presOf" srcId="{17396531-A4FB-4F56-B337-9DBCA68CC72D}" destId="{F1BAFB39-649E-4667-9DB0-5D2686A41943}" srcOrd="0" destOrd="0" presId="urn:microsoft.com/office/officeart/2005/8/layout/hList1"/>
+    <dgm:cxn modelId="{B5559D00-742F-4CC9-BF75-F95D07518304}" type="presOf" srcId="{0F344449-1B86-4459-B9D8-6D7035FB3AD2}" destId="{CE5F5F0A-6BEF-4A03-9B50-B92E9B968D0A}" srcOrd="0" destOrd="0" presId="urn:microsoft.com/office/officeart/2005/8/layout/hList1"/>
     <dgm:cxn modelId="{92D19959-0290-4F05-B32E-E4B90DB2B906}" type="presOf" srcId="{168C84D6-03D7-4FCD-BFCF-366CC9A36A12}" destId="{CE5F5F0A-6BEF-4A03-9B50-B92E9B968D0A}" srcOrd="0" destOrd="1" presId="urn:microsoft.com/office/officeart/2005/8/layout/hList1"/>
+    <dgm:cxn modelId="{DBC79CA2-6E32-4F4E-A501-76A9145641FF}" type="presOf" srcId="{E632D3D8-601F-4089-90E8-D692ADF554C1}" destId="{F1BAFB39-649E-4667-9DB0-5D2686A41943}" srcOrd="0" destOrd="1" presId="urn:microsoft.com/office/officeart/2005/8/layout/hList1"/>
+    <dgm:cxn modelId="{62A81CA4-7B2A-437B-AB28-EBB6479FD388}" type="presOf" srcId="{18A7DD27-5A93-4959-A8E3-EDA4FE6365E0}" destId="{99B6AC70-2D08-4388-9D31-90A28266B57F}" srcOrd="0" destOrd="0" presId="urn:microsoft.com/office/officeart/2005/8/layout/hList1"/>
+    <dgm:cxn modelId="{40D4FCF6-3753-4D30-AE46-8A3F74A4FB51}" type="presOf" srcId="{E1FB8F5A-4601-4711-876B-05790FFCEA86}" destId="{F1BAFB39-649E-4667-9DB0-5D2686A41943}" srcOrd="0" destOrd="3" presId="urn:microsoft.com/office/officeart/2005/8/layout/hList1"/>
+    <dgm:cxn modelId="{74637AEB-7B07-4751-A2AB-35AAA1EC9ED3}" srcId="{1E411213-7359-421B-806D-ADF1DC449C91}" destId="{21B2E24F-6FE5-43E3-9655-77EF0CEE342E}" srcOrd="0" destOrd="0" parTransId="{3709F116-36F7-4422-B136-6373728D5387}" sibTransId="{3517465C-144C-4FF6-8A56-AAD097244FEC}"/>
+    <dgm:cxn modelId="{CBA5BE24-7388-4141-8138-CBBC5EF38621}" srcId="{1E411213-7359-421B-806D-ADF1DC449C91}" destId="{18A7DD27-5A93-4959-A8E3-EDA4FE6365E0}" srcOrd="2" destOrd="0" parTransId="{33C2A181-E43D-41C1-BE3F-3DC1C9D1781C}" sibTransId="{A27FCE4C-5C83-4E47-B885-2334E5875ED7}"/>
+    <dgm:cxn modelId="{3C17C791-14ED-4E33-AFD2-887C06CDF459}" srcId="{6CE078BF-3923-4BAB-AF37-440820B24106}" destId="{F654A2C9-96C4-4F0A-B9CE-771A3B095663}" srcOrd="1" destOrd="0" parTransId="{E8F73472-CF92-484F-B0BC-98C7E2E03EA7}" sibTransId="{BB21A561-5326-4820-B6FD-F8F0F15F5819}"/>
+    <dgm:cxn modelId="{C82498CC-CE73-4878-BAA4-CDFC6F5C040F}" type="presOf" srcId="{F654A2C9-96C4-4F0A-B9CE-771A3B095663}" destId="{89F31BAB-AB65-4D9F-9ABF-1A3B77A3F288}" srcOrd="0" destOrd="1" presId="urn:microsoft.com/office/officeart/2005/8/layout/hList1"/>
+    <dgm:cxn modelId="{8F0464B1-4535-4D70-AECA-607A97EE26DE}" srcId="{18A7DD27-5A93-4959-A8E3-EDA4FE6365E0}" destId="{A4C1EDB1-9EAF-421C-9C6F-749C754C9E51}" srcOrd="3" destOrd="0" parTransId="{9789F708-AFE7-407E-9112-B46C84E47226}" sibTransId="{083E3022-4578-4FBD-AD01-DB4F9E2190AB}"/>
+    <dgm:cxn modelId="{AB82A719-EB0C-4753-8E35-C7BF7B0039EC}" type="presOf" srcId="{6CE078BF-3923-4BAB-AF37-440820B24106}" destId="{E661743D-7E38-47E1-8144-593C771424DB}" srcOrd="0" destOrd="0" presId="urn:microsoft.com/office/officeart/2005/8/layout/hList1"/>
+    <dgm:cxn modelId="{BA3DEFEC-28E8-4762-927C-17A671D64870}" srcId="{BF470432-51B5-4A64-B2CA-4219E2F36994}" destId="{5EC415B9-3E00-4322-B47A-7A05D156ABEC}" srcOrd="1" destOrd="0" parTransId="{AF1B3E5C-2138-4EF5-A7AE-FDFDF9BA3CCC}" sibTransId="{25A5525D-669E-4EC1-B359-FF0EDF8569F2}"/>
+    <dgm:cxn modelId="{FA611427-2F47-4B25-9EA9-B41749C44EAB}" type="presOf" srcId="{C4CD7594-F519-4F97-A1EE-8C8CBC9CE2DD}" destId="{21CF451E-675F-48D3-B39C-EF48F8FB00DA}" srcOrd="0" destOrd="2" presId="urn:microsoft.com/office/officeart/2005/8/layout/hList1"/>
+    <dgm:cxn modelId="{645ED964-EB1A-4057-BAB9-01310DC37BD4}" srcId="{18A7DD27-5A93-4959-A8E3-EDA4FE6365E0}" destId="{4F302F1D-1918-46BE-A397-CB455FC818A1}" srcOrd="2" destOrd="0" parTransId="{F47086DF-1E17-4FFB-BEDA-067552492236}" sibTransId="{375AEA39-0C4D-431A-B40B-8A84C4998454}"/>
+    <dgm:cxn modelId="{55A83547-2A19-4B4A-A51F-0199C16A1D08}" srcId="{21B2E24F-6FE5-43E3-9655-77EF0CEE342E}" destId="{E1FB8F5A-4601-4711-876B-05790FFCEA86}" srcOrd="3" destOrd="0" parTransId="{9AC71BF8-63B6-48F6-8700-D10E59C4C759}" sibTransId="{7374ED6D-1F86-4F95-AA81-F6686EFC7E85}"/>
+    <dgm:cxn modelId="{D48D43C0-A13B-4F80-A39D-CCDD9460C821}" type="presOf" srcId="{BF470432-51B5-4A64-B2CA-4219E2F36994}" destId="{F743B8BF-1124-46B7-BDDF-B0B8A9EABFE4}" srcOrd="0" destOrd="0" presId="urn:microsoft.com/office/officeart/2005/8/layout/hList1"/>
+    <dgm:cxn modelId="{70C44A87-4BCE-4B37-A880-11A59FDD4122}" type="presOf" srcId="{55A2C02C-51BC-4D8B-B95C-270A16B93234}" destId="{89F31BAB-AB65-4D9F-9ABF-1A3B77A3F288}" srcOrd="0" destOrd="2" presId="urn:microsoft.com/office/officeart/2005/8/layout/hList1"/>
+    <dgm:cxn modelId="{C2B25CFB-2EF0-4FB1-9503-103BA3286404}" srcId="{6CE078BF-3923-4BAB-AF37-440820B24106}" destId="{55A2C02C-51BC-4D8B-B95C-270A16B93234}" srcOrd="2" destOrd="0" parTransId="{7988042D-E5D8-4BFB-B099-01B58EFD1E2E}" sibTransId="{A4251F98-0C8D-4320-B57F-19F2F261E5E9}"/>
     <dgm:cxn modelId="{C0DC8DF7-AC3E-4E4F-9D20-1F02E79CA984}" type="presOf" srcId="{C7995924-B2B1-4DC2-9F74-F31D1CB5A68B}" destId="{21CF451E-675F-48D3-B39C-EF48F8FB00DA}" srcOrd="0" destOrd="0" presId="urn:microsoft.com/office/officeart/2005/8/layout/hList1"/>
-    <dgm:cxn modelId="{8F0464B1-4535-4D70-AECA-607A97EE26DE}" srcId="{18A7DD27-5A93-4959-A8E3-EDA4FE6365E0}" destId="{A4C1EDB1-9EAF-421C-9C6F-749C754C9E51}" srcOrd="3" destOrd="0" parTransId="{9789F708-AFE7-407E-9112-B46C84E47226}" sibTransId="{083E3022-4578-4FBD-AD01-DB4F9E2190AB}"/>
+    <dgm:cxn modelId="{F1C32959-C069-4F87-BC30-719C28BD5D75}" type="presOf" srcId="{4F302F1D-1918-46BE-A397-CB455FC818A1}" destId="{CE5F5F0A-6BEF-4A03-9B50-B92E9B968D0A}" srcOrd="0" destOrd="2" presId="urn:microsoft.com/office/officeart/2005/8/layout/hList1"/>
+    <dgm:cxn modelId="{AF2AE526-7F76-43EC-933F-E20316B70E88}" srcId="{21B2E24F-6FE5-43E3-9655-77EF0CEE342E}" destId="{E632D3D8-601F-4089-90E8-D692ADF554C1}" srcOrd="1" destOrd="0" parTransId="{DB2CC18D-4870-416C-AF9A-D4C5AE37103B}" sibTransId="{F9D2A63C-46CC-422F-AE51-F4D885B643A7}"/>
+    <dgm:cxn modelId="{9DFE6BE3-3F68-4CEC-A1C0-7ADEBA2DAF9B}" type="presOf" srcId="{FAC1885C-2006-41FD-99D9-CC58170F2D0D}" destId="{F1BAFB39-649E-4667-9DB0-5D2686A41943}" srcOrd="0" destOrd="2" presId="urn:microsoft.com/office/officeart/2005/8/layout/hList1"/>
+    <dgm:cxn modelId="{1A6E72EF-75A3-43E2-84D9-79A5056A0101}" type="presOf" srcId="{5EC415B9-3E00-4322-B47A-7A05D156ABEC}" destId="{21CF451E-675F-48D3-B39C-EF48F8FB00DA}" srcOrd="0" destOrd="1" presId="urn:microsoft.com/office/officeart/2005/8/layout/hList1"/>
+    <dgm:cxn modelId="{DA85952B-01F8-48BC-B677-2C4EDA4A9A47}" srcId="{BF470432-51B5-4A64-B2CA-4219E2F36994}" destId="{C7995924-B2B1-4DC2-9F74-F31D1CB5A68B}" srcOrd="0" destOrd="0" parTransId="{459B5D55-BA01-46AA-95C1-15730930ACDA}" sibTransId="{5F8EBD3F-E500-4055-9A6D-85C0171AB9D2}"/>
+    <dgm:cxn modelId="{38ACD69D-45A8-45D2-BF38-FA5246D7E876}" type="presOf" srcId="{1E411213-7359-421B-806D-ADF1DC449C91}" destId="{4DE71931-784D-4315-8133-2CD96D3EA657}" srcOrd="0" destOrd="0" presId="urn:microsoft.com/office/officeart/2005/8/layout/hList1"/>
+    <dgm:cxn modelId="{9C20AB40-4EFA-44F5-841C-E931236F2099}" type="presOf" srcId="{21B2E24F-6FE5-43E3-9655-77EF0CEE342E}" destId="{C58BD075-BA4B-4D36-9446-8F7B70534E74}" srcOrd="0" destOrd="0" presId="urn:microsoft.com/office/officeart/2005/8/layout/hList1"/>
+    <dgm:cxn modelId="{1B3ED8A1-DDAD-4A9E-8BE1-B50F24B56EC7}" srcId="{1E411213-7359-421B-806D-ADF1DC449C91}" destId="{6CE078BF-3923-4BAB-AF37-440820B24106}" srcOrd="3" destOrd="0" parTransId="{BA70CA0E-8935-4604-8194-9A94949822D1}" sibTransId="{F269BE49-F0D1-4709-A459-526CB20C4530}"/>
+    <dgm:cxn modelId="{7A432D5E-3741-4466-9702-BD0E861E85A6}" type="presOf" srcId="{04C928E0-0120-40AA-A452-469BAEA592A6}" destId="{89F31BAB-AB65-4D9F-9ABF-1A3B77A3F288}" srcOrd="0" destOrd="3" presId="urn:microsoft.com/office/officeart/2005/8/layout/hList1"/>
+    <dgm:cxn modelId="{ED495668-15B7-4F24-9595-D36707EA7D1C}" srcId="{21B2E24F-6FE5-43E3-9655-77EF0CEE342E}" destId="{17396531-A4FB-4F56-B337-9DBCA68CC72D}" srcOrd="0" destOrd="0" parTransId="{6D4100C7-4AE7-4339-96EC-F335C9DC9263}" sibTransId="{0642E65B-8B17-4817-8F48-7A5D5E185AAF}"/>
+    <dgm:cxn modelId="{AD7CC110-11EE-496F-9810-88C5E2EEBB2F}" srcId="{1E411213-7359-421B-806D-ADF1DC449C91}" destId="{BF470432-51B5-4A64-B2CA-4219E2F36994}" srcOrd="1" destOrd="0" parTransId="{3539C148-4185-4903-8F8E-32C96AB7D336}" sibTransId="{7CD5B45E-A444-4945-957E-27576CE4A9ED}"/>
+    <dgm:cxn modelId="{F9880CC1-EEA7-4565-8B8F-EDD9CEB99584}" srcId="{6CE078BF-3923-4BAB-AF37-440820B24106}" destId="{7D6CE058-C8DF-45B3-8377-E19DE86C275E}" srcOrd="0" destOrd="0" parTransId="{624DAD7F-3571-4282-9D5F-259181DEB473}" sibTransId="{4BFE08C5-AAF2-44E3-94CD-4F3F19F7C8A6}"/>
+    <dgm:cxn modelId="{D83220DF-ABF4-4B0D-87EE-EB3CA18B5C8C}" type="presOf" srcId="{7D6CE058-C8DF-45B3-8377-E19DE86C275E}" destId="{89F31BAB-AB65-4D9F-9ABF-1A3B77A3F288}" srcOrd="0" destOrd="0" presId="urn:microsoft.com/office/officeart/2005/8/layout/hList1"/>
+    <dgm:cxn modelId="{C3EAE417-11BF-4EE4-AD24-CE5B98C80063}" srcId="{18A7DD27-5A93-4959-A8E3-EDA4FE6365E0}" destId="{168C84D6-03D7-4FCD-BFCF-366CC9A36A12}" srcOrd="1" destOrd="0" parTransId="{2B416B17-A0C5-48C7-8ED3-0E64807FC308}" sibTransId="{90123196-1B99-40EC-A411-2D3B7593AC0F}"/>
     <dgm:cxn modelId="{9484B39A-4843-463B-A683-EF0D376D8F15}" srcId="{BF470432-51B5-4A64-B2CA-4219E2F36994}" destId="{C4CD7594-F519-4F97-A1EE-8C8CBC9CE2DD}" srcOrd="2" destOrd="0" parTransId="{C9D90139-83DD-481C-9151-A53C012CE29A}" sibTransId="{DF8BA9CF-B948-4AD8-99B8-97A22AB5DFC0}"/>
-    <dgm:cxn modelId="{DBC79CA2-6E32-4F4E-A501-76A9145641FF}" type="presOf" srcId="{E632D3D8-601F-4089-90E8-D692ADF554C1}" destId="{F1BAFB39-649E-4667-9DB0-5D2686A41943}" srcOrd="0" destOrd="1" presId="urn:microsoft.com/office/officeart/2005/8/layout/hList1"/>
-    <dgm:cxn modelId="{7A432D5E-3741-4466-9702-BD0E861E85A6}" type="presOf" srcId="{04C928E0-0120-40AA-A452-469BAEA592A6}" destId="{89F31BAB-AB65-4D9F-9ABF-1A3B77A3F288}" srcOrd="0" destOrd="3" presId="urn:microsoft.com/office/officeart/2005/8/layout/hList1"/>
-    <dgm:cxn modelId="{D83220DF-ABF4-4B0D-87EE-EB3CA18B5C8C}" type="presOf" srcId="{7D6CE058-C8DF-45B3-8377-E19DE86C275E}" destId="{89F31BAB-AB65-4D9F-9ABF-1A3B77A3F288}" srcOrd="0" destOrd="0" presId="urn:microsoft.com/office/officeart/2005/8/layout/hList1"/>
-    <dgm:cxn modelId="{F9880CC1-EEA7-4565-8B8F-EDD9CEB99584}" srcId="{6CE078BF-3923-4BAB-AF37-440820B24106}" destId="{7D6CE058-C8DF-45B3-8377-E19DE86C275E}" srcOrd="0" destOrd="0" parTransId="{624DAD7F-3571-4282-9D5F-259181DEB473}" sibTransId="{4BFE08C5-AAF2-44E3-94CD-4F3F19F7C8A6}"/>
-    <dgm:cxn modelId="{74637AEB-7B07-4751-A2AB-35AAA1EC9ED3}" srcId="{1E411213-7359-421B-806D-ADF1DC449C91}" destId="{21B2E24F-6FE5-43E3-9655-77EF0CEE342E}" srcOrd="0" destOrd="0" parTransId="{3709F116-36F7-4422-B136-6373728D5387}" sibTransId="{3517465C-144C-4FF6-8A56-AAD097244FEC}"/>
-    <dgm:cxn modelId="{F1C32959-C069-4F87-BC30-719C28BD5D75}" type="presOf" srcId="{4F302F1D-1918-46BE-A397-CB455FC818A1}" destId="{CE5F5F0A-6BEF-4A03-9B50-B92E9B968D0A}" srcOrd="0" destOrd="2" presId="urn:microsoft.com/office/officeart/2005/8/layout/hList1"/>
-    <dgm:cxn modelId="{ED495668-15B7-4F24-9595-D36707EA7D1C}" srcId="{21B2E24F-6FE5-43E3-9655-77EF0CEE342E}" destId="{17396531-A4FB-4F56-B337-9DBCA68CC72D}" srcOrd="0" destOrd="0" parTransId="{6D4100C7-4AE7-4339-96EC-F335C9DC9263}" sibTransId="{0642E65B-8B17-4817-8F48-7A5D5E185AAF}"/>
-    <dgm:cxn modelId="{C2B25CFB-2EF0-4FB1-9503-103BA3286404}" srcId="{6CE078BF-3923-4BAB-AF37-440820B24106}" destId="{55A2C02C-51BC-4D8B-B95C-270A16B93234}" srcOrd="2" destOrd="0" parTransId="{7988042D-E5D8-4BFB-B099-01B58EFD1E2E}" sibTransId="{A4251F98-0C8D-4320-B57F-19F2F261E5E9}"/>
-    <dgm:cxn modelId="{9C20AB40-4EFA-44F5-841C-E931236F2099}" type="presOf" srcId="{21B2E24F-6FE5-43E3-9655-77EF0CEE342E}" destId="{C58BD075-BA4B-4D36-9446-8F7B70534E74}" srcOrd="0" destOrd="0" presId="urn:microsoft.com/office/officeart/2005/8/layout/hList1"/>
-    <dgm:cxn modelId="{99DB22AE-566B-40B9-8E03-6E2E1589E353}" srcId="{18A7DD27-5A93-4959-A8E3-EDA4FE6365E0}" destId="{0F344449-1B86-4459-B9D8-6D7035FB3AD2}" srcOrd="0" destOrd="0" parTransId="{CBA3595E-3C0D-4803-89E4-AC867E44302C}" sibTransId="{A8500108-D2A1-46F0-BC10-ACB40CA73BE4}"/>
-    <dgm:cxn modelId="{1A6E72EF-75A3-43E2-84D9-79A5056A0101}" type="presOf" srcId="{5EC415B9-3E00-4322-B47A-7A05D156ABEC}" destId="{21CF451E-675F-48D3-B39C-EF48F8FB00DA}" srcOrd="0" destOrd="1" presId="urn:microsoft.com/office/officeart/2005/8/layout/hList1"/>
-    <dgm:cxn modelId="{40D4FCF6-3753-4D30-AE46-8A3F74A4FB51}" type="presOf" srcId="{E1FB8F5A-4601-4711-876B-05790FFCEA86}" destId="{F1BAFB39-649E-4667-9DB0-5D2686A41943}" srcOrd="0" destOrd="3" presId="urn:microsoft.com/office/officeart/2005/8/layout/hList1"/>
-    <dgm:cxn modelId="{CBA5BE24-7388-4141-8138-CBBC5EF38621}" srcId="{1E411213-7359-421B-806D-ADF1DC449C91}" destId="{18A7DD27-5A93-4959-A8E3-EDA4FE6365E0}" srcOrd="2" destOrd="0" parTransId="{33C2A181-E43D-41C1-BE3F-3DC1C9D1781C}" sibTransId="{A27FCE4C-5C83-4E47-B885-2334E5875ED7}"/>
-    <dgm:cxn modelId="{D48D43C0-A13B-4F80-A39D-CCDD9460C821}" type="presOf" srcId="{BF470432-51B5-4A64-B2CA-4219E2F36994}" destId="{F743B8BF-1124-46B7-BDDF-B0B8A9EABFE4}" srcOrd="0" destOrd="0" presId="urn:microsoft.com/office/officeart/2005/8/layout/hList1"/>
-    <dgm:cxn modelId="{62A81CA4-7B2A-437B-AB28-EBB6479FD388}" type="presOf" srcId="{18A7DD27-5A93-4959-A8E3-EDA4FE6365E0}" destId="{99B6AC70-2D08-4388-9D31-90A28266B57F}" srcOrd="0" destOrd="0" presId="urn:microsoft.com/office/officeart/2005/8/layout/hList1"/>
-    <dgm:cxn modelId="{70C44A87-4BCE-4B37-A880-11A59FDD4122}" type="presOf" srcId="{55A2C02C-51BC-4D8B-B95C-270A16B93234}" destId="{89F31BAB-AB65-4D9F-9ABF-1A3B77A3F288}" srcOrd="0" destOrd="2" presId="urn:microsoft.com/office/officeart/2005/8/layout/hList1"/>
-    <dgm:cxn modelId="{645ED964-EB1A-4057-BAB9-01310DC37BD4}" srcId="{18A7DD27-5A93-4959-A8E3-EDA4FE6365E0}" destId="{4F302F1D-1918-46BE-A397-CB455FC818A1}" srcOrd="2" destOrd="0" parTransId="{F47086DF-1E17-4FFB-BEDA-067552492236}" sibTransId="{375AEA39-0C4D-431A-B40B-8A84C4998454}"/>
-    <dgm:cxn modelId="{B5559D00-742F-4CC9-BF75-F95D07518304}" type="presOf" srcId="{0F344449-1B86-4459-B9D8-6D7035FB3AD2}" destId="{CE5F5F0A-6BEF-4A03-9B50-B92E9B968D0A}" srcOrd="0" destOrd="0" presId="urn:microsoft.com/office/officeart/2005/8/layout/hList1"/>
-    <dgm:cxn modelId="{3C17C791-14ED-4E33-AFD2-887C06CDF459}" srcId="{6CE078BF-3923-4BAB-AF37-440820B24106}" destId="{F654A2C9-96C4-4F0A-B9CE-771A3B095663}" srcOrd="1" destOrd="0" parTransId="{E8F73472-CF92-484F-B0BC-98C7E2E03EA7}" sibTransId="{BB21A561-5326-4820-B6FD-F8F0F15F5819}"/>
-    <dgm:cxn modelId="{DA85952B-01F8-48BC-B677-2C4EDA4A9A47}" srcId="{BF470432-51B5-4A64-B2CA-4219E2F36994}" destId="{C7995924-B2B1-4DC2-9F74-F31D1CB5A68B}" srcOrd="0" destOrd="0" parTransId="{459B5D55-BA01-46AA-95C1-15730930ACDA}" sibTransId="{5F8EBD3F-E500-4055-9A6D-85C0171AB9D2}"/>
-    <dgm:cxn modelId="{C3EAE417-11BF-4EE4-AD24-CE5B98C80063}" srcId="{18A7DD27-5A93-4959-A8E3-EDA4FE6365E0}" destId="{168C84D6-03D7-4FCD-BFCF-366CC9A36A12}" srcOrd="1" destOrd="0" parTransId="{2B416B17-A0C5-48C7-8ED3-0E64807FC308}" sibTransId="{90123196-1B99-40EC-A411-2D3B7593AC0F}"/>
-    <dgm:cxn modelId="{BA3DEFEC-28E8-4762-927C-17A671D64870}" srcId="{BF470432-51B5-4A64-B2CA-4219E2F36994}" destId="{5EC415B9-3E00-4322-B47A-7A05D156ABEC}" srcOrd="1" destOrd="0" parTransId="{AF1B3E5C-2138-4EF5-A7AE-FDFDF9BA3CCC}" sibTransId="{25A5525D-669E-4EC1-B359-FF0EDF8569F2}"/>
-    <dgm:cxn modelId="{55A83547-2A19-4B4A-A51F-0199C16A1D08}" srcId="{21B2E24F-6FE5-43E3-9655-77EF0CEE342E}" destId="{E1FB8F5A-4601-4711-876B-05790FFCEA86}" srcOrd="3" destOrd="0" parTransId="{9AC71BF8-63B6-48F6-8700-D10E59C4C759}" sibTransId="{7374ED6D-1F86-4F95-AA81-F6686EFC7E85}"/>
-    <dgm:cxn modelId="{AB82A719-EB0C-4753-8E35-C7BF7B0039EC}" type="presOf" srcId="{6CE078BF-3923-4BAB-AF37-440820B24106}" destId="{E661743D-7E38-47E1-8144-593C771424DB}" srcOrd="0" destOrd="0" presId="urn:microsoft.com/office/officeart/2005/8/layout/hList1"/>
-    <dgm:cxn modelId="{AD7CC110-11EE-496F-9810-88C5E2EEBB2F}" srcId="{1E411213-7359-421B-806D-ADF1DC449C91}" destId="{BF470432-51B5-4A64-B2CA-4219E2F36994}" srcOrd="1" destOrd="0" parTransId="{3539C148-4185-4903-8F8E-32C96AB7D336}" sibTransId="{7CD5B45E-A444-4945-957E-27576CE4A9ED}"/>
+    <dgm:cxn modelId="{84E7D6B7-92EB-4EBE-9A42-6801D9149584}" srcId="{6CE078BF-3923-4BAB-AF37-440820B24106}" destId="{04C928E0-0120-40AA-A452-469BAEA592A6}" srcOrd="3" destOrd="0" parTransId="{48A93108-75E1-448D-9DEE-815BC27FEDDB}" sibTransId="{737CF855-A9D7-4023-8C81-EBDEA7C614F0}"/>
     <dgm:cxn modelId="{B71268F9-EB8C-4DD6-9137-E5423D80BAC4}" type="presOf" srcId="{A4C1EDB1-9EAF-421C-9C6F-749C754C9E51}" destId="{CE5F5F0A-6BEF-4A03-9B50-B92E9B968D0A}" srcOrd="0" destOrd="3" presId="urn:microsoft.com/office/officeart/2005/8/layout/hList1"/>
-    <dgm:cxn modelId="{1B3ED8A1-DDAD-4A9E-8BE1-B50F24B56EC7}" srcId="{1E411213-7359-421B-806D-ADF1DC449C91}" destId="{6CE078BF-3923-4BAB-AF37-440820B24106}" srcOrd="3" destOrd="0" parTransId="{BA70CA0E-8935-4604-8194-9A94949822D1}" sibTransId="{F269BE49-F0D1-4709-A459-526CB20C4530}"/>
-    <dgm:cxn modelId="{84E7D6B7-92EB-4EBE-9A42-6801D9149584}" srcId="{6CE078BF-3923-4BAB-AF37-440820B24106}" destId="{04C928E0-0120-40AA-A452-469BAEA592A6}" srcOrd="3" destOrd="0" parTransId="{48A93108-75E1-448D-9DEE-815BC27FEDDB}" sibTransId="{737CF855-A9D7-4023-8C81-EBDEA7C614F0}"/>
-    <dgm:cxn modelId="{22339384-B178-4B14-8B8C-117BB5739E90}" type="presOf" srcId="{17396531-A4FB-4F56-B337-9DBCA68CC72D}" destId="{F1BAFB39-649E-4667-9DB0-5D2686A41943}" srcOrd="0" destOrd="0" presId="urn:microsoft.com/office/officeart/2005/8/layout/hList1"/>
-    <dgm:cxn modelId="{38ACD69D-45A8-45D2-BF38-FA5246D7E876}" type="presOf" srcId="{1E411213-7359-421B-806D-ADF1DC449C91}" destId="{4DE71931-784D-4315-8133-2CD96D3EA657}" srcOrd="0" destOrd="0" presId="urn:microsoft.com/office/officeart/2005/8/layout/hList1"/>
-    <dgm:cxn modelId="{C82498CC-CE73-4878-BAA4-CDFC6F5C040F}" type="presOf" srcId="{F654A2C9-96C4-4F0A-B9CE-771A3B095663}" destId="{89F31BAB-AB65-4D9F-9ABF-1A3B77A3F288}" srcOrd="0" destOrd="1" presId="urn:microsoft.com/office/officeart/2005/8/layout/hList1"/>
-    <dgm:cxn modelId="{AF2AE526-7F76-43EC-933F-E20316B70E88}" srcId="{21B2E24F-6FE5-43E3-9655-77EF0CEE342E}" destId="{E632D3D8-601F-4089-90E8-D692ADF554C1}" srcOrd="1" destOrd="0" parTransId="{DB2CC18D-4870-416C-AF9A-D4C5AE37103B}" sibTransId="{F9D2A63C-46CC-422F-AE51-F4D885B643A7}"/>
-    <dgm:cxn modelId="{5EB46947-50C1-4FF6-BCEA-CDA84026008F}" srcId="{21B2E24F-6FE5-43E3-9655-77EF0CEE342E}" destId="{FAC1885C-2006-41FD-99D9-CC58170F2D0D}" srcOrd="2" destOrd="0" parTransId="{869213BC-FC59-4937-AED0-C4B46E181C63}" sibTransId="{E0B527D5-8E0F-4E6E-97C1-E77669D7AD6A}"/>
-    <dgm:cxn modelId="{9DFE6BE3-3F68-4CEC-A1C0-7ADEBA2DAF9B}" type="presOf" srcId="{FAC1885C-2006-41FD-99D9-CC58170F2D0D}" destId="{F1BAFB39-649E-4667-9DB0-5D2686A41943}" srcOrd="0" destOrd="2" presId="urn:microsoft.com/office/officeart/2005/8/layout/hList1"/>
-    <dgm:cxn modelId="{FA611427-2F47-4B25-9EA9-B41749C44EAB}" type="presOf" srcId="{C4CD7594-F519-4F97-A1EE-8C8CBC9CE2DD}" destId="{21CF451E-675F-48D3-B39C-EF48F8FB00DA}" srcOrd="0" destOrd="2" presId="urn:microsoft.com/office/officeart/2005/8/layout/hList1"/>
     <dgm:cxn modelId="{D696070E-A657-452D-B67B-18B54BACC1D9}" type="presParOf" srcId="{4DE71931-784D-4315-8133-2CD96D3EA657}" destId="{D7FB0FE8-1F0C-483D-9C90-84E7AC72EB63}" srcOrd="0" destOrd="0" presId="urn:microsoft.com/office/officeart/2005/8/layout/hList1"/>
     <dgm:cxn modelId="{B26E1EB3-A5B0-4DFF-8CE9-1ADB6A247347}" type="presParOf" srcId="{D7FB0FE8-1F0C-483D-9C90-84E7AC72EB63}" destId="{C58BD075-BA4B-4D36-9446-8F7B70534E74}" srcOrd="0" destOrd="0" presId="urn:microsoft.com/office/officeart/2005/8/layout/hList1"/>
     <dgm:cxn modelId="{2AC9931E-6973-46D2-9BF7-8BC11F067ECE}" type="presParOf" srcId="{D7FB0FE8-1F0C-483D-9C90-84E7AC72EB63}" destId="{F1BAFB39-649E-4667-9DB0-5D2686A41943}" srcOrd="1" destOrd="0" presId="urn:microsoft.com/office/officeart/2005/8/layout/hList1"/>
@@ -10521,146 +10521,146 @@
     </dgm:pt>
   </dgm:ptLst>
   <dgm:cxnLst>
-    <dgm:cxn modelId="{8BDD952B-E45C-4B16-8B24-988C973DFFCA}" srcId="{CB4DF261-D8B5-4354-9EC3-E2BA380524AF}" destId="{B934B280-9323-4443-A4EF-5DC818748481}" srcOrd="1" destOrd="0" parTransId="{DBD2A981-0FFC-42BB-BDBE-2CC08304AE61}" sibTransId="{418BADC9-9A46-464B-8BCC-A27778565311}"/>
-    <dgm:cxn modelId="{8026819A-B7A9-428E-AF26-B6D54A33864E}" type="presOf" srcId="{D6C4B15B-4923-4045-9ABE-8CBAA066A17C}" destId="{5584DD1F-B60D-4C7F-B659-863FD0043AC1}" srcOrd="0" destOrd="0" presId="urn:microsoft.com/office/officeart/2005/8/layout/orgChart1"/>
+    <dgm:cxn modelId="{2604AE9B-6B62-48B4-8185-AF85B2C5D8A3}" type="presOf" srcId="{7A18BCA2-C0AC-4B99-8309-F4506982E63B}" destId="{EF99473D-636D-457F-955E-5436309E68D4}" srcOrd="0" destOrd="0" presId="urn:microsoft.com/office/officeart/2005/8/layout/orgChart1"/>
+    <dgm:cxn modelId="{B809B7DF-B8E8-4D38-B436-71A8B46A3FB4}" type="presOf" srcId="{E1245E8D-736F-4FCF-AA56-B3E09DA6E23D}" destId="{AE02F47A-8469-4433-ADAE-9A1725F97D3B}" srcOrd="1" destOrd="0" presId="urn:microsoft.com/office/officeart/2005/8/layout/orgChart1"/>
+    <dgm:cxn modelId="{31FC8D5E-B139-41BC-93B8-A8AED5799DF0}" type="presOf" srcId="{60EFD7E5-3E18-4418-981A-5D8EC8996E12}" destId="{CE61FD5B-76EA-4CE6-961D-FC2E459BD2B6}" srcOrd="1" destOrd="0" presId="urn:microsoft.com/office/officeart/2005/8/layout/orgChart1"/>
+    <dgm:cxn modelId="{DAA6A53E-7620-4A9E-B822-ECD64C0C8FCA}" type="presOf" srcId="{0717E52C-A4D5-4543-BD7E-341CBB98ADC3}" destId="{4BC857CE-5DCE-4D2A-858B-8C6A28D8A33C}" srcOrd="0" destOrd="0" presId="urn:microsoft.com/office/officeart/2005/8/layout/orgChart1"/>
+    <dgm:cxn modelId="{4360830C-8DFC-47A5-8DC6-7E644B6FFCE7}" type="presOf" srcId="{F2E85D6F-80F6-49DE-A040-BEC18E5017DE}" destId="{98861B68-E2A3-4206-A4FF-4317655A6249}" srcOrd="0" destOrd="0" presId="urn:microsoft.com/office/officeart/2005/8/layout/orgChart1"/>
+    <dgm:cxn modelId="{4FB44AF5-8A93-4C9B-8846-E27E4F3134E2}" type="presOf" srcId="{E1245E8D-736F-4FCF-AA56-B3E09DA6E23D}" destId="{4F6BA278-D6E7-41D0-AC69-2112F474C0CA}" srcOrd="0" destOrd="0" presId="urn:microsoft.com/office/officeart/2005/8/layout/orgChart1"/>
+    <dgm:cxn modelId="{1377240A-0516-4F2D-8037-C626C2B146E0}" type="presOf" srcId="{CB20EBB7-6ADD-4838-AF97-0CB86EC4778E}" destId="{DD033527-1680-4859-ACFF-247F66BF5DC1}" srcOrd="0" destOrd="0" presId="urn:microsoft.com/office/officeart/2005/8/layout/orgChart1"/>
+    <dgm:cxn modelId="{823FD763-52F8-472C-B1DA-16A389D882B7}" type="presOf" srcId="{7906C259-6352-45B8-AFDF-DBB451AF7C50}" destId="{C3983E75-B1D0-41FF-92D1-5B04462246E6}" srcOrd="1" destOrd="0" presId="urn:microsoft.com/office/officeart/2005/8/layout/orgChart1"/>
+    <dgm:cxn modelId="{F598A647-9132-438A-82EE-470D426C32C8}" type="presOf" srcId="{CB20EBB7-6ADD-4838-AF97-0CB86EC4778E}" destId="{EE1B685D-9B99-46F2-8ACE-B8651CBF36A0}" srcOrd="1" destOrd="0" presId="urn:microsoft.com/office/officeart/2005/8/layout/orgChart1"/>
+    <dgm:cxn modelId="{33A536DE-2115-4F43-BE83-B2519933A0A3}" type="presOf" srcId="{6F1C792D-C1F2-4633-BBE4-C2561C2D2D5F}" destId="{3553F299-8409-4C83-8F50-F66318ED632E}" srcOrd="0" destOrd="0" presId="urn:microsoft.com/office/officeart/2005/8/layout/orgChart1"/>
+    <dgm:cxn modelId="{151D2C58-9E90-4D00-95DB-83A12BD8B506}" type="presOf" srcId="{584FC29C-0314-4D55-BD3C-CA18244EA9B4}" destId="{7663A3BD-123F-4209-82C3-577728387958}" srcOrd="0" destOrd="0" presId="urn:microsoft.com/office/officeart/2005/8/layout/orgChart1"/>
+    <dgm:cxn modelId="{069AB4D4-3A16-484B-8871-FD2AE907B002}" type="presOf" srcId="{807643F1-1B8A-4FD6-BC33-76223E231477}" destId="{DD87827A-352F-47B1-AC8D-5BA9EAC61DE8}" srcOrd="1" destOrd="0" presId="urn:microsoft.com/office/officeart/2005/8/layout/orgChart1"/>
+    <dgm:cxn modelId="{4D3EA5B0-04C5-46CF-9A93-1989C91A39FD}" type="presOf" srcId="{2541714A-4AE0-409A-9868-B96B5BD12B25}" destId="{1EDD7B68-1517-4F54-935C-D9D4A982AA38}" srcOrd="0" destOrd="0" presId="urn:microsoft.com/office/officeart/2005/8/layout/orgChart1"/>
+    <dgm:cxn modelId="{8E77FC2E-D9CE-4EC5-B516-CB1516ABDDA0}" type="presOf" srcId="{89BD6952-F78C-4994-80EA-B2A7C8844A7F}" destId="{9F9E01C5-C544-4453-BFDF-0C2D9E7CB566}" srcOrd="0" destOrd="0" presId="urn:microsoft.com/office/officeart/2005/8/layout/orgChart1"/>
+    <dgm:cxn modelId="{AF03E458-1098-4E46-B6C6-54B3D055839B}" type="presOf" srcId="{E34B63B9-7DB5-4B72-A27A-FC857F28AE58}" destId="{2DFF6B31-D7D6-49FA-A220-1CBD766474E3}" srcOrd="0" destOrd="0" presId="urn:microsoft.com/office/officeart/2005/8/layout/orgChart1"/>
+    <dgm:cxn modelId="{1C8B206B-C2A6-476F-A983-C8FCA097C0D0}" type="presOf" srcId="{E4362159-A8F0-4D01-9CCE-5DD5845F703B}" destId="{A799E7C0-CF58-4551-9BFD-F19D2BFFA6FB}" srcOrd="0" destOrd="0" presId="urn:microsoft.com/office/officeart/2005/8/layout/orgChart1"/>
+    <dgm:cxn modelId="{5BA8ACB9-3298-4F09-857A-D03773D8F732}" type="presOf" srcId="{A0B43C53-BC9D-4D39-9508-8183121A95A9}" destId="{CD5F285E-5B3D-4084-9119-04284B47E0F0}" srcOrd="0" destOrd="0" presId="urn:microsoft.com/office/officeart/2005/8/layout/orgChart1"/>
+    <dgm:cxn modelId="{AFBC6181-1357-4028-8CBD-A6D383CA29EA}" type="presOf" srcId="{F8E23511-B1AC-4F9D-A64A-74A59AB3C4CF}" destId="{014C34BD-AB29-4C3B-93AB-376767A379FC}" srcOrd="1" destOrd="0" presId="urn:microsoft.com/office/officeart/2005/8/layout/orgChart1"/>
+    <dgm:cxn modelId="{AD5E6F42-466A-422E-AD4A-47C114E02854}" type="presOf" srcId="{312CE06F-FEC3-4136-A04F-FBF67B7A6AEC}" destId="{0BE86F2B-F5D2-4476-B592-F2B69D04F5BD}" srcOrd="0" destOrd="0" presId="urn:microsoft.com/office/officeart/2005/8/layout/orgChart1"/>
+    <dgm:cxn modelId="{F437ECF5-D5B1-4286-9443-783AF04E8091}" type="presOf" srcId="{20DC6828-328C-471C-80EB-7FF4A4E1C927}" destId="{336784AF-07FA-434A-87EF-36BDDA1C2BF0}" srcOrd="0" destOrd="0" presId="urn:microsoft.com/office/officeart/2005/8/layout/orgChart1"/>
+    <dgm:cxn modelId="{31D6BA31-EA04-4734-8EE8-A5CBDF624E3F}" srcId="{E375BD4A-18F9-406A-BD67-05F466FE0D1F}" destId="{A496B3F0-3F9F-4489-AF47-142D091C1E64}" srcOrd="1" destOrd="0" parTransId="{E4362159-A8F0-4D01-9CCE-5DD5845F703B}" sibTransId="{55BE59CA-1835-4F84-AA86-C6D2428A8DD8}"/>
+    <dgm:cxn modelId="{AB157744-1CCC-4376-89F0-9A8726612601}" type="presOf" srcId="{A6E3E8A6-B8BE-4518-B1C2-07C2555656E4}" destId="{9E3E46A3-1A10-4EF3-AFF4-67CBE9006E79}" srcOrd="1" destOrd="0" presId="urn:microsoft.com/office/officeart/2005/8/layout/orgChart1"/>
+    <dgm:cxn modelId="{6E5ECF6E-B88A-49E7-B398-D267D56FC210}" srcId="{695BB022-A2FC-4E88-A082-0C0E7254E51F}" destId="{F8E23511-B1AC-4F9D-A64A-74A59AB3C4CF}" srcOrd="3" destOrd="0" parTransId="{4B18FD8B-B3EB-4786-8AF7-A7BD41065DFB}" sibTransId="{0573A134-2093-4131-B257-6CA73550FA5A}"/>
+    <dgm:cxn modelId="{593A7ECC-7926-487C-9275-F83EC1C089B6}" type="presOf" srcId="{C27C4B58-0AA4-402B-BB63-FE5FE365E2FA}" destId="{F0149D51-8C61-4630-AE12-B152B57D7EB8}" srcOrd="0" destOrd="0" presId="urn:microsoft.com/office/officeart/2005/8/layout/orgChart1"/>
+    <dgm:cxn modelId="{097AE79C-DB8F-46DD-BC45-22ED2AEC3F51}" srcId="{CB4DF261-D8B5-4354-9EC3-E2BA380524AF}" destId="{89BD6952-F78C-4994-80EA-B2A7C8844A7F}" srcOrd="3" destOrd="0" parTransId="{E31F15E3-D398-4AD9-B0A3-ABB49D03E50F}" sibTransId="{39CF2CD5-06AF-4452-BC7F-D09FAA9F1827}"/>
+    <dgm:cxn modelId="{DEF29369-0544-4BEA-9675-6533C8452B08}" srcId="{245EA8C2-08CB-464B-A1F6-2B9C190982A0}" destId="{D17F20B9-A6D1-4228-837F-67D1A55E6B31}" srcOrd="2" destOrd="0" parTransId="{FE43BDAF-9051-41A3-A78F-607F49DAB56C}" sibTransId="{CF3A1B59-BF6F-4069-8C12-FE2F9660AF0D}"/>
+    <dgm:cxn modelId="{125888C2-38D4-4751-84CD-190B1085D764}" type="presOf" srcId="{8E8DCFF6-04C2-4CEE-8A36-5523834BF518}" destId="{481E33BF-D085-4A3B-A1E2-ECB11E4CF0C0}" srcOrd="0" destOrd="0" presId="urn:microsoft.com/office/officeart/2005/8/layout/orgChart1"/>
+    <dgm:cxn modelId="{6509BD2B-3E55-4F22-B39B-A22720D0CD87}" type="presOf" srcId="{54996A1D-DCEC-4693-9CFF-58100926E34C}" destId="{A1B7B7EF-BA34-45F5-B722-9B48950E03C7}" srcOrd="0" destOrd="0" presId="urn:microsoft.com/office/officeart/2005/8/layout/orgChart1"/>
+    <dgm:cxn modelId="{90768BD2-523D-4E1B-B0C9-0DA0F4659480}" srcId="{78863226-F6EE-4700-9681-ED48B704BE69}" destId="{2541714A-4AE0-409A-9868-B96B5BD12B25}" srcOrd="0" destOrd="0" parTransId="{6F1C792D-C1F2-4633-BBE4-C2561C2D2D5F}" sibTransId="{1CCCF151-ADD8-48DE-A524-39EFF049E161}"/>
+    <dgm:cxn modelId="{4DC155EE-EE52-456D-9145-0018543C2A1C}" type="presOf" srcId="{F8E23511-B1AC-4F9D-A64A-74A59AB3C4CF}" destId="{0B178C3C-1AC6-4DA3-9993-DACB6E76448A}" srcOrd="0" destOrd="0" presId="urn:microsoft.com/office/officeart/2005/8/layout/orgChart1"/>
+    <dgm:cxn modelId="{09BF263F-D648-48E4-B837-05776F9B7950}" srcId="{2541714A-4AE0-409A-9868-B96B5BD12B25}" destId="{CB4DF261-D8B5-4354-9EC3-E2BA380524AF}" srcOrd="0" destOrd="0" parTransId="{A574F7D3-67E6-4EC8-9F15-208AE0AACB80}" sibTransId="{860B76E5-7677-4AB1-873B-ADF4AD4A3C3D}"/>
+    <dgm:cxn modelId="{F23936DA-2BDB-4505-BD8E-8F1CBF9C4117}" type="presOf" srcId="{E0C3E1D2-6FF3-40A1-99B8-7D72FD7B8B1F}" destId="{AB16027E-8A3B-41CB-A43A-7FEED80BA3D6}" srcOrd="0" destOrd="0" presId="urn:microsoft.com/office/officeart/2005/8/layout/orgChart1"/>
+    <dgm:cxn modelId="{13C25EBA-8EC3-4DA5-9AD7-59055708D6BA}" srcId="{E1245E8D-736F-4FCF-AA56-B3E09DA6E23D}" destId="{C27C4B58-0AA4-402B-BB63-FE5FE365E2FA}" srcOrd="0" destOrd="0" parTransId="{379EACB1-3D1F-4310-8BFD-9554FA1B3149}" sibTransId="{F1C081C2-EFCF-4290-8869-1738D11E0BAE}"/>
+    <dgm:cxn modelId="{E8E6FA26-031C-4B1A-BE60-1CC7B3C8DDD6}" type="presOf" srcId="{A365ABBD-90B9-4041-96BD-D3D5F6CB18A2}" destId="{1ADA64E4-6160-42BE-A817-0C7FA5028C86}" srcOrd="0" destOrd="0" presId="urn:microsoft.com/office/officeart/2005/8/layout/orgChart1"/>
+    <dgm:cxn modelId="{B3DDC30C-52EA-4DAC-9C52-47091C5F9825}" type="presOf" srcId="{BAF5A61D-B11C-4621-A09C-6FDB01AA81D6}" destId="{C67577DB-5B87-4130-A9AC-BE8A9C160463}" srcOrd="0" destOrd="0" presId="urn:microsoft.com/office/officeart/2005/8/layout/orgChart1"/>
+    <dgm:cxn modelId="{3457EFC0-8CA9-4554-9862-225DBAC1DB03}" srcId="{E375BD4A-18F9-406A-BD67-05F466FE0D1F}" destId="{CB20EBB7-6ADD-4838-AF97-0CB86EC4778E}" srcOrd="2" destOrd="0" parTransId="{F6006DE4-4C33-4BCB-8546-2B913C457235}" sibTransId="{BC945826-FFAA-4E87-87C5-FA530A683BBB}"/>
+    <dgm:cxn modelId="{2AB63765-31C8-426C-B3EC-6525349FC3BB}" type="presOf" srcId="{E375BD4A-18F9-406A-BD67-05F466FE0D1F}" destId="{472CFAAE-D5FD-4FFB-8DF0-CB1099C9141F}" srcOrd="1" destOrd="0" presId="urn:microsoft.com/office/officeart/2005/8/layout/orgChart1"/>
+    <dgm:cxn modelId="{29B1AC7B-669E-4077-B175-126645DBA379}" type="presOf" srcId="{807643F1-1B8A-4FD6-BC33-76223E231477}" destId="{AFD2523A-8B2A-45F3-8103-6A02409FA90E}" srcOrd="0" destOrd="0" presId="urn:microsoft.com/office/officeart/2005/8/layout/orgChart1"/>
+    <dgm:cxn modelId="{0C704766-8E44-45DF-911B-2D3C82523038}" srcId="{CB4DF261-D8B5-4354-9EC3-E2BA380524AF}" destId="{A6E3E8A6-B8BE-4518-B1C2-07C2555656E4}" srcOrd="0" destOrd="0" parTransId="{E34B63B9-7DB5-4B72-A27A-FC857F28AE58}" sibTransId="{1CC8A462-421D-4ACF-9E8D-2E2D72C00257}"/>
+    <dgm:cxn modelId="{A96A47F5-A312-4A0A-AA7D-2DBBB2297688}" srcId="{17263FDC-D0CC-4494-B8AB-D23E38A0B688}" destId="{3EE529C1-0611-4A24-8FDA-B4590EF704E2}" srcOrd="0" destOrd="0" parTransId="{560E74AC-7F09-4A51-A8DE-280AB3E0F83C}" sibTransId="{B33D2344-FF26-465D-9A73-E22E20AAC3E4}"/>
+    <dgm:cxn modelId="{10CE3309-F1DA-4CD1-BEC3-1383B63F4007}" type="presOf" srcId="{E0C29EE9-99CC-4700-BA52-DD6DA0BE138E}" destId="{08F9C1CF-1EA1-4A8B-9279-20301D1D4F22}" srcOrd="0" destOrd="0" presId="urn:microsoft.com/office/officeart/2005/8/layout/orgChart1"/>
+    <dgm:cxn modelId="{08D3F1FC-AF5A-4642-BC67-897394C6CBC2}" type="presOf" srcId="{379EACB1-3D1F-4310-8BFD-9554FA1B3149}" destId="{AA16F919-95E9-4002-8EC4-4D62DBC52D50}" srcOrd="0" destOrd="0" presId="urn:microsoft.com/office/officeart/2005/8/layout/orgChart1"/>
+    <dgm:cxn modelId="{C57084FD-0CB4-43E3-92C0-73F9E780A3F7}" type="presOf" srcId="{A6E3E8A6-B8BE-4518-B1C2-07C2555656E4}" destId="{BD35F962-EDA4-4B24-9BFF-1E48351F0F4D}" srcOrd="0" destOrd="0" presId="urn:microsoft.com/office/officeart/2005/8/layout/orgChart1"/>
+    <dgm:cxn modelId="{9E338094-848A-4228-ADE6-1CB6598C3FBF}" type="presOf" srcId="{171881E5-1581-4329-92D1-D83B94F90B23}" destId="{33B1ED0E-E8A9-41CF-9695-E4AD842F79B1}" srcOrd="0" destOrd="0" presId="urn:microsoft.com/office/officeart/2005/8/layout/orgChart1"/>
+    <dgm:cxn modelId="{3191ABEF-1DE2-4094-B24F-6DC616CC787D}" srcId="{CB4DF261-D8B5-4354-9EC3-E2BA380524AF}" destId="{7961EF9F-1075-4EE0-A3D9-812D8011F1D2}" srcOrd="2" destOrd="0" parTransId="{E0C3E1D2-6FF3-40A1-99B8-7D72FD7B8B1F}" sibTransId="{9359F152-4129-40C3-9A1B-B0828D4D1DBF}"/>
+    <dgm:cxn modelId="{A04EBE66-41B1-40CB-8C24-8E00FFC8F451}" type="presOf" srcId="{A0B43C53-BC9D-4D39-9508-8183121A95A9}" destId="{4668BC5D-5C94-4DC5-8BF1-1A0FC58C5E2B}" srcOrd="1" destOrd="0" presId="urn:microsoft.com/office/officeart/2005/8/layout/orgChart1"/>
+    <dgm:cxn modelId="{ADA3E043-D417-43F2-8E56-1FAE341DEAA5}" type="presOf" srcId="{8E8DCFF6-04C2-4CEE-8A36-5523834BF518}" destId="{45C248F1-8E2D-44EF-A213-51B975CA3709}" srcOrd="1" destOrd="0" presId="urn:microsoft.com/office/officeart/2005/8/layout/orgChart1"/>
+    <dgm:cxn modelId="{E53D7826-0D1E-45EC-AC03-DE7CF91F51BB}" type="presOf" srcId="{DBD2A981-0FFC-42BB-BDBE-2CC08304AE61}" destId="{55118D28-878E-4A97-8FC7-F49E194DBAFD}" srcOrd="0" destOrd="0" presId="urn:microsoft.com/office/officeart/2005/8/layout/orgChart1"/>
+    <dgm:cxn modelId="{92594C4A-2DB3-4856-957C-22B67922F343}" type="presOf" srcId="{312CE06F-FEC3-4136-A04F-FBF67B7A6AEC}" destId="{5A77B807-627A-4C5F-9DB7-6529456BECFD}" srcOrd="1" destOrd="0" presId="urn:microsoft.com/office/officeart/2005/8/layout/orgChart1"/>
+    <dgm:cxn modelId="{1A109E9D-B46E-424A-BDEC-7793E2E9CD13}" type="presOf" srcId="{EDBF76DC-F5C0-4311-9EF9-E3FB3C4878F3}" destId="{D950DCB1-3E67-4C5A-8719-57ED77319070}" srcOrd="1" destOrd="0" presId="urn:microsoft.com/office/officeart/2005/8/layout/orgChart1"/>
+    <dgm:cxn modelId="{F2C4BABD-7255-4E3E-B01C-3C570E25B92B}" type="presOf" srcId="{D17F20B9-A6D1-4228-837F-67D1A55E6B31}" destId="{EA67E38B-3C6B-4162-92E8-C7469AB3F0AD}" srcOrd="0" destOrd="0" presId="urn:microsoft.com/office/officeart/2005/8/layout/orgChart1"/>
+    <dgm:cxn modelId="{4524399A-2414-45CC-8295-CF921D900AED}" srcId="{E375BD4A-18F9-406A-BD67-05F466FE0D1F}" destId="{B398827F-33F8-48C2-A758-E351E4836BD5}" srcOrd="0" destOrd="0" parTransId="{54996A1D-DCEC-4693-9CFF-58100926E34C}" sibTransId="{1E3FF1B8-0A12-4056-9D25-D40078D21EE0}"/>
     <dgm:cxn modelId="{A17B4413-29AC-4671-823F-92482B3E528A}" type="presOf" srcId="{76EFD357-DB13-4844-8D31-373B4901EC2C}" destId="{9FEB8454-4076-4E9D-9478-98E65432247E}" srcOrd="0" destOrd="0" presId="urn:microsoft.com/office/officeart/2005/8/layout/orgChart1"/>
-    <dgm:cxn modelId="{A3B5FDF6-DC2A-40AD-872E-C47F8B54D764}" srcId="{B398827F-33F8-48C2-A758-E351E4836BD5}" destId="{312CE06F-FEC3-4136-A04F-FBF67B7A6AEC}" srcOrd="0" destOrd="0" parTransId="{4D785EAF-DDE9-4FC9-A3D7-6C16F5D1B4C2}" sibTransId="{EE6401EB-C5DD-4217-9C4C-6245B7BD26FD}"/>
+    <dgm:cxn modelId="{4247F715-B1DD-4637-8E50-9F92513FA95A}" type="presOf" srcId="{FE43BDAF-9051-41A3-A78F-607F49DAB56C}" destId="{6277747B-27CB-469F-81AC-62695F6E7109}" srcOrd="0" destOrd="0" presId="urn:microsoft.com/office/officeart/2005/8/layout/orgChart1"/>
+    <dgm:cxn modelId="{A16169A4-0857-4B84-8A69-9C4B0E5B4476}" type="presOf" srcId="{C608C998-AE0E-4F82-BA5A-4D8AA882A52D}" destId="{3AB8BB4B-3BD7-486D-BA7C-BAA0B3C1E5F0}" srcOrd="1" destOrd="0" presId="urn:microsoft.com/office/officeart/2005/8/layout/orgChart1"/>
+    <dgm:cxn modelId="{4785F6C4-29E2-4E64-B500-3948CD57ABBD}" type="presOf" srcId="{BDCAC1D8-CBDF-4B0A-B328-E40521C92A41}" destId="{61C0F69B-DD93-4E93-A373-3BC981C85C1E}" srcOrd="0" destOrd="0" presId="urn:microsoft.com/office/officeart/2005/8/layout/orgChart1"/>
+    <dgm:cxn modelId="{D21B09CA-8B8E-477E-BCF9-9B11AC655144}" type="presOf" srcId="{575635EA-6614-485E-91D8-09168207B879}" destId="{6F283C44-9E2C-499C-BDB9-764A00C2AA88}" srcOrd="0" destOrd="0" presId="urn:microsoft.com/office/officeart/2005/8/layout/orgChart1"/>
+    <dgm:cxn modelId="{CFB7A274-FA8B-47CD-8A29-7121DB2369B5}" type="presOf" srcId="{20DC6828-328C-471C-80EB-7FF4A4E1C927}" destId="{26A5A827-B7FE-445C-91CE-4940D6177751}" srcOrd="1" destOrd="0" presId="urn:microsoft.com/office/officeart/2005/8/layout/orgChart1"/>
+    <dgm:cxn modelId="{C2963FB2-F616-42AA-ADCC-A933716A8CD9}" srcId="{E1245E8D-736F-4FCF-AA56-B3E09DA6E23D}" destId="{811F14C4-6A68-4E97-A0B1-6CBA859D85EF}" srcOrd="1" destOrd="0" parTransId="{7A18BCA2-C0AC-4B99-8309-F4506982E63B}" sibTransId="{38837CFD-3363-46E8-86FF-0459D5B01A37}"/>
+    <dgm:cxn modelId="{996DE280-2CB7-4E8E-B4B0-39750F881875}" type="presOf" srcId="{82C916C1-6A80-43B1-8EDB-62BC9580DEFD}" destId="{B9EA9C29-5B9C-4C19-A85F-A29D175CA15D}" srcOrd="0" destOrd="0" presId="urn:microsoft.com/office/officeart/2005/8/layout/orgChart1"/>
+    <dgm:cxn modelId="{7EEBC3C2-4C0A-42F3-8AB4-4EECCBCE3C63}" type="presOf" srcId="{7E2981AA-C897-4B42-89AC-966FD8A6224F}" destId="{A71E9DBB-1D7C-4473-BDCF-4ACE45F985E6}" srcOrd="1" destOrd="0" presId="urn:microsoft.com/office/officeart/2005/8/layout/orgChart1"/>
+    <dgm:cxn modelId="{EB700C78-0777-412E-BFD8-435C5BD60B5F}" srcId="{7906C259-6352-45B8-AFDF-DBB451AF7C50}" destId="{0717E52C-A4D5-4543-BD7E-341CBB98ADC3}" srcOrd="1" destOrd="0" parTransId="{C92D046D-F91B-4466-A537-7CFFA117B528}" sibTransId="{8DFBA754-D836-4E03-967B-1A5FD261BEF4}"/>
+    <dgm:cxn modelId="{BF63D8A5-D924-442A-9690-DEC125640C55}" type="presOf" srcId="{FF9ADD26-FB8B-4208-BF12-AA73BE461829}" destId="{F58BB8CD-7794-4CE5-93C4-E22AAEAC2E32}" srcOrd="1" destOrd="0" presId="urn:microsoft.com/office/officeart/2005/8/layout/orgChart1"/>
+    <dgm:cxn modelId="{1203B382-09BA-4D5B-99FC-DFFC413AA01F}" srcId="{7906C259-6352-45B8-AFDF-DBB451AF7C50}" destId="{FF9ADD26-FB8B-4208-BF12-AA73BE461829}" srcOrd="0" destOrd="0" parTransId="{057700E8-3DE8-4625-B2AE-B4EBC05B19BA}" sibTransId="{2F1C2F85-2B45-40C0-9614-829E7E79BAC3}"/>
+    <dgm:cxn modelId="{76942DF5-455C-4ED4-96B9-647692AC8071}" srcId="{245EA8C2-08CB-464B-A1F6-2B9C190982A0}" destId="{C608C998-AE0E-4F82-BA5A-4D8AA882A52D}" srcOrd="0" destOrd="0" parTransId="{E0C29EE9-99CC-4700-BA52-DD6DA0BE138E}" sibTransId="{250EA363-5589-44F9-A891-F8B80B197936}"/>
+    <dgm:cxn modelId="{076671A3-D456-4B38-9EF1-64CB86154326}" type="presOf" srcId="{A496B3F0-3F9F-4489-AF47-142D091C1E64}" destId="{61F47057-951D-43E3-BF9A-3BFFA7FF1D9B}" srcOrd="0" destOrd="0" presId="urn:microsoft.com/office/officeart/2005/8/layout/orgChart1"/>
+    <dgm:cxn modelId="{41280CD0-5EC9-4135-BEE8-CB7459154224}" srcId="{0717E52C-A4D5-4543-BD7E-341CBB98ADC3}" destId="{E9A329E7-159F-40A5-BBCB-D3EE075812E1}" srcOrd="2" destOrd="0" parTransId="{01347D5B-09A2-47DE-A864-88C6941E747E}" sibTransId="{F108511E-41DD-4886-AE63-BE9BC576C0D0}"/>
+    <dgm:cxn modelId="{743DB305-9520-4CDF-B8A1-49169FB998D7}" type="presOf" srcId="{78863226-F6EE-4700-9681-ED48B704BE69}" destId="{093FA38E-8187-451B-A2E5-0620D04B134F}" srcOrd="0" destOrd="0" presId="urn:microsoft.com/office/officeart/2005/8/layout/orgChart1"/>
+    <dgm:cxn modelId="{CB06D956-A1F2-4467-A36B-E48076C19786}" srcId="{0717E52C-A4D5-4543-BD7E-341CBB98ADC3}" destId="{4B25BC86-A95C-4C82-ABF2-F8D3989A5868}" srcOrd="0" destOrd="0" parTransId="{171881E5-1581-4329-92D1-D83B94F90B23}" sibTransId="{2278FC34-667D-4F3D-96CE-BA5DF17F8B33}"/>
+    <dgm:cxn modelId="{3245D8D8-B47C-406D-98E1-222BF3AA6BA3}" type="presOf" srcId="{01347D5B-09A2-47DE-A864-88C6941E747E}" destId="{41FB4FFB-03D3-477F-96C8-F6DA04B7EAE0}" srcOrd="0" destOrd="0" presId="urn:microsoft.com/office/officeart/2005/8/layout/orgChart1"/>
+    <dgm:cxn modelId="{E18A0D32-1755-4FEB-9EFF-ECD194B8CCB9}" type="presOf" srcId="{F6006DE4-4C33-4BCB-8546-2B913C457235}" destId="{4C757F3C-EA45-4E2F-900C-CDFB9B7090F6}" srcOrd="0" destOrd="0" presId="urn:microsoft.com/office/officeart/2005/8/layout/orgChart1"/>
     <dgm:cxn modelId="{7EA41E40-7BFE-48CE-8041-0194F173B91D}" type="presOf" srcId="{B934B280-9323-4443-A4EF-5DC818748481}" destId="{5EE1B7D1-FCAF-4FBF-A1E9-A093A90C5CAD}" srcOrd="0" destOrd="0" presId="urn:microsoft.com/office/officeart/2005/8/layout/orgChart1"/>
-    <dgm:cxn modelId="{D21B09CA-8B8E-477E-BCF9-9B11AC655144}" type="presOf" srcId="{575635EA-6614-485E-91D8-09168207B879}" destId="{6F283C44-9E2C-499C-BDB9-764A00C2AA88}" srcOrd="0" destOrd="0" presId="urn:microsoft.com/office/officeart/2005/8/layout/orgChart1"/>
-    <dgm:cxn modelId="{6509BD2B-3E55-4F22-B39B-A22720D0CD87}" type="presOf" srcId="{54996A1D-DCEC-4693-9CFF-58100926E34C}" destId="{A1B7B7EF-BA34-45F5-B722-9B48950E03C7}" srcOrd="0" destOrd="0" presId="urn:microsoft.com/office/officeart/2005/8/layout/orgChart1"/>
-    <dgm:cxn modelId="{AF03E458-1098-4E46-B6C6-54B3D055839B}" type="presOf" srcId="{E34B63B9-7DB5-4B72-A27A-FC857F28AE58}" destId="{2DFF6B31-D7D6-49FA-A220-1CBD766474E3}" srcOrd="0" destOrd="0" presId="urn:microsoft.com/office/officeart/2005/8/layout/orgChart1"/>
-    <dgm:cxn modelId="{DEF29369-0544-4BEA-9675-6533C8452B08}" srcId="{245EA8C2-08CB-464B-A1F6-2B9C190982A0}" destId="{D17F20B9-A6D1-4228-837F-67D1A55E6B31}" srcOrd="2" destOrd="0" parTransId="{FE43BDAF-9051-41A3-A78F-607F49DAB56C}" sibTransId="{CF3A1B59-BF6F-4069-8C12-FE2F9660AF0D}"/>
-    <dgm:cxn modelId="{C2963FB2-F616-42AA-ADCC-A933716A8CD9}" srcId="{E1245E8D-736F-4FCF-AA56-B3E09DA6E23D}" destId="{811F14C4-6A68-4E97-A0B1-6CBA859D85EF}" srcOrd="1" destOrd="0" parTransId="{7A18BCA2-C0AC-4B99-8309-F4506982E63B}" sibTransId="{38837CFD-3363-46E8-86FF-0459D5B01A37}"/>
-    <dgm:cxn modelId="{781BF448-F0A2-4972-9623-1AF7AF2B470A}" type="presOf" srcId="{78863226-F6EE-4700-9681-ED48B704BE69}" destId="{A2129DFA-6DA8-478F-A52B-7DAA17647452}" srcOrd="1" destOrd="0" presId="urn:microsoft.com/office/officeart/2005/8/layout/orgChart1"/>
+    <dgm:cxn modelId="{623B46B0-E6EB-4552-B5DA-56A84D405EDF}" type="presOf" srcId="{245EA8C2-08CB-464B-A1F6-2B9C190982A0}" destId="{5FE3B408-A09B-47E7-809A-AB958D90D2B4}" srcOrd="0" destOrd="0" presId="urn:microsoft.com/office/officeart/2005/8/layout/orgChart1"/>
+    <dgm:cxn modelId="{C42EF99D-21F6-40D5-803F-EF51B0CAFF4A}" srcId="{245EA8C2-08CB-464B-A1F6-2B9C190982A0}" destId="{A0B43C53-BC9D-4D39-9508-8183121A95A9}" srcOrd="1" destOrd="0" parTransId="{A365ABBD-90B9-4041-96BD-D3D5F6CB18A2}" sibTransId="{3DB7465A-C96D-4A5A-A132-ADB1BA306B35}"/>
+    <dgm:cxn modelId="{907A4EA9-350E-4E94-B48E-480329152A7B}" type="presOf" srcId="{8CBF5A11-860D-4D43-8963-814C3BDBBDEB}" destId="{C7E99658-7796-4722-8C25-3F06D78F8939}" srcOrd="0" destOrd="0" presId="urn:microsoft.com/office/officeart/2005/8/layout/orgChart1"/>
+    <dgm:cxn modelId="{07847E38-9B43-4859-8ED9-92176B73B5D1}" type="presOf" srcId="{2676C974-DA47-4CE6-9994-696E38ACB3EB}" destId="{A4021BD2-511E-4F83-A656-25C678042D54}" srcOrd="0" destOrd="0" presId="urn:microsoft.com/office/officeart/2005/8/layout/orgChart1"/>
+    <dgm:cxn modelId="{2C901008-AC18-4BED-803C-336ACA13C07B}" type="presOf" srcId="{811F14C4-6A68-4E97-A0B1-6CBA859D85EF}" destId="{E67572AF-CBD7-4E66-914C-1685A50618AD}" srcOrd="0" destOrd="0" presId="urn:microsoft.com/office/officeart/2005/8/layout/orgChart1"/>
+    <dgm:cxn modelId="{63C9A464-FC1E-4347-AAD6-7EDA7E087D1D}" type="presOf" srcId="{C92D046D-F91B-4466-A537-7CFFA117B528}" destId="{AFC1ED2A-8E06-4FFD-BA95-8CA010594080}" srcOrd="0" destOrd="0" presId="urn:microsoft.com/office/officeart/2005/8/layout/orgChart1"/>
+    <dgm:cxn modelId="{08BE6A0A-1D3D-45D2-8178-804FE45F5220}" type="presOf" srcId="{811F14C4-6A68-4E97-A0B1-6CBA859D85EF}" destId="{BD238305-3DE9-4569-88EA-7D1DF24AC1C0}" srcOrd="1" destOrd="0" presId="urn:microsoft.com/office/officeart/2005/8/layout/orgChart1"/>
+    <dgm:cxn modelId="{7E8D0A3B-9A5B-46B5-A1B6-477424636093}" type="presOf" srcId="{1A9DD2BC-5078-4AFE-9A83-62E06ABD9278}" destId="{511129A6-8DCA-4CF4-8F4D-E95A07E5656E}" srcOrd="0" destOrd="0" presId="urn:microsoft.com/office/officeart/2005/8/layout/orgChart1"/>
     <dgm:cxn modelId="{D2554CD7-9903-4D78-825A-EF33D4DAF546}" type="presOf" srcId="{BAF5A61D-B11C-4621-A09C-6FDB01AA81D6}" destId="{C3EAD4E3-48FE-4F76-9408-C96EF1BC8A6B}" srcOrd="1" destOrd="0" presId="urn:microsoft.com/office/officeart/2005/8/layout/orgChart1"/>
-    <dgm:cxn modelId="{AB157744-1CCC-4376-89F0-9A8726612601}" type="presOf" srcId="{A6E3E8A6-B8BE-4518-B1C2-07C2555656E4}" destId="{9E3E46A3-1A10-4EF3-AFF4-67CBE9006E79}" srcOrd="1" destOrd="0" presId="urn:microsoft.com/office/officeart/2005/8/layout/orgChart1"/>
-    <dgm:cxn modelId="{31FC8D5E-B139-41BC-93B8-A8AED5799DF0}" type="presOf" srcId="{60EFD7E5-3E18-4418-981A-5D8EC8996E12}" destId="{CE61FD5B-76EA-4CE6-961D-FC2E459BD2B6}" srcOrd="1" destOrd="0" presId="urn:microsoft.com/office/officeart/2005/8/layout/orgChart1"/>
-    <dgm:cxn modelId="{B3DDC30C-52EA-4DAC-9C52-47091C5F9825}" type="presOf" srcId="{BAF5A61D-B11C-4621-A09C-6FDB01AA81D6}" destId="{C67577DB-5B87-4130-A9AC-BE8A9C160463}" srcOrd="0" destOrd="0" presId="urn:microsoft.com/office/officeart/2005/8/layout/orgChart1"/>
-    <dgm:cxn modelId="{13A1E4EA-B558-4AA5-980F-BBE4FD06848D}" type="presOf" srcId="{3EE529C1-0611-4A24-8FDA-B4590EF704E2}" destId="{D591BBBB-CAAF-41E7-9F94-51B37C2AE8C7}" srcOrd="1" destOrd="0" presId="urn:microsoft.com/office/officeart/2005/8/layout/orgChart1"/>
-    <dgm:cxn modelId="{41280CD0-5EC9-4135-BEE8-CB7459154224}" srcId="{0717E52C-A4D5-4543-BD7E-341CBB98ADC3}" destId="{E9A329E7-159F-40A5-BBCB-D3EE075812E1}" srcOrd="2" destOrd="0" parTransId="{01347D5B-09A2-47DE-A864-88C6941E747E}" sibTransId="{F108511E-41DD-4886-AE63-BE9BC576C0D0}"/>
-    <dgm:cxn modelId="{E8E6FA26-031C-4B1A-BE60-1CC7B3C8DDD6}" type="presOf" srcId="{A365ABBD-90B9-4041-96BD-D3D5F6CB18A2}" destId="{1ADA64E4-6160-42BE-A817-0C7FA5028C86}" srcOrd="0" destOrd="0" presId="urn:microsoft.com/office/officeart/2005/8/layout/orgChart1"/>
-    <dgm:cxn modelId="{F23936DA-2BDB-4505-BD8E-8F1CBF9C4117}" type="presOf" srcId="{E0C3E1D2-6FF3-40A1-99B8-7D72FD7B8B1F}" destId="{AB16027E-8A3B-41CB-A43A-7FEED80BA3D6}" srcOrd="0" destOrd="0" presId="urn:microsoft.com/office/officeart/2005/8/layout/orgChart1"/>
-    <dgm:cxn modelId="{AF2757B7-B914-41C4-845D-BE6E2CD5827C}" srcId="{B398827F-33F8-48C2-A758-E351E4836BD5}" destId="{245EA8C2-08CB-464B-A1F6-2B9C190982A0}" srcOrd="1" destOrd="0" parTransId="{76EFD357-DB13-4844-8D31-373B4901EC2C}" sibTransId="{5D27DF1C-F498-41FF-9173-92924E0CE703}"/>
-    <dgm:cxn modelId="{A16169A4-0857-4B84-8A69-9C4B0E5B4476}" type="presOf" srcId="{C608C998-AE0E-4F82-BA5A-4D8AA882A52D}" destId="{3AB8BB4B-3BD7-486D-BA7C-BAA0B3C1E5F0}" srcOrd="1" destOrd="0" presId="urn:microsoft.com/office/officeart/2005/8/layout/orgChart1"/>
-    <dgm:cxn modelId="{076671A3-D456-4B38-9EF1-64CB86154326}" type="presOf" srcId="{A496B3F0-3F9F-4489-AF47-142D091C1E64}" destId="{61F47057-951D-43E3-BF9A-3BFFA7FF1D9B}" srcOrd="0" destOrd="0" presId="urn:microsoft.com/office/officeart/2005/8/layout/orgChart1"/>
-    <dgm:cxn modelId="{832108AC-318B-40C2-B3D0-F5B1FAEAD43A}" srcId="{78863226-F6EE-4700-9681-ED48B704BE69}" destId="{7906C259-6352-45B8-AFDF-DBB451AF7C50}" srcOrd="2" destOrd="0" parTransId="{E8404653-B045-4E24-8860-C5ED94C409DD}" sibTransId="{3CE2BB31-262F-4566-9D0C-7679E94275A6}"/>
-    <dgm:cxn modelId="{EB700C78-0777-412E-BFD8-435C5BD60B5F}" srcId="{7906C259-6352-45B8-AFDF-DBB451AF7C50}" destId="{0717E52C-A4D5-4543-BD7E-341CBB98ADC3}" srcOrd="1" destOrd="0" parTransId="{C92D046D-F91B-4466-A537-7CFFA117B528}" sibTransId="{8DFBA754-D836-4E03-967B-1A5FD261BEF4}"/>
-    <dgm:cxn modelId="{8E77FC2E-D9CE-4EC5-B516-CB1516ABDDA0}" type="presOf" srcId="{89BD6952-F78C-4994-80EA-B2A7C8844A7F}" destId="{9F9E01C5-C544-4453-BFDF-0C2D9E7CB566}" srcOrd="0" destOrd="0" presId="urn:microsoft.com/office/officeart/2005/8/layout/orgChart1"/>
-    <dgm:cxn modelId="{BBF10904-547F-43D2-9D13-E8673C06724D}" type="presOf" srcId="{7961EF9F-1075-4EE0-A3D9-812D8011F1D2}" destId="{2D7BB886-180B-4E79-B46F-164B5A5D99A4}" srcOrd="0" destOrd="0" presId="urn:microsoft.com/office/officeart/2005/8/layout/orgChart1"/>
-    <dgm:cxn modelId="{65D9B49D-E81F-4FF9-A40B-D1D2F265FCBE}" type="presOf" srcId="{EDBF76DC-F5C0-4311-9EF9-E3FB3C4878F3}" destId="{DECE8E0D-C721-4A54-8F50-F2C2DAA16AF9}" srcOrd="0" destOrd="0" presId="urn:microsoft.com/office/officeart/2005/8/layout/orgChart1"/>
-    <dgm:cxn modelId="{13C25EBA-8EC3-4DA5-9AD7-59055708D6BA}" srcId="{E1245E8D-736F-4FCF-AA56-B3E09DA6E23D}" destId="{C27C4B58-0AA4-402B-BB63-FE5FE365E2FA}" srcOrd="0" destOrd="0" parTransId="{379EACB1-3D1F-4310-8BFD-9554FA1B3149}" sibTransId="{F1C081C2-EFCF-4290-8869-1738D11E0BAE}"/>
-    <dgm:cxn modelId="{FF604760-98FD-4227-8545-6E97B40B998E}" srcId="{78863226-F6EE-4700-9681-ED48B704BE69}" destId="{17263FDC-D0CC-4494-B8AB-D23E38A0B688}" srcOrd="1" destOrd="0" parTransId="{2676C974-DA47-4CE6-9994-696E38ACB3EB}" sibTransId="{FC3B2912-5332-468B-ABF0-BF960E2444E1}"/>
-    <dgm:cxn modelId="{996DE280-2CB7-4E8E-B4B0-39750F881875}" type="presOf" srcId="{82C916C1-6A80-43B1-8EDB-62BC9580DEFD}" destId="{B9EA9C29-5B9C-4C19-A85F-A29D175CA15D}" srcOrd="0" destOrd="0" presId="urn:microsoft.com/office/officeart/2005/8/layout/orgChart1"/>
-    <dgm:cxn modelId="{90768BD2-523D-4E1B-B0C9-0DA0F4659480}" srcId="{78863226-F6EE-4700-9681-ED48B704BE69}" destId="{2541714A-4AE0-409A-9868-B96B5BD12B25}" srcOrd="0" destOrd="0" parTransId="{6F1C792D-C1F2-4633-BBE4-C2561C2D2D5F}" sibTransId="{1CCCF151-ADD8-48DE-A524-39EFF049E161}"/>
-    <dgm:cxn modelId="{92B6BCBF-3654-417A-AFCB-D04B044B82C7}" srcId="{17263FDC-D0CC-4494-B8AB-D23E38A0B688}" destId="{695BB022-A2FC-4E88-A082-0C0E7254E51F}" srcOrd="2" destOrd="0" parTransId="{BDCAC1D8-CBDF-4B0A-B328-E40521C92A41}" sibTransId="{C2832F37-2489-4DB5-B90A-48426922959A}"/>
-    <dgm:cxn modelId="{C0C4EC08-D08D-4B8F-8E07-9AE8BD4904A8}" type="presOf" srcId="{E31F15E3-D398-4AD9-B0A3-ABB49D03E50F}" destId="{BEAF408C-8621-4BE2-9979-499F137EB10E}" srcOrd="0" destOrd="0" presId="urn:microsoft.com/office/officeart/2005/8/layout/orgChart1"/>
-    <dgm:cxn modelId="{46581C4D-C866-45E6-B0BC-26B30F6140A5}" srcId="{0DD6536A-5B43-4327-9728-6C4225613473}" destId="{78863226-F6EE-4700-9681-ED48B704BE69}" srcOrd="0" destOrd="0" parTransId="{F212E589-6146-46C5-A268-6D9D5A8DD4CF}" sibTransId="{7B9CD884-EF93-4C52-A2E9-B89EAD916181}"/>
-    <dgm:cxn modelId="{ADA3E043-D417-43F2-8E56-1FAE341DEAA5}" type="presOf" srcId="{8E8DCFF6-04C2-4CEE-8A36-5523834BF518}" destId="{45C248F1-8E2D-44EF-A213-51B975CA3709}" srcOrd="1" destOrd="0" presId="urn:microsoft.com/office/officeart/2005/8/layout/orgChart1"/>
-    <dgm:cxn modelId="{8106186B-F934-4EE0-AC1E-44F1EBA125AF}" type="presOf" srcId="{A574F7D3-67E6-4EC8-9F15-208AE0AACB80}" destId="{C5D7C2C1-5CE6-4DBB-AB1A-FB2B82A7B6A4}" srcOrd="0" destOrd="0" presId="urn:microsoft.com/office/officeart/2005/8/layout/orgChart1"/>
-    <dgm:cxn modelId="{823FD763-52F8-472C-B1DA-16A389D882B7}" type="presOf" srcId="{7906C259-6352-45B8-AFDF-DBB451AF7C50}" destId="{C3983E75-B1D0-41FF-92D1-5B04462246E6}" srcOrd="1" destOrd="0" presId="urn:microsoft.com/office/officeart/2005/8/layout/orgChart1"/>
-    <dgm:cxn modelId="{92594C4A-2DB3-4856-957C-22B67922F343}" type="presOf" srcId="{312CE06F-FEC3-4136-A04F-FBF67B7A6AEC}" destId="{5A77B807-627A-4C5F-9DB7-6529456BECFD}" srcOrd="1" destOrd="0" presId="urn:microsoft.com/office/officeart/2005/8/layout/orgChart1"/>
-    <dgm:cxn modelId="{49598E30-2ECF-415A-A912-B3C7341222E5}" type="presOf" srcId="{E9A329E7-159F-40A5-BBCB-D3EE075812E1}" destId="{AD61050F-5823-4304-88D7-F5A1360D32B5}" srcOrd="0" destOrd="0" presId="urn:microsoft.com/office/officeart/2005/8/layout/orgChart1"/>
+    <dgm:cxn modelId="{505B910E-9F88-4054-99E7-C5B8DAAC7337}" type="presOf" srcId="{7906C259-6352-45B8-AFDF-DBB451AF7C50}" destId="{1F45F10A-71CC-42FE-B451-C5768F35150C}" srcOrd="0" destOrd="0" presId="urn:microsoft.com/office/officeart/2005/8/layout/orgChart1"/>
+    <dgm:cxn modelId="{8BF4577B-7B0E-4A43-A841-CA3891D05830}" type="presOf" srcId="{B398827F-33F8-48C2-A758-E351E4836BD5}" destId="{629EE3E6-8657-4661-BAAA-A9AB49935946}" srcOrd="0" destOrd="0" presId="urn:microsoft.com/office/officeart/2005/8/layout/orgChart1"/>
+    <dgm:cxn modelId="{082AF8A3-A354-45B1-8D20-47EE29A675B5}" type="presOf" srcId="{2541714A-4AE0-409A-9868-B96B5BD12B25}" destId="{E641F743-7739-4406-B1A4-10213C245391}" srcOrd="1" destOrd="0" presId="urn:microsoft.com/office/officeart/2005/8/layout/orgChart1"/>
+    <dgm:cxn modelId="{0F6BCC61-CE24-43A0-947B-0C284B1CBC52}" type="presOf" srcId="{695BB022-A2FC-4E88-A082-0C0E7254E51F}" destId="{08F02CD3-81A6-4B7D-9FB1-5535119A359B}" srcOrd="1" destOrd="0" presId="urn:microsoft.com/office/officeart/2005/8/layout/orgChart1"/>
+    <dgm:cxn modelId="{27C3B49B-8250-4839-901C-FDBA78A4F159}" srcId="{B398827F-33F8-48C2-A758-E351E4836BD5}" destId="{7E2981AA-C897-4B42-89AC-966FD8A6224F}" srcOrd="2" destOrd="0" parTransId="{8CBF5A11-860D-4D43-8963-814C3BDBBDEB}" sibTransId="{5426399A-2A92-458D-AEC8-C671B3C32CAA}"/>
+    <dgm:cxn modelId="{B97A2186-A8CA-47A3-8789-86BE6EA77FF6}" type="presOf" srcId="{E375BD4A-18F9-406A-BD67-05F466FE0D1F}" destId="{FC73C4B3-071B-402C-9139-5C2FAE9C26B1}" srcOrd="0" destOrd="0" presId="urn:microsoft.com/office/officeart/2005/8/layout/orgChart1"/>
     <dgm:cxn modelId="{6273CB1D-52DF-46FB-991E-F29D6BCB928F}" type="presOf" srcId="{0DD6536A-5B43-4327-9728-6C4225613473}" destId="{A4333BC4-90B9-4B5A-9060-F50C7F3DACA6}" srcOrd="0" destOrd="0" presId="urn:microsoft.com/office/officeart/2005/8/layout/orgChart1"/>
     <dgm:cxn modelId="{75F20CBD-504F-4E9F-8C25-3BB16BB98085}" type="presOf" srcId="{B398827F-33F8-48C2-A758-E351E4836BD5}" destId="{3FA6C997-6B33-4EBD-812A-1C835D5762A9}" srcOrd="1" destOrd="0" presId="urn:microsoft.com/office/officeart/2005/8/layout/orgChart1"/>
+    <dgm:cxn modelId="{8106186B-F934-4EE0-AC1E-44F1EBA125AF}" type="presOf" srcId="{A574F7D3-67E6-4EC8-9F15-208AE0AACB80}" destId="{C5D7C2C1-5CE6-4DBB-AB1A-FB2B82A7B6A4}" srcOrd="0" destOrd="0" presId="urn:microsoft.com/office/officeart/2005/8/layout/orgChart1"/>
     <dgm:cxn modelId="{5BEF1010-346B-4D14-977C-6EF688D22A32}" srcId="{7906C259-6352-45B8-AFDF-DBB451AF7C50}" destId="{E375BD4A-18F9-406A-BD67-05F466FE0D1F}" srcOrd="2" destOrd="0" parTransId="{F2E85D6F-80F6-49DE-A040-BEC18E5017DE}" sibTransId="{20C19A65-E9A3-44C8-ABD5-D48FBA7132E7}"/>
-    <dgm:cxn modelId="{76942DF5-455C-4ED4-96B9-647692AC8071}" srcId="{245EA8C2-08CB-464B-A1F6-2B9C190982A0}" destId="{C608C998-AE0E-4F82-BA5A-4D8AA882A52D}" srcOrd="0" destOrd="0" parTransId="{E0C29EE9-99CC-4700-BA52-DD6DA0BE138E}" sibTransId="{250EA363-5589-44F9-A891-F8B80B197936}"/>
+    <dgm:cxn modelId="{C11A2C2D-2401-4DE4-9F01-77BEE55F1DE7}" type="presOf" srcId="{0717E52C-A4D5-4543-BD7E-341CBB98ADC3}" destId="{CF551241-6A90-4301-9B5A-36B087458CED}" srcOrd="1" destOrd="0" presId="urn:microsoft.com/office/officeart/2005/8/layout/orgChart1"/>
+    <dgm:cxn modelId="{8026819A-B7A9-428E-AF26-B6D54A33864E}" type="presOf" srcId="{D6C4B15B-4923-4045-9ABE-8CBAA066A17C}" destId="{5584DD1F-B60D-4C7F-B659-863FD0043AC1}" srcOrd="0" destOrd="0" presId="urn:microsoft.com/office/officeart/2005/8/layout/orgChart1"/>
+    <dgm:cxn modelId="{459ECD04-2E93-432B-8968-1AB581EB224C}" type="presOf" srcId="{17263FDC-D0CC-4494-B8AB-D23E38A0B688}" destId="{CC368C1C-F91B-43C3-ACDC-D92532D9E5B4}" srcOrd="0" destOrd="0" presId="urn:microsoft.com/office/officeart/2005/8/layout/orgChart1"/>
+    <dgm:cxn modelId="{C0C4EC08-D08D-4B8F-8E07-9AE8BD4904A8}" type="presOf" srcId="{E31F15E3-D398-4AD9-B0A3-ABB49D03E50F}" destId="{BEAF408C-8621-4BE2-9979-499F137EB10E}" srcOrd="0" destOrd="0" presId="urn:microsoft.com/office/officeart/2005/8/layout/orgChart1"/>
+    <dgm:cxn modelId="{03489CF7-015C-4BD9-8614-221897623E49}" type="presOf" srcId="{CB4DF261-D8B5-4354-9EC3-E2BA380524AF}" destId="{9B4F4FB8-F5B9-46D6-8933-12215E838216}" srcOrd="0" destOrd="0" presId="urn:microsoft.com/office/officeart/2005/8/layout/orgChart1"/>
+    <dgm:cxn modelId="{A3B5FDF6-DC2A-40AD-872E-C47F8B54D764}" srcId="{B398827F-33F8-48C2-A758-E351E4836BD5}" destId="{312CE06F-FEC3-4136-A04F-FBF67B7A6AEC}" srcOrd="0" destOrd="0" parTransId="{4D785EAF-DDE9-4FC9-A3D7-6C16F5D1B4C2}" sibTransId="{EE6401EB-C5DD-4217-9C4C-6245B7BD26FD}"/>
+    <dgm:cxn modelId="{C22C444E-C95D-41B3-B5F4-653EE0ED64B2}" srcId="{695BB022-A2FC-4E88-A082-0C0E7254E51F}" destId="{EDBF76DC-F5C0-4311-9EF9-E3FB3C4878F3}" srcOrd="1" destOrd="0" parTransId="{82C916C1-6A80-43B1-8EDB-62BC9580DEFD}" sibTransId="{35C68B5C-2D59-4FE4-92A9-12C9A326130F}"/>
+    <dgm:cxn modelId="{65D9B49D-E81F-4FF9-A40B-D1D2F265FCBE}" type="presOf" srcId="{EDBF76DC-F5C0-4311-9EF9-E3FB3C4878F3}" destId="{DECE8E0D-C721-4A54-8F50-F2C2DAA16AF9}" srcOrd="0" destOrd="0" presId="urn:microsoft.com/office/officeart/2005/8/layout/orgChart1"/>
+    <dgm:cxn modelId="{65A8D035-506B-4660-B84B-64F852F25D2C}" type="presOf" srcId="{E8404653-B045-4E24-8860-C5ED94C409DD}" destId="{7B5058E0-6064-4E18-A417-9F9E1B11596E}" srcOrd="0" destOrd="0" presId="urn:microsoft.com/office/officeart/2005/8/layout/orgChart1"/>
+    <dgm:cxn modelId="{AF2757B7-B914-41C4-845D-BE6E2CD5827C}" srcId="{B398827F-33F8-48C2-A758-E351E4836BD5}" destId="{245EA8C2-08CB-464B-A1F6-2B9C190982A0}" srcOrd="1" destOrd="0" parTransId="{76EFD357-DB13-4844-8D31-373B4901EC2C}" sibTransId="{5D27DF1C-F498-41FF-9173-92924E0CE703}"/>
+    <dgm:cxn modelId="{92B6BCBF-3654-417A-AFCB-D04B044B82C7}" srcId="{17263FDC-D0CC-4494-B8AB-D23E38A0B688}" destId="{695BB022-A2FC-4E88-A082-0C0E7254E51F}" srcOrd="2" destOrd="0" parTransId="{BDCAC1D8-CBDF-4B0A-B328-E40521C92A41}" sibTransId="{C2832F37-2489-4DB5-B90A-48426922959A}"/>
+    <dgm:cxn modelId="{832108AC-318B-40C2-B3D0-F5B1FAEAD43A}" srcId="{78863226-F6EE-4700-9681-ED48B704BE69}" destId="{7906C259-6352-45B8-AFDF-DBB451AF7C50}" srcOrd="2" destOrd="0" parTransId="{E8404653-B045-4E24-8860-C5ED94C409DD}" sibTransId="{3CE2BB31-262F-4566-9D0C-7679E94275A6}"/>
+    <dgm:cxn modelId="{85BB0EE5-FC56-44D5-BB54-A71A1C842FC9}" type="presOf" srcId="{657255AA-8824-4427-8DEE-583E0EB56F5A}" destId="{E475919F-2F1E-4682-89E1-B4BB846C79A1}" srcOrd="0" destOrd="0" presId="urn:microsoft.com/office/officeart/2005/8/layout/orgChart1"/>
+    <dgm:cxn modelId="{006B4890-AD13-418A-8ECB-7312415B0331}" type="presOf" srcId="{B934B280-9323-4443-A4EF-5DC818748481}" destId="{98DA81A1-4A26-4D58-960D-DD7D72F28972}" srcOrd="1" destOrd="0" presId="urn:microsoft.com/office/officeart/2005/8/layout/orgChart1"/>
+    <dgm:cxn modelId="{FF604760-98FD-4227-8545-6E97B40B998E}" srcId="{78863226-F6EE-4700-9681-ED48B704BE69}" destId="{17263FDC-D0CC-4494-B8AB-D23E38A0B688}" srcOrd="1" destOrd="0" parTransId="{2676C974-DA47-4CE6-9994-696E38ACB3EB}" sibTransId="{FC3B2912-5332-468B-ABF0-BF960E2444E1}"/>
+    <dgm:cxn modelId="{10E435DF-9BDE-4CE5-AE64-D008997290B5}" type="presOf" srcId="{89BD6952-F78C-4994-80EA-B2A7C8844A7F}" destId="{A2D33932-0D9E-45E0-A499-E9C743B6EA0F}" srcOrd="1" destOrd="0" presId="urn:microsoft.com/office/officeart/2005/8/layout/orgChart1"/>
+    <dgm:cxn modelId="{109780A5-5CDB-4835-9D8D-B7E18B105012}" type="presOf" srcId="{4D785EAF-DDE9-4FC9-A3D7-6C16F5D1B4C2}" destId="{C70A3944-D524-4067-8FF9-66A5B6E8EBD1}" srcOrd="0" destOrd="0" presId="urn:microsoft.com/office/officeart/2005/8/layout/orgChart1"/>
+    <dgm:cxn modelId="{14D98F9D-0DE5-448B-B0DC-C85DE041E403}" type="presOf" srcId="{D17F20B9-A6D1-4228-837F-67D1A55E6B31}" destId="{AE83150B-0600-4FCA-BBA9-A752039C70C9}" srcOrd="1" destOrd="0" presId="urn:microsoft.com/office/officeart/2005/8/layout/orgChart1"/>
+    <dgm:cxn modelId="{A74FA329-D0D9-4862-B875-16DE7FAF32A3}" type="presOf" srcId="{245EA8C2-08CB-464B-A1F6-2B9C190982A0}" destId="{C6192E68-39DD-4132-A311-341369641E0F}" srcOrd="1" destOrd="0" presId="urn:microsoft.com/office/officeart/2005/8/layout/orgChart1"/>
+    <dgm:cxn modelId="{6AAA3B90-019C-4694-885A-FFF5105E770F}" type="presOf" srcId="{4B18FD8B-B3EB-4786-8AF7-A7BD41065DFB}" destId="{0F1E46CF-C89D-4BC1-B4CB-D7179571DB4C}" srcOrd="0" destOrd="0" presId="urn:microsoft.com/office/officeart/2005/8/layout/orgChart1"/>
+    <dgm:cxn modelId="{06423FC5-E99F-415D-89B6-AC309157F356}" srcId="{0717E52C-A4D5-4543-BD7E-341CBB98ADC3}" destId="{BAF5A61D-B11C-4621-A09C-6FDB01AA81D6}" srcOrd="1" destOrd="0" parTransId="{1A9DD2BC-5078-4AFE-9A83-62E06ABD9278}" sibTransId="{7C56F15F-2826-4D23-A4A1-001000D40B03}"/>
+    <dgm:cxn modelId="{2894B6FC-1678-410D-A119-22EAA52DF3DD}" srcId="{695BB022-A2FC-4E88-A082-0C0E7254E51F}" destId="{807643F1-1B8A-4FD6-BC33-76223E231477}" srcOrd="0" destOrd="0" parTransId="{E06DEC7E-A6CE-4C6C-BEFA-97F61182531A}" sibTransId="{9670F2FF-42AA-4881-B379-F3E4718F925E}"/>
+    <dgm:cxn modelId="{0C32B456-26D4-4AC6-BA3D-6FCB953D07C0}" type="presOf" srcId="{7961EF9F-1075-4EE0-A3D9-812D8011F1D2}" destId="{5A68FBAD-5765-4B8B-813D-83B05EFB7CD9}" srcOrd="1" destOrd="0" presId="urn:microsoft.com/office/officeart/2005/8/layout/orgChart1"/>
+    <dgm:cxn modelId="{E0150190-8302-4921-8E65-5E5718170F1A}" type="presOf" srcId="{FF9ADD26-FB8B-4208-BF12-AA73BE461829}" destId="{BA5A1299-0A64-41D0-B03B-FBCE7364A85E}" srcOrd="0" destOrd="0" presId="urn:microsoft.com/office/officeart/2005/8/layout/orgChart1"/>
+    <dgm:cxn modelId="{963FA75A-B47F-4B40-AFCA-0B390F9101F4}" srcId="{695BB022-A2FC-4E88-A082-0C0E7254E51F}" destId="{60EFD7E5-3E18-4418-981A-5D8EC8996E12}" srcOrd="2" destOrd="0" parTransId="{D6C4B15B-4923-4045-9ABE-8CBAA066A17C}" sibTransId="{95D733ED-AC90-4737-8703-98D9761A3E57}"/>
+    <dgm:cxn modelId="{F89ACCA0-D7D7-4D19-8250-09175DD1FF3E}" type="presOf" srcId="{057700E8-3DE8-4625-B2AE-B4EBC05B19BA}" destId="{879A00F1-CF0E-4527-ACCF-BF6AD6517B69}" srcOrd="0" destOrd="0" presId="urn:microsoft.com/office/officeart/2005/8/layout/orgChart1"/>
+    <dgm:cxn modelId="{CAAB2F69-887B-4818-AFA6-FDC5D42CB270}" type="presOf" srcId="{C27C4B58-0AA4-402B-BB63-FE5FE365E2FA}" destId="{08338497-6DFB-44BD-ABE5-264C07E274C4}" srcOrd="1" destOrd="0" presId="urn:microsoft.com/office/officeart/2005/8/layout/orgChart1"/>
+    <dgm:cxn modelId="{5D8A5DEF-F09C-48F9-846C-554F3F808EE0}" type="presOf" srcId="{C608C998-AE0E-4F82-BA5A-4D8AA882A52D}" destId="{6388B4C6-1AC8-4BFC-AB9C-8DF8BD50118D}" srcOrd="0" destOrd="0" presId="urn:microsoft.com/office/officeart/2005/8/layout/orgChart1"/>
+    <dgm:cxn modelId="{46581C4D-C866-45E6-B0BC-26B30F6140A5}" srcId="{0DD6536A-5B43-4327-9728-6C4225613473}" destId="{78863226-F6EE-4700-9681-ED48B704BE69}" srcOrd="0" destOrd="0" parTransId="{F212E589-6146-46C5-A268-6D9D5A8DD4CF}" sibTransId="{7B9CD884-EF93-4C52-A2E9-B89EAD916181}"/>
+    <dgm:cxn modelId="{781BF448-F0A2-4972-9623-1AF7AF2B470A}" type="presOf" srcId="{78863226-F6EE-4700-9681-ED48B704BE69}" destId="{A2129DFA-6DA8-478F-A52B-7DAA17647452}" srcOrd="1" destOrd="0" presId="urn:microsoft.com/office/officeart/2005/8/layout/orgChart1"/>
+    <dgm:cxn modelId="{6B69A571-99C4-4319-BC29-881331A3790A}" srcId="{2541714A-4AE0-409A-9868-B96B5BD12B25}" destId="{8E8DCFF6-04C2-4CEE-8A36-5523834BF518}" srcOrd="2" destOrd="0" parTransId="{584FC29C-0314-4D55-BD3C-CA18244EA9B4}" sibTransId="{C1BFB4CA-FE5E-4C45-A5C9-995A01496DC9}"/>
+    <dgm:cxn modelId="{8BDD952B-E45C-4B16-8B24-988C973DFFCA}" srcId="{CB4DF261-D8B5-4354-9EC3-E2BA380524AF}" destId="{B934B280-9323-4443-A4EF-5DC818748481}" srcOrd="1" destOrd="0" parTransId="{DBD2A981-0FFC-42BB-BDBE-2CC08304AE61}" sibTransId="{418BADC9-9A46-464B-8BCC-A27778565311}"/>
+    <dgm:cxn modelId="{D37E4BDB-712C-4A6A-93BD-EB51E761282D}" type="presOf" srcId="{E06DEC7E-A6CE-4C6C-BEFA-97F61182531A}" destId="{4EB490C5-9A3B-4A20-A2FC-81D5E0714985}" srcOrd="0" destOrd="0" presId="urn:microsoft.com/office/officeart/2005/8/layout/orgChart1"/>
+    <dgm:cxn modelId="{E626332E-472E-4BB2-839D-94C3FB2145EC}" type="presOf" srcId="{4B25BC86-A95C-4C82-ABF2-F8D3989A5868}" destId="{2501F4AA-5D0E-437E-85EE-7565EDA8D065}" srcOrd="1" destOrd="0" presId="urn:microsoft.com/office/officeart/2005/8/layout/orgChart1"/>
+    <dgm:cxn modelId="{A7B6C485-1D34-4895-B7FA-DEFC5C62D912}" srcId="{2541714A-4AE0-409A-9868-B96B5BD12B25}" destId="{E1245E8D-736F-4FCF-AA56-B3E09DA6E23D}" srcOrd="1" destOrd="0" parTransId="{575635EA-6614-485E-91D8-09168207B879}" sibTransId="{59483CC8-6CB2-46AD-9843-E7F71686034A}"/>
+    <dgm:cxn modelId="{3CB954AC-1ADD-476C-B48D-BD01CD73E72E}" type="presOf" srcId="{560E74AC-7F09-4A51-A8DE-280AB3E0F83C}" destId="{45ADA001-9CA7-4214-9712-FC9AD7F19CB7}" srcOrd="0" destOrd="0" presId="urn:microsoft.com/office/officeart/2005/8/layout/orgChart1"/>
+    <dgm:cxn modelId="{3EAA410A-611F-4A8E-8FD9-D4F9CD220B83}" type="presOf" srcId="{3EE529C1-0611-4A24-8FDA-B4590EF704E2}" destId="{138E3041-6B00-47D6-8B2C-C37EE475943B}" srcOrd="0" destOrd="0" presId="urn:microsoft.com/office/officeart/2005/8/layout/orgChart1"/>
+    <dgm:cxn modelId="{49598E30-2ECF-415A-A912-B3C7341222E5}" type="presOf" srcId="{E9A329E7-159F-40A5-BBCB-D3EE075812E1}" destId="{AD61050F-5823-4304-88D7-F5A1360D32B5}" srcOrd="0" destOrd="0" presId="urn:microsoft.com/office/officeart/2005/8/layout/orgChart1"/>
+    <dgm:cxn modelId="{2DBDD454-B7A2-4BE8-90DD-761939FDAFB6}" type="presOf" srcId="{695BB022-A2FC-4E88-A082-0C0E7254E51F}" destId="{5A890708-D743-4388-806B-A69BE6392F29}" srcOrd="0" destOrd="0" presId="urn:microsoft.com/office/officeart/2005/8/layout/orgChart1"/>
+    <dgm:cxn modelId="{13A1E4EA-B558-4AA5-980F-BBE4FD06848D}" type="presOf" srcId="{3EE529C1-0611-4A24-8FDA-B4590EF704E2}" destId="{D591BBBB-CAAF-41E7-9F94-51B37C2AE8C7}" srcOrd="1" destOrd="0" presId="urn:microsoft.com/office/officeart/2005/8/layout/orgChart1"/>
+    <dgm:cxn modelId="{DE3774AF-BE4E-40F1-B65E-6F3DD1FC51F5}" type="presOf" srcId="{7E2981AA-C897-4B42-89AC-966FD8A6224F}" destId="{AD99D50A-EF3B-479C-AC55-2702DB9516AC}" srcOrd="0" destOrd="0" presId="urn:microsoft.com/office/officeart/2005/8/layout/orgChart1"/>
+    <dgm:cxn modelId="{F1E002AD-7E02-42FE-BE7F-466D823C7018}" type="presOf" srcId="{A496B3F0-3F9F-4489-AF47-142D091C1E64}" destId="{3F40B229-969F-43B4-9BC9-8F5DDF51A964}" srcOrd="1" destOrd="0" presId="urn:microsoft.com/office/officeart/2005/8/layout/orgChart1"/>
+    <dgm:cxn modelId="{F4B926E4-3A60-40D4-AEA3-4BB084C06F3E}" type="presOf" srcId="{60EFD7E5-3E18-4418-981A-5D8EC8996E12}" destId="{60C493BF-5E93-478E-A8D5-626D152B7B1C}" srcOrd="0" destOrd="0" presId="urn:microsoft.com/office/officeart/2005/8/layout/orgChart1"/>
+    <dgm:cxn modelId="{6B4C3B7B-E243-4766-8E19-50350EFA8355}" type="presOf" srcId="{E9A329E7-159F-40A5-BBCB-D3EE075812E1}" destId="{4DF85FA3-A734-40BC-A514-8B04F6BD4F28}" srcOrd="1" destOrd="0" presId="urn:microsoft.com/office/officeart/2005/8/layout/orgChart1"/>
+    <dgm:cxn modelId="{16287964-064A-4621-A907-0D2C146C8018}" type="presOf" srcId="{CB4DF261-D8B5-4354-9EC3-E2BA380524AF}" destId="{56E4EDBC-67DD-479A-8AC7-C0B883998FB4}" srcOrd="1" destOrd="0" presId="urn:microsoft.com/office/officeart/2005/8/layout/orgChart1"/>
+    <dgm:cxn modelId="{6AB4C0A2-754D-4BEA-8BD0-5840155C68EE}" srcId="{17263FDC-D0CC-4494-B8AB-D23E38A0B688}" destId="{20DC6828-328C-471C-80EB-7FF4A4E1C927}" srcOrd="1" destOrd="0" parTransId="{657255AA-8824-4427-8DEE-583E0EB56F5A}" sibTransId="{06AC3030-7AF2-4D34-94E7-CE176B64B075}"/>
+    <dgm:cxn modelId="{BBC9CA08-44AD-403E-A08B-219C08DA09A1}" type="presOf" srcId="{4B25BC86-A95C-4C82-ABF2-F8D3989A5868}" destId="{5028DC45-74F7-4F64-AF27-C1275B2E7988}" srcOrd="0" destOrd="0" presId="urn:microsoft.com/office/officeart/2005/8/layout/orgChart1"/>
     <dgm:cxn modelId="{F48781C0-E0AE-4C98-8502-B4FCC7A49681}" type="presOf" srcId="{17263FDC-D0CC-4494-B8AB-D23E38A0B688}" destId="{B1FF9F16-34DC-4D05-B817-A9750939B936}" srcOrd="1" destOrd="0" presId="urn:microsoft.com/office/officeart/2005/8/layout/orgChart1"/>
-    <dgm:cxn modelId="{3CB954AC-1ADD-476C-B48D-BD01CD73E72E}" type="presOf" srcId="{560E74AC-7F09-4A51-A8DE-280AB3E0F83C}" destId="{45ADA001-9CA7-4214-9712-FC9AD7F19CB7}" srcOrd="0" destOrd="0" presId="urn:microsoft.com/office/officeart/2005/8/layout/orgChart1"/>
-    <dgm:cxn modelId="{D37E4BDB-712C-4A6A-93BD-EB51E761282D}" type="presOf" srcId="{E06DEC7E-A6CE-4C6C-BEFA-97F61182531A}" destId="{4EB490C5-9A3B-4A20-A2FC-81D5E0714985}" srcOrd="0" destOrd="0" presId="urn:microsoft.com/office/officeart/2005/8/layout/orgChart1"/>
-    <dgm:cxn modelId="{08BE6A0A-1D3D-45D2-8178-804FE45F5220}" type="presOf" srcId="{811F14C4-6A68-4E97-A0B1-6CBA859D85EF}" destId="{BD238305-3DE9-4569-88EA-7D1DF24AC1C0}" srcOrd="1" destOrd="0" presId="urn:microsoft.com/office/officeart/2005/8/layout/orgChart1"/>
-    <dgm:cxn modelId="{F2C4BABD-7255-4E3E-B01C-3C570E25B92B}" type="presOf" srcId="{D17F20B9-A6D1-4228-837F-67D1A55E6B31}" destId="{EA67E38B-3C6B-4162-92E8-C7469AB3F0AD}" srcOrd="0" destOrd="0" presId="urn:microsoft.com/office/officeart/2005/8/layout/orgChart1"/>
-    <dgm:cxn modelId="{C42EF99D-21F6-40D5-803F-EF51B0CAFF4A}" srcId="{245EA8C2-08CB-464B-A1F6-2B9C190982A0}" destId="{A0B43C53-BC9D-4D39-9508-8183121A95A9}" srcOrd="1" destOrd="0" parTransId="{A365ABBD-90B9-4041-96BD-D3D5F6CB18A2}" sibTransId="{3DB7465A-C96D-4A5A-A132-ADB1BA306B35}"/>
-    <dgm:cxn modelId="{C22C444E-C95D-41B3-B5F4-653EE0ED64B2}" srcId="{695BB022-A2FC-4E88-A082-0C0E7254E51F}" destId="{EDBF76DC-F5C0-4311-9EF9-E3FB3C4878F3}" srcOrd="1" destOrd="0" parTransId="{82C916C1-6A80-43B1-8EDB-62BC9580DEFD}" sibTransId="{35C68B5C-2D59-4FE4-92A9-12C9A326130F}"/>
-    <dgm:cxn modelId="{082AF8A3-A354-45B1-8D20-47EE29A675B5}" type="presOf" srcId="{2541714A-4AE0-409A-9868-B96B5BD12B25}" destId="{E641F743-7739-4406-B1A4-10213C245391}" srcOrd="1" destOrd="0" presId="urn:microsoft.com/office/officeart/2005/8/layout/orgChart1"/>
-    <dgm:cxn modelId="{9E338094-848A-4228-ADE6-1CB6598C3FBF}" type="presOf" srcId="{171881E5-1581-4329-92D1-D83B94F90B23}" destId="{33B1ED0E-E8A9-41CF-9695-E4AD842F79B1}" srcOrd="0" destOrd="0" presId="urn:microsoft.com/office/officeart/2005/8/layout/orgChart1"/>
-    <dgm:cxn modelId="{33A536DE-2115-4F43-BE83-B2519933A0A3}" type="presOf" srcId="{6F1C792D-C1F2-4633-BBE4-C2561C2D2D5F}" destId="{3553F299-8409-4C83-8F50-F66318ED632E}" srcOrd="0" destOrd="0" presId="urn:microsoft.com/office/officeart/2005/8/layout/orgChart1"/>
-    <dgm:cxn modelId="{4FB44AF5-8A93-4C9B-8846-E27E4F3134E2}" type="presOf" srcId="{E1245E8D-736F-4FCF-AA56-B3E09DA6E23D}" destId="{4F6BA278-D6E7-41D0-AC69-2112F474C0CA}" srcOrd="0" destOrd="0" presId="urn:microsoft.com/office/officeart/2005/8/layout/orgChart1"/>
-    <dgm:cxn modelId="{1C8B206B-C2A6-476F-A983-C8FCA097C0D0}" type="presOf" srcId="{E4362159-A8F0-4D01-9CCE-5DD5845F703B}" destId="{A799E7C0-CF58-4551-9BFD-F19D2BFFA6FB}" srcOrd="0" destOrd="0" presId="urn:microsoft.com/office/officeart/2005/8/layout/orgChart1"/>
-    <dgm:cxn modelId="{109780A5-5CDB-4835-9D8D-B7E18B105012}" type="presOf" srcId="{4D785EAF-DDE9-4FC9-A3D7-6C16F5D1B4C2}" destId="{C70A3944-D524-4067-8FF9-66A5B6E8EBD1}" srcOrd="0" destOrd="0" presId="urn:microsoft.com/office/officeart/2005/8/layout/orgChart1"/>
-    <dgm:cxn modelId="{6B69A571-99C4-4319-BC29-881331A3790A}" srcId="{2541714A-4AE0-409A-9868-B96B5BD12B25}" destId="{8E8DCFF6-04C2-4CEE-8A36-5523834BF518}" srcOrd="2" destOrd="0" parTransId="{584FC29C-0314-4D55-BD3C-CA18244EA9B4}" sibTransId="{C1BFB4CA-FE5E-4C45-A5C9-995A01496DC9}"/>
-    <dgm:cxn modelId="{F4B926E4-3A60-40D4-AEA3-4BB084C06F3E}" type="presOf" srcId="{60EFD7E5-3E18-4418-981A-5D8EC8996E12}" destId="{60C493BF-5E93-478E-A8D5-626D152B7B1C}" srcOrd="0" destOrd="0" presId="urn:microsoft.com/office/officeart/2005/8/layout/orgChart1"/>
-    <dgm:cxn modelId="{DAA6A53E-7620-4A9E-B822-ECD64C0C8FCA}" type="presOf" srcId="{0717E52C-A4D5-4543-BD7E-341CBB98ADC3}" destId="{4BC857CE-5DCE-4D2A-858B-8C6A28D8A33C}" srcOrd="0" destOrd="0" presId="urn:microsoft.com/office/officeart/2005/8/layout/orgChart1"/>
-    <dgm:cxn modelId="{14D98F9D-0DE5-448B-B0DC-C85DE041E403}" type="presOf" srcId="{D17F20B9-A6D1-4228-837F-67D1A55E6B31}" destId="{AE83150B-0600-4FCA-BBA9-A752039C70C9}" srcOrd="1" destOrd="0" presId="urn:microsoft.com/office/officeart/2005/8/layout/orgChart1"/>
-    <dgm:cxn modelId="{2DBDD454-B7A2-4BE8-90DD-761939FDAFB6}" type="presOf" srcId="{695BB022-A2FC-4E88-A082-0C0E7254E51F}" destId="{5A890708-D743-4388-806B-A69BE6392F29}" srcOrd="0" destOrd="0" presId="urn:microsoft.com/office/officeart/2005/8/layout/orgChart1"/>
-    <dgm:cxn modelId="{09BF263F-D648-48E4-B837-05776F9B7950}" srcId="{2541714A-4AE0-409A-9868-B96B5BD12B25}" destId="{CB4DF261-D8B5-4354-9EC3-E2BA380524AF}" srcOrd="0" destOrd="0" parTransId="{A574F7D3-67E6-4EC8-9F15-208AE0AACB80}" sibTransId="{860B76E5-7677-4AB1-873B-ADF4AD4A3C3D}"/>
-    <dgm:cxn modelId="{5BA8ACB9-3298-4F09-857A-D03773D8F732}" type="presOf" srcId="{A0B43C53-BC9D-4D39-9508-8183121A95A9}" destId="{CD5F285E-5B3D-4084-9119-04284B47E0F0}" srcOrd="0" destOrd="0" presId="urn:microsoft.com/office/officeart/2005/8/layout/orgChart1"/>
-    <dgm:cxn modelId="{F1E002AD-7E02-42FE-BE7F-466D823C7018}" type="presOf" srcId="{A496B3F0-3F9F-4489-AF47-142D091C1E64}" destId="{3F40B229-969F-43B4-9BC9-8F5DDF51A964}" srcOrd="1" destOrd="0" presId="urn:microsoft.com/office/officeart/2005/8/layout/orgChart1"/>
-    <dgm:cxn modelId="{623B46B0-E6EB-4552-B5DA-56A84D405EDF}" type="presOf" srcId="{245EA8C2-08CB-464B-A1F6-2B9C190982A0}" destId="{5FE3B408-A09B-47E7-809A-AB958D90D2B4}" srcOrd="0" destOrd="0" presId="urn:microsoft.com/office/officeart/2005/8/layout/orgChart1"/>
-    <dgm:cxn modelId="{BBC9CA08-44AD-403E-A08B-219C08DA09A1}" type="presOf" srcId="{4B25BC86-A95C-4C82-ABF2-F8D3989A5868}" destId="{5028DC45-74F7-4F64-AF27-C1275B2E7988}" srcOrd="0" destOrd="0" presId="urn:microsoft.com/office/officeart/2005/8/layout/orgChart1"/>
-    <dgm:cxn modelId="{6E5ECF6E-B88A-49E7-B398-D267D56FC210}" srcId="{695BB022-A2FC-4E88-A082-0C0E7254E51F}" destId="{F8E23511-B1AC-4F9D-A64A-74A59AB3C4CF}" srcOrd="3" destOrd="0" parTransId="{4B18FD8B-B3EB-4786-8AF7-A7BD41065DFB}" sibTransId="{0573A134-2093-4131-B257-6CA73550FA5A}"/>
-    <dgm:cxn modelId="{2604AE9B-6B62-48B4-8185-AF85B2C5D8A3}" type="presOf" srcId="{7A18BCA2-C0AC-4B99-8309-F4506982E63B}" destId="{EF99473D-636D-457F-955E-5436309E68D4}" srcOrd="0" destOrd="0" presId="urn:microsoft.com/office/officeart/2005/8/layout/orgChart1"/>
-    <dgm:cxn modelId="{0F6BCC61-CE24-43A0-947B-0C284B1CBC52}" type="presOf" srcId="{695BB022-A2FC-4E88-A082-0C0E7254E51F}" destId="{08F02CD3-81A6-4B7D-9FB1-5535119A359B}" srcOrd="1" destOrd="0" presId="urn:microsoft.com/office/officeart/2005/8/layout/orgChart1"/>
-    <dgm:cxn modelId="{65A8D035-506B-4660-B84B-64F852F25D2C}" type="presOf" srcId="{E8404653-B045-4E24-8860-C5ED94C409DD}" destId="{7B5058E0-6064-4E18-A417-9F9E1B11596E}" srcOrd="0" destOrd="0" presId="urn:microsoft.com/office/officeart/2005/8/layout/orgChart1"/>
-    <dgm:cxn modelId="{593A7ECC-7926-487C-9275-F83EC1C089B6}" type="presOf" srcId="{C27C4B58-0AA4-402B-BB63-FE5FE365E2FA}" destId="{F0149D51-8C61-4630-AE12-B152B57D7EB8}" srcOrd="0" destOrd="0" presId="urn:microsoft.com/office/officeart/2005/8/layout/orgChart1"/>
-    <dgm:cxn modelId="{29B1AC7B-669E-4077-B175-126645DBA379}" type="presOf" srcId="{807643F1-1B8A-4FD6-BC33-76223E231477}" destId="{AFD2523A-8B2A-45F3-8103-6A02409FA90E}" srcOrd="0" destOrd="0" presId="urn:microsoft.com/office/officeart/2005/8/layout/orgChart1"/>
-    <dgm:cxn modelId="{03489CF7-015C-4BD9-8614-221897623E49}" type="presOf" srcId="{CB4DF261-D8B5-4354-9EC3-E2BA380524AF}" destId="{9B4F4FB8-F5B9-46D6-8933-12215E838216}" srcOrd="0" destOrd="0" presId="urn:microsoft.com/office/officeart/2005/8/layout/orgChart1"/>
-    <dgm:cxn modelId="{3457EFC0-8CA9-4554-9862-225DBAC1DB03}" srcId="{E375BD4A-18F9-406A-BD67-05F466FE0D1F}" destId="{CB20EBB7-6ADD-4838-AF97-0CB86EC4778E}" srcOrd="2" destOrd="0" parTransId="{F6006DE4-4C33-4BCB-8546-2B913C457235}" sibTransId="{BC945826-FFAA-4E87-87C5-FA530A683BBB}"/>
-    <dgm:cxn modelId="{2894B6FC-1678-410D-A119-22EAA52DF3DD}" srcId="{695BB022-A2FC-4E88-A082-0C0E7254E51F}" destId="{807643F1-1B8A-4FD6-BC33-76223E231477}" srcOrd="0" destOrd="0" parTransId="{E06DEC7E-A6CE-4C6C-BEFA-97F61182531A}" sibTransId="{9670F2FF-42AA-4881-B379-F3E4718F925E}"/>
-    <dgm:cxn modelId="{069AB4D4-3A16-484B-8871-FD2AE907B002}" type="presOf" srcId="{807643F1-1B8A-4FD6-BC33-76223E231477}" destId="{DD87827A-352F-47B1-AC8D-5BA9EAC61DE8}" srcOrd="1" destOrd="0" presId="urn:microsoft.com/office/officeart/2005/8/layout/orgChart1"/>
-    <dgm:cxn modelId="{505B910E-9F88-4054-99E7-C5B8DAAC7337}" type="presOf" srcId="{7906C259-6352-45B8-AFDF-DBB451AF7C50}" destId="{1F45F10A-71CC-42FE-B451-C5768F35150C}" srcOrd="0" destOrd="0" presId="urn:microsoft.com/office/officeart/2005/8/layout/orgChart1"/>
-    <dgm:cxn modelId="{1203B382-09BA-4D5B-99FC-DFFC413AA01F}" srcId="{7906C259-6352-45B8-AFDF-DBB451AF7C50}" destId="{FF9ADD26-FB8B-4208-BF12-AA73BE461829}" srcOrd="0" destOrd="0" parTransId="{057700E8-3DE8-4625-B2AE-B4EBC05B19BA}" sibTransId="{2F1C2F85-2B45-40C0-9614-829E7E79BAC3}"/>
-    <dgm:cxn modelId="{4DC155EE-EE52-456D-9145-0018543C2A1C}" type="presOf" srcId="{F8E23511-B1AC-4F9D-A64A-74A59AB3C4CF}" destId="{0B178C3C-1AC6-4DA3-9993-DACB6E76448A}" srcOrd="0" destOrd="0" presId="urn:microsoft.com/office/officeart/2005/8/layout/orgChart1"/>
-    <dgm:cxn modelId="{3191ABEF-1DE2-4094-B24F-6DC616CC787D}" srcId="{CB4DF261-D8B5-4354-9EC3-E2BA380524AF}" destId="{7961EF9F-1075-4EE0-A3D9-812D8011F1D2}" srcOrd="2" destOrd="0" parTransId="{E0C3E1D2-6FF3-40A1-99B8-7D72FD7B8B1F}" sibTransId="{9359F152-4129-40C3-9A1B-B0828D4D1DBF}"/>
-    <dgm:cxn modelId="{6B4C3B7B-E243-4766-8E19-50350EFA8355}" type="presOf" srcId="{E9A329E7-159F-40A5-BBCB-D3EE075812E1}" destId="{4DF85FA3-A734-40BC-A514-8B04F6BD4F28}" srcOrd="1" destOrd="0" presId="urn:microsoft.com/office/officeart/2005/8/layout/orgChart1"/>
-    <dgm:cxn modelId="{08D3F1FC-AF5A-4642-BC67-897394C6CBC2}" type="presOf" srcId="{379EACB1-3D1F-4310-8BFD-9554FA1B3149}" destId="{AA16F919-95E9-4002-8EC4-4D62DBC52D50}" srcOrd="0" destOrd="0" presId="urn:microsoft.com/office/officeart/2005/8/layout/orgChart1"/>
-    <dgm:cxn modelId="{B809B7DF-B8E8-4D38-B436-71A8B46A3FB4}" type="presOf" srcId="{E1245E8D-736F-4FCF-AA56-B3E09DA6E23D}" destId="{AE02F47A-8469-4433-ADAE-9A1725F97D3B}" srcOrd="1" destOrd="0" presId="urn:microsoft.com/office/officeart/2005/8/layout/orgChart1"/>
-    <dgm:cxn modelId="{31D6BA31-EA04-4734-8EE8-A5CBDF624E3F}" srcId="{E375BD4A-18F9-406A-BD67-05F466FE0D1F}" destId="{A496B3F0-3F9F-4489-AF47-142D091C1E64}" srcOrd="1" destOrd="0" parTransId="{E4362159-A8F0-4D01-9CCE-5DD5845F703B}" sibTransId="{55BE59CA-1835-4F84-AA86-C6D2428A8DD8}"/>
-    <dgm:cxn modelId="{7E8D0A3B-9A5B-46B5-A1B6-477424636093}" type="presOf" srcId="{1A9DD2BC-5078-4AFE-9A83-62E06ABD9278}" destId="{511129A6-8DCA-4CF4-8F4D-E95A07E5656E}" srcOrd="0" destOrd="0" presId="urn:microsoft.com/office/officeart/2005/8/layout/orgChart1"/>
-    <dgm:cxn modelId="{151D2C58-9E90-4D00-95DB-83A12BD8B506}" type="presOf" srcId="{584FC29C-0314-4D55-BD3C-CA18244EA9B4}" destId="{7663A3BD-123F-4209-82C3-577728387958}" srcOrd="0" destOrd="0" presId="urn:microsoft.com/office/officeart/2005/8/layout/orgChart1"/>
-    <dgm:cxn modelId="{B97A2186-A8CA-47A3-8789-86BE6EA77FF6}" type="presOf" srcId="{E375BD4A-18F9-406A-BD67-05F466FE0D1F}" destId="{FC73C4B3-071B-402C-9139-5C2FAE9C26B1}" srcOrd="0" destOrd="0" presId="urn:microsoft.com/office/officeart/2005/8/layout/orgChart1"/>
-    <dgm:cxn modelId="{963FA75A-B47F-4B40-AFCA-0B390F9101F4}" srcId="{695BB022-A2FC-4E88-A082-0C0E7254E51F}" destId="{60EFD7E5-3E18-4418-981A-5D8EC8996E12}" srcOrd="2" destOrd="0" parTransId="{D6C4B15B-4923-4045-9ABE-8CBAA066A17C}" sibTransId="{95D733ED-AC90-4737-8703-98D9761A3E57}"/>
-    <dgm:cxn modelId="{6AB4C0A2-754D-4BEA-8BD0-5840155C68EE}" srcId="{17263FDC-D0CC-4494-B8AB-D23E38A0B688}" destId="{20DC6828-328C-471C-80EB-7FF4A4E1C927}" srcOrd="1" destOrd="0" parTransId="{657255AA-8824-4427-8DEE-583E0EB56F5A}" sibTransId="{06AC3030-7AF2-4D34-94E7-CE176B64B075}"/>
-    <dgm:cxn modelId="{07847E38-9B43-4859-8ED9-92176B73B5D1}" type="presOf" srcId="{2676C974-DA47-4CE6-9994-696E38ACB3EB}" destId="{A4021BD2-511E-4F83-A656-25C678042D54}" srcOrd="0" destOrd="0" presId="urn:microsoft.com/office/officeart/2005/8/layout/orgChart1"/>
-    <dgm:cxn modelId="{0C704766-8E44-45DF-911B-2D3C82523038}" srcId="{CB4DF261-D8B5-4354-9EC3-E2BA380524AF}" destId="{A6E3E8A6-B8BE-4518-B1C2-07C2555656E4}" srcOrd="0" destOrd="0" parTransId="{E34B63B9-7DB5-4B72-A27A-FC857F28AE58}" sibTransId="{1CC8A462-421D-4ACF-9E8D-2E2D72C00257}"/>
-    <dgm:cxn modelId="{4360830C-8DFC-47A5-8DC6-7E644B6FFCE7}" type="presOf" srcId="{F2E85D6F-80F6-49DE-A040-BEC18E5017DE}" destId="{98861B68-E2A3-4206-A4FF-4317655A6249}" srcOrd="0" destOrd="0" presId="urn:microsoft.com/office/officeart/2005/8/layout/orgChart1"/>
-    <dgm:cxn modelId="{C11A2C2D-2401-4DE4-9F01-77BEE55F1DE7}" type="presOf" srcId="{0717E52C-A4D5-4543-BD7E-341CBB98ADC3}" destId="{CF551241-6A90-4301-9B5A-36B087458CED}" srcOrd="1" destOrd="0" presId="urn:microsoft.com/office/officeart/2005/8/layout/orgChart1"/>
-    <dgm:cxn modelId="{DE3774AF-BE4E-40F1-B65E-6F3DD1FC51F5}" type="presOf" srcId="{7E2981AA-C897-4B42-89AC-966FD8A6224F}" destId="{AD99D50A-EF3B-479C-AC55-2702DB9516AC}" srcOrd="0" destOrd="0" presId="urn:microsoft.com/office/officeart/2005/8/layout/orgChart1"/>
-    <dgm:cxn modelId="{2AB63765-31C8-426C-B3EC-6525349FC3BB}" type="presOf" srcId="{E375BD4A-18F9-406A-BD67-05F466FE0D1F}" destId="{472CFAAE-D5FD-4FFB-8DF0-CB1099C9141F}" srcOrd="1" destOrd="0" presId="urn:microsoft.com/office/officeart/2005/8/layout/orgChart1"/>
-    <dgm:cxn modelId="{BF63D8A5-D924-442A-9690-DEC125640C55}" type="presOf" srcId="{FF9ADD26-FB8B-4208-BF12-AA73BE461829}" destId="{F58BB8CD-7794-4CE5-93C4-E22AAEAC2E32}" srcOrd="1" destOrd="0" presId="urn:microsoft.com/office/officeart/2005/8/layout/orgChart1"/>
-    <dgm:cxn modelId="{907A4EA9-350E-4E94-B48E-480329152A7B}" type="presOf" srcId="{8CBF5A11-860D-4D43-8963-814C3BDBBDEB}" destId="{C7E99658-7796-4722-8C25-3F06D78F8939}" srcOrd="0" destOrd="0" presId="urn:microsoft.com/office/officeart/2005/8/layout/orgChart1"/>
-    <dgm:cxn modelId="{3EAA410A-611F-4A8E-8FD9-D4F9CD220B83}" type="presOf" srcId="{3EE529C1-0611-4A24-8FDA-B4590EF704E2}" destId="{138E3041-6B00-47D6-8B2C-C37EE475943B}" srcOrd="0" destOrd="0" presId="urn:microsoft.com/office/officeart/2005/8/layout/orgChart1"/>
-    <dgm:cxn modelId="{E0150190-8302-4921-8E65-5E5718170F1A}" type="presOf" srcId="{FF9ADD26-FB8B-4208-BF12-AA73BE461829}" destId="{BA5A1299-0A64-41D0-B03B-FBCE7364A85E}" srcOrd="0" destOrd="0" presId="urn:microsoft.com/office/officeart/2005/8/layout/orgChart1"/>
-    <dgm:cxn modelId="{4524399A-2414-45CC-8295-CF921D900AED}" srcId="{E375BD4A-18F9-406A-BD67-05F466FE0D1F}" destId="{B398827F-33F8-48C2-A758-E351E4836BD5}" srcOrd="0" destOrd="0" parTransId="{54996A1D-DCEC-4693-9CFF-58100926E34C}" sibTransId="{1E3FF1B8-0A12-4056-9D25-D40078D21EE0}"/>
-    <dgm:cxn modelId="{A74FA329-D0D9-4862-B875-16DE7FAF32A3}" type="presOf" srcId="{245EA8C2-08CB-464B-A1F6-2B9C190982A0}" destId="{C6192E68-39DD-4132-A311-341369641E0F}" srcOrd="1" destOrd="0" presId="urn:microsoft.com/office/officeart/2005/8/layout/orgChart1"/>
-    <dgm:cxn modelId="{743DB305-9520-4CDF-B8A1-49169FB998D7}" type="presOf" srcId="{78863226-F6EE-4700-9681-ED48B704BE69}" destId="{093FA38E-8187-451B-A2E5-0620D04B134F}" srcOrd="0" destOrd="0" presId="urn:microsoft.com/office/officeart/2005/8/layout/orgChart1"/>
-    <dgm:cxn modelId="{10E435DF-9BDE-4CE5-AE64-D008997290B5}" type="presOf" srcId="{89BD6952-F78C-4994-80EA-B2A7C8844A7F}" destId="{A2D33932-0D9E-45E0-A499-E9C743B6EA0F}" srcOrd="1" destOrd="0" presId="urn:microsoft.com/office/officeart/2005/8/layout/orgChart1"/>
-    <dgm:cxn modelId="{1377240A-0516-4F2D-8037-C626C2B146E0}" type="presOf" srcId="{CB20EBB7-6ADD-4838-AF97-0CB86EC4778E}" destId="{DD033527-1680-4859-ACFF-247F66BF5DC1}" srcOrd="0" destOrd="0" presId="urn:microsoft.com/office/officeart/2005/8/layout/orgChart1"/>
-    <dgm:cxn modelId="{8BF4577B-7B0E-4A43-A841-CA3891D05830}" type="presOf" srcId="{B398827F-33F8-48C2-A758-E351E4836BD5}" destId="{629EE3E6-8657-4661-BAAA-A9AB49935946}" srcOrd="0" destOrd="0" presId="urn:microsoft.com/office/officeart/2005/8/layout/orgChart1"/>
-    <dgm:cxn modelId="{27C3B49B-8250-4839-901C-FDBA78A4F159}" srcId="{B398827F-33F8-48C2-A758-E351E4836BD5}" destId="{7E2981AA-C897-4B42-89AC-966FD8A6224F}" srcOrd="2" destOrd="0" parTransId="{8CBF5A11-860D-4D43-8963-814C3BDBBDEB}" sibTransId="{5426399A-2A92-458D-AEC8-C671B3C32CAA}"/>
-    <dgm:cxn modelId="{AFBC6181-1357-4028-8CBD-A6D383CA29EA}" type="presOf" srcId="{F8E23511-B1AC-4F9D-A64A-74A59AB3C4CF}" destId="{014C34BD-AB29-4C3B-93AB-376767A379FC}" srcOrd="1" destOrd="0" presId="urn:microsoft.com/office/officeart/2005/8/layout/orgChart1"/>
-    <dgm:cxn modelId="{CAAB2F69-887B-4818-AFA6-FDC5D42CB270}" type="presOf" srcId="{C27C4B58-0AA4-402B-BB63-FE5FE365E2FA}" destId="{08338497-6DFB-44BD-ABE5-264C07E274C4}" srcOrd="1" destOrd="0" presId="urn:microsoft.com/office/officeart/2005/8/layout/orgChart1"/>
-    <dgm:cxn modelId="{63C9A464-FC1E-4347-AAD6-7EDA7E087D1D}" type="presOf" srcId="{C92D046D-F91B-4466-A537-7CFFA117B528}" destId="{AFC1ED2A-8E06-4FFD-BA95-8CA010594080}" srcOrd="0" destOrd="0" presId="urn:microsoft.com/office/officeart/2005/8/layout/orgChart1"/>
-    <dgm:cxn modelId="{E626332E-472E-4BB2-839D-94C3FB2145EC}" type="presOf" srcId="{4B25BC86-A95C-4C82-ABF2-F8D3989A5868}" destId="{2501F4AA-5D0E-437E-85EE-7565EDA8D065}" srcOrd="1" destOrd="0" presId="urn:microsoft.com/office/officeart/2005/8/layout/orgChart1"/>
-    <dgm:cxn modelId="{85BB0EE5-FC56-44D5-BB54-A71A1C842FC9}" type="presOf" srcId="{657255AA-8824-4427-8DEE-583E0EB56F5A}" destId="{E475919F-2F1E-4682-89E1-B4BB846C79A1}" srcOrd="0" destOrd="0" presId="urn:microsoft.com/office/officeart/2005/8/layout/orgChart1"/>
-    <dgm:cxn modelId="{06423FC5-E99F-415D-89B6-AC309157F356}" srcId="{0717E52C-A4D5-4543-BD7E-341CBB98ADC3}" destId="{BAF5A61D-B11C-4621-A09C-6FDB01AA81D6}" srcOrd="1" destOrd="0" parTransId="{1A9DD2BC-5078-4AFE-9A83-62E06ABD9278}" sibTransId="{7C56F15F-2826-4D23-A4A1-001000D40B03}"/>
-    <dgm:cxn modelId="{006B4890-AD13-418A-8ECB-7312415B0331}" type="presOf" srcId="{B934B280-9323-4443-A4EF-5DC818748481}" destId="{98DA81A1-4A26-4D58-960D-DD7D72F28972}" srcOrd="1" destOrd="0" presId="urn:microsoft.com/office/officeart/2005/8/layout/orgChart1"/>
-    <dgm:cxn modelId="{AD5E6F42-466A-422E-AD4A-47C114E02854}" type="presOf" srcId="{312CE06F-FEC3-4136-A04F-FBF67B7A6AEC}" destId="{0BE86F2B-F5D2-4476-B592-F2B69D04F5BD}" srcOrd="0" destOrd="0" presId="urn:microsoft.com/office/officeart/2005/8/layout/orgChart1"/>
-    <dgm:cxn modelId="{F437ECF5-D5B1-4286-9443-783AF04E8091}" type="presOf" srcId="{20DC6828-328C-471C-80EB-7FF4A4E1C927}" destId="{336784AF-07FA-434A-87EF-36BDDA1C2BF0}" srcOrd="0" destOrd="0" presId="urn:microsoft.com/office/officeart/2005/8/layout/orgChart1"/>
-    <dgm:cxn modelId="{7EEBC3C2-4C0A-42F3-8AB4-4EECCBCE3C63}" type="presOf" srcId="{7E2981AA-C897-4B42-89AC-966FD8A6224F}" destId="{A71E9DBB-1D7C-4473-BDCF-4ACE45F985E6}" srcOrd="1" destOrd="0" presId="urn:microsoft.com/office/officeart/2005/8/layout/orgChart1"/>
-    <dgm:cxn modelId="{CB06D956-A1F2-4467-A36B-E48076C19786}" srcId="{0717E52C-A4D5-4543-BD7E-341CBB98ADC3}" destId="{4B25BC86-A95C-4C82-ABF2-F8D3989A5868}" srcOrd="0" destOrd="0" parTransId="{171881E5-1581-4329-92D1-D83B94F90B23}" sibTransId="{2278FC34-667D-4F3D-96CE-BA5DF17F8B33}"/>
-    <dgm:cxn modelId="{E18A0D32-1755-4FEB-9EFF-ECD194B8CCB9}" type="presOf" srcId="{F6006DE4-4C33-4BCB-8546-2B913C457235}" destId="{4C757F3C-EA45-4E2F-900C-CDFB9B7090F6}" srcOrd="0" destOrd="0" presId="urn:microsoft.com/office/officeart/2005/8/layout/orgChart1"/>
-    <dgm:cxn modelId="{3245D8D8-B47C-406D-98E1-222BF3AA6BA3}" type="presOf" srcId="{01347D5B-09A2-47DE-A864-88C6941E747E}" destId="{41FB4FFB-03D3-477F-96C8-F6DA04B7EAE0}" srcOrd="0" destOrd="0" presId="urn:microsoft.com/office/officeart/2005/8/layout/orgChart1"/>
-    <dgm:cxn modelId="{5D8A5DEF-F09C-48F9-846C-554F3F808EE0}" type="presOf" srcId="{C608C998-AE0E-4F82-BA5A-4D8AA882A52D}" destId="{6388B4C6-1AC8-4BFC-AB9C-8DF8BD50118D}" srcOrd="0" destOrd="0" presId="urn:microsoft.com/office/officeart/2005/8/layout/orgChart1"/>
-    <dgm:cxn modelId="{4247F715-B1DD-4637-8E50-9F92513FA95A}" type="presOf" srcId="{FE43BDAF-9051-41A3-A78F-607F49DAB56C}" destId="{6277747B-27CB-469F-81AC-62695F6E7109}" srcOrd="0" destOrd="0" presId="urn:microsoft.com/office/officeart/2005/8/layout/orgChart1"/>
-    <dgm:cxn modelId="{C57084FD-0CB4-43E3-92C0-73F9E780A3F7}" type="presOf" srcId="{A6E3E8A6-B8BE-4518-B1C2-07C2555656E4}" destId="{BD35F962-EDA4-4B24-9BFF-1E48351F0F4D}" srcOrd="0" destOrd="0" presId="urn:microsoft.com/office/officeart/2005/8/layout/orgChart1"/>
-    <dgm:cxn modelId="{A04EBE66-41B1-40CB-8C24-8E00FFC8F451}" type="presOf" srcId="{A0B43C53-BC9D-4D39-9508-8183121A95A9}" destId="{4668BC5D-5C94-4DC5-8BF1-1A0FC58C5E2B}" srcOrd="1" destOrd="0" presId="urn:microsoft.com/office/officeart/2005/8/layout/orgChart1"/>
-    <dgm:cxn modelId="{459ECD04-2E93-432B-8968-1AB581EB224C}" type="presOf" srcId="{17263FDC-D0CC-4494-B8AB-D23E38A0B688}" destId="{CC368C1C-F91B-43C3-ACDC-D92532D9E5B4}" srcOrd="0" destOrd="0" presId="urn:microsoft.com/office/officeart/2005/8/layout/orgChart1"/>
-    <dgm:cxn modelId="{097AE79C-DB8F-46DD-BC45-22ED2AEC3F51}" srcId="{CB4DF261-D8B5-4354-9EC3-E2BA380524AF}" destId="{89BD6952-F78C-4994-80EA-B2A7C8844A7F}" srcOrd="3" destOrd="0" parTransId="{E31F15E3-D398-4AD9-B0A3-ABB49D03E50F}" sibTransId="{39CF2CD5-06AF-4452-BC7F-D09FAA9F1827}"/>
-    <dgm:cxn modelId="{F89ACCA0-D7D7-4D19-8250-09175DD1FF3E}" type="presOf" srcId="{057700E8-3DE8-4625-B2AE-B4EBC05B19BA}" destId="{879A00F1-CF0E-4527-ACCF-BF6AD6517B69}" srcOrd="0" destOrd="0" presId="urn:microsoft.com/office/officeart/2005/8/layout/orgChart1"/>
-    <dgm:cxn modelId="{0C32B456-26D4-4AC6-BA3D-6FCB953D07C0}" type="presOf" srcId="{7961EF9F-1075-4EE0-A3D9-812D8011F1D2}" destId="{5A68FBAD-5765-4B8B-813D-83B05EFB7CD9}" srcOrd="1" destOrd="0" presId="urn:microsoft.com/office/officeart/2005/8/layout/orgChart1"/>
-    <dgm:cxn modelId="{6AAA3B90-019C-4694-885A-FFF5105E770F}" type="presOf" srcId="{4B18FD8B-B3EB-4786-8AF7-A7BD41065DFB}" destId="{0F1E46CF-C89D-4BC1-B4CB-D7179571DB4C}" srcOrd="0" destOrd="0" presId="urn:microsoft.com/office/officeart/2005/8/layout/orgChart1"/>
-    <dgm:cxn modelId="{2C901008-AC18-4BED-803C-336ACA13C07B}" type="presOf" srcId="{811F14C4-6A68-4E97-A0B1-6CBA859D85EF}" destId="{E67572AF-CBD7-4E66-914C-1685A50618AD}" srcOrd="0" destOrd="0" presId="urn:microsoft.com/office/officeart/2005/8/layout/orgChart1"/>
-    <dgm:cxn modelId="{F598A647-9132-438A-82EE-470D426C32C8}" type="presOf" srcId="{CB20EBB7-6ADD-4838-AF97-0CB86EC4778E}" destId="{EE1B685D-9B99-46F2-8ACE-B8651CBF36A0}" srcOrd="1" destOrd="0" presId="urn:microsoft.com/office/officeart/2005/8/layout/orgChart1"/>
-    <dgm:cxn modelId="{A7B6C485-1D34-4895-B7FA-DEFC5C62D912}" srcId="{2541714A-4AE0-409A-9868-B96B5BD12B25}" destId="{E1245E8D-736F-4FCF-AA56-B3E09DA6E23D}" srcOrd="1" destOrd="0" parTransId="{575635EA-6614-485E-91D8-09168207B879}" sibTransId="{59483CC8-6CB2-46AD-9843-E7F71686034A}"/>
-    <dgm:cxn modelId="{CFB7A274-FA8B-47CD-8A29-7121DB2369B5}" type="presOf" srcId="{20DC6828-328C-471C-80EB-7FF4A4E1C927}" destId="{26A5A827-B7FE-445C-91CE-4940D6177751}" srcOrd="1" destOrd="0" presId="urn:microsoft.com/office/officeart/2005/8/layout/orgChart1"/>
-    <dgm:cxn modelId="{4785F6C4-29E2-4E64-B500-3948CD57ABBD}" type="presOf" srcId="{BDCAC1D8-CBDF-4B0A-B328-E40521C92A41}" destId="{61C0F69B-DD93-4E93-A373-3BC981C85C1E}" srcOrd="0" destOrd="0" presId="urn:microsoft.com/office/officeart/2005/8/layout/orgChart1"/>
-    <dgm:cxn modelId="{4D3EA5B0-04C5-46CF-9A93-1989C91A39FD}" type="presOf" srcId="{2541714A-4AE0-409A-9868-B96B5BD12B25}" destId="{1EDD7B68-1517-4F54-935C-D9D4A982AA38}" srcOrd="0" destOrd="0" presId="urn:microsoft.com/office/officeart/2005/8/layout/orgChart1"/>
-    <dgm:cxn modelId="{10CE3309-F1DA-4CD1-BEC3-1383B63F4007}" type="presOf" srcId="{E0C29EE9-99CC-4700-BA52-DD6DA0BE138E}" destId="{08F9C1CF-1EA1-4A8B-9279-20301D1D4F22}" srcOrd="0" destOrd="0" presId="urn:microsoft.com/office/officeart/2005/8/layout/orgChart1"/>
-    <dgm:cxn modelId="{125888C2-38D4-4751-84CD-190B1085D764}" type="presOf" srcId="{8E8DCFF6-04C2-4CEE-8A36-5523834BF518}" destId="{481E33BF-D085-4A3B-A1E2-ECB11E4CF0C0}" srcOrd="0" destOrd="0" presId="urn:microsoft.com/office/officeart/2005/8/layout/orgChart1"/>
-    <dgm:cxn modelId="{1A109E9D-B46E-424A-BDEC-7793E2E9CD13}" type="presOf" srcId="{EDBF76DC-F5C0-4311-9EF9-E3FB3C4878F3}" destId="{D950DCB1-3E67-4C5A-8719-57ED77319070}" srcOrd="1" destOrd="0" presId="urn:microsoft.com/office/officeart/2005/8/layout/orgChart1"/>
-    <dgm:cxn modelId="{A96A47F5-A312-4A0A-AA7D-2DBBB2297688}" srcId="{17263FDC-D0CC-4494-B8AB-D23E38A0B688}" destId="{3EE529C1-0611-4A24-8FDA-B4590EF704E2}" srcOrd="0" destOrd="0" parTransId="{560E74AC-7F09-4A51-A8DE-280AB3E0F83C}" sibTransId="{B33D2344-FF26-465D-9A73-E22E20AAC3E4}"/>
-    <dgm:cxn modelId="{16287964-064A-4621-A907-0D2C146C8018}" type="presOf" srcId="{CB4DF261-D8B5-4354-9EC3-E2BA380524AF}" destId="{56E4EDBC-67DD-479A-8AC7-C0B883998FB4}" srcOrd="1" destOrd="0" presId="urn:microsoft.com/office/officeart/2005/8/layout/orgChart1"/>
-    <dgm:cxn modelId="{E53D7826-0D1E-45EC-AC03-DE7CF91F51BB}" type="presOf" srcId="{DBD2A981-0FFC-42BB-BDBE-2CC08304AE61}" destId="{55118D28-878E-4A97-8FC7-F49E194DBAFD}" srcOrd="0" destOrd="0" presId="urn:microsoft.com/office/officeart/2005/8/layout/orgChart1"/>
+    <dgm:cxn modelId="{BBF10904-547F-43D2-9D13-E8673C06724D}" type="presOf" srcId="{7961EF9F-1075-4EE0-A3D9-812D8011F1D2}" destId="{2D7BB886-180B-4E79-B46F-164B5A5D99A4}" srcOrd="0" destOrd="0" presId="urn:microsoft.com/office/officeart/2005/8/layout/orgChart1"/>
     <dgm:cxn modelId="{675103F5-1B2E-4612-BCB9-4529D3BA2D9C}" type="presParOf" srcId="{A4333BC4-90B9-4B5A-9060-F50C7F3DACA6}" destId="{D1DF821C-3DBB-434F-9F9B-F094FAAF47E8}" srcOrd="0" destOrd="0" presId="urn:microsoft.com/office/officeart/2005/8/layout/orgChart1"/>
     <dgm:cxn modelId="{A2566512-9F4B-424A-884E-3AFA21F2801A}" type="presParOf" srcId="{D1DF821C-3DBB-434F-9F9B-F094FAAF47E8}" destId="{F025338E-CFBF-4323-B574-94D844B8DAF1}" srcOrd="0" destOrd="0" presId="urn:microsoft.com/office/officeart/2005/8/layout/orgChart1"/>
     <dgm:cxn modelId="{E3FDC6FF-5B7B-4737-ACA0-04719A1E0BA6}" type="presParOf" srcId="{F025338E-CFBF-4323-B574-94D844B8DAF1}" destId="{093FA38E-8187-451B-A2E5-0620D04B134F}" srcOrd="0" destOrd="0" presId="urn:microsoft.com/office/officeart/2005/8/layout/orgChart1"/>
@@ -26371,7 +26371,7 @@
           <a:p>
             <a:fld id="{AA737B8E-DBB9-4739-93F2-141E53FE1ED6}" type="datetimeFigureOut">
               <a:rPr lang="en-US" smtClean="0"/>
-              <a:t>8/28/2021</a:t>
+              <a:t>2/4/2022</a:t>
             </a:fld>
             <a:endParaRPr lang="en-US"/>
           </a:p>
@@ -26909,7 +26909,7 @@
           <a:p>
             <a:fld id="{65DA48B9-BC56-44BF-8693-2DAA78E52F2C}" type="datetime1">
               <a:rPr lang="en-US" smtClean="0"/>
-              <a:t>8/28/2021</a:t>
+              <a:t>2/4/2022</a:t>
             </a:fld>
             <a:endParaRPr lang="en-US"/>
           </a:p>
@@ -27184,7 +27184,7 @@
           <a:p>
             <a:fld id="{488F9C49-03B4-415F-9C6D-C35EAA4BE2D7}" type="datetime1">
               <a:rPr lang="en-US" smtClean="0"/>
-              <a:t>8/28/2021</a:t>
+              <a:t>2/4/2022</a:t>
             </a:fld>
             <a:endParaRPr lang="en-US"/>
           </a:p>
@@ -27378,7 +27378,7 @@
           <a:p>
             <a:fld id="{7CABDBA8-80F5-4942-9BF3-89C963056262}" type="datetime1">
               <a:rPr lang="en-US" smtClean="0"/>
-              <a:t>8/28/2021</a:t>
+              <a:t>2/4/2022</a:t>
             </a:fld>
             <a:endParaRPr lang="en-US"/>
           </a:p>
@@ -27651,7 +27651,7 @@
           <a:p>
             <a:fld id="{2943AD81-6526-4230-9A5D-10055381771F}" type="datetime1">
               <a:rPr lang="en-US" smtClean="0"/>
-              <a:t>8/28/2021</a:t>
+              <a:t>2/4/2022</a:t>
             </a:fld>
             <a:endParaRPr lang="en-US"/>
           </a:p>
@@ -27992,7 +27992,7 @@
           <a:p>
             <a:fld id="{DF3D4A51-FD04-4CD9-AF2E-E930DB4E5FBD}" type="datetime1">
               <a:rPr lang="en-US" smtClean="0"/>
-              <a:t>8/28/2021</a:t>
+              <a:t>2/4/2022</a:t>
             </a:fld>
             <a:endParaRPr lang="en-US"/>
           </a:p>
@@ -28615,7 +28615,7 @@
           <a:p>
             <a:fld id="{04417F91-F2CC-467D-95AC-C35AE592DAF6}" type="datetime1">
               <a:rPr lang="en-US" smtClean="0"/>
-              <a:t>8/28/2021</a:t>
+              <a:t>2/4/2022</a:t>
             </a:fld>
             <a:endParaRPr lang="en-US"/>
           </a:p>
@@ -29475,7 +29475,7 @@
           <a:p>
             <a:fld id="{106A62CF-34ED-4698-82DA-DDB679E78BB6}" type="datetime1">
               <a:rPr lang="en-US" smtClean="0"/>
-              <a:t>8/28/2021</a:t>
+              <a:t>2/4/2022</a:t>
             </a:fld>
             <a:endParaRPr lang="en-US"/>
           </a:p>
@@ -29645,7 +29645,7 @@
           <a:p>
             <a:fld id="{B75597DC-52C5-4F2A-BF12-3D61997054A8}" type="datetime1">
               <a:rPr lang="en-US" smtClean="0"/>
-              <a:t>8/28/2021</a:t>
+              <a:t>2/4/2022</a:t>
             </a:fld>
             <a:endParaRPr lang="en-US"/>
           </a:p>
@@ -29825,7 +29825,7 @@
           <a:p>
             <a:fld id="{A2679A84-0310-4120-A8C4-56B6856F97E9}" type="datetime1">
               <a:rPr lang="en-US" smtClean="0"/>
-              <a:t>8/28/2021</a:t>
+              <a:t>2/4/2022</a:t>
             </a:fld>
             <a:endParaRPr lang="en-US"/>
           </a:p>
@@ -29995,7 +29995,7 @@
           <a:p>
             <a:fld id="{F8FD6265-DFC8-424E-9E5C-A40E7744B74E}" type="datetime1">
               <a:rPr lang="en-US" smtClean="0"/>
-              <a:t>8/28/2021</a:t>
+              <a:t>2/4/2022</a:t>
             </a:fld>
             <a:endParaRPr lang="en-US"/>
           </a:p>
@@ -30242,7 +30242,7 @@
           <a:p>
             <a:fld id="{1AAC77AE-4EC7-4690-B015-FDEC3B01BDFF}" type="datetime1">
               <a:rPr lang="en-US" smtClean="0"/>
-              <a:t>8/28/2021</a:t>
+              <a:t>2/4/2022</a:t>
             </a:fld>
             <a:endParaRPr lang="en-US"/>
           </a:p>
@@ -30534,7 +30534,7 @@
           <a:p>
             <a:fld id="{10D373E7-B0DB-44C8-9A07-079B2A069AE1}" type="datetime1">
               <a:rPr lang="en-US" smtClean="0"/>
-              <a:t>8/28/2021</a:t>
+              <a:t>2/4/2022</a:t>
             </a:fld>
             <a:endParaRPr lang="en-US"/>
           </a:p>
@@ -30978,7 +30978,7 @@
           <a:p>
             <a:fld id="{CB335187-0442-4F49-AADD-3941A547BBE1}" type="datetime1">
               <a:rPr lang="en-US" smtClean="0"/>
-              <a:t>8/28/2021</a:t>
+              <a:t>2/4/2022</a:t>
             </a:fld>
             <a:endParaRPr lang="en-US"/>
           </a:p>
@@ -31096,7 +31096,7 @@
           <a:p>
             <a:fld id="{E76DBCCB-74C9-422F-9D29-5A520A379283}" type="datetime1">
               <a:rPr lang="en-US" smtClean="0"/>
-              <a:t>8/28/2021</a:t>
+              <a:t>2/4/2022</a:t>
             </a:fld>
             <a:endParaRPr lang="en-US"/>
           </a:p>
@@ -31191,7 +31191,7 @@
           <a:p>
             <a:fld id="{DFC22B17-AC3C-4A7C-AE84-95C2323E3E4A}" type="datetime1">
               <a:rPr lang="en-US" smtClean="0"/>
-              <a:t>8/28/2021</a:t>
+              <a:t>2/4/2022</a:t>
             </a:fld>
             <a:endParaRPr lang="en-US"/>
           </a:p>
@@ -31470,7 +31470,7 @@
           <a:p>
             <a:fld id="{1849A570-9233-44C5-BB0B-99E929D9FDF1}" type="datetime1">
               <a:rPr lang="en-US" smtClean="0"/>
-              <a:t>8/28/2021</a:t>
+              <a:t>2/4/2022</a:t>
             </a:fld>
             <a:endParaRPr lang="en-US"/>
           </a:p>
@@ -31745,7 +31745,7 @@
           <a:p>
             <a:fld id="{C4677A4D-BE00-4538-83CC-59F7131F51DA}" type="datetime1">
               <a:rPr lang="en-US" smtClean="0"/>
-              <a:t>8/28/2021</a:t>
+              <a:t>2/4/2022</a:t>
             </a:fld>
             <a:endParaRPr lang="en-US"/>
           </a:p>
@@ -32174,7 +32174,7 @@
           <a:p>
             <a:fld id="{2A8527B3-7B20-4E20-B65A-8FC5BD4CED9B}" type="datetime1">
               <a:rPr lang="en-US" smtClean="0"/>
-              <a:t>8/28/2021</a:t>
+              <a:t>2/4/2022</a:t>
             </a:fld>
             <a:endParaRPr lang="en-US"/>
           </a:p>
@@ -33277,13 +33277,7 @@
               <a:rPr lang="en-US" sz="2000" dirty="0" smtClean="0">
                 <a:latin typeface="Agency FB" panose="020B0503020202020204" pitchFamily="34" charset="0"/>
               </a:rPr>
-              <a:t>Multi-variable Linear </a:t>
-            </a:r>
-            <a:r>
-              <a:rPr lang="en-US" sz="2000" dirty="0" smtClean="0">
-                <a:latin typeface="Agency FB" panose="020B0503020202020204" pitchFamily="34" charset="0"/>
-              </a:rPr>
-              <a:t>Regression</a:t>
+              <a:t>Multi-variable Linear Regression</a:t>
             </a:r>
             <a:endParaRPr lang="en-US" sz="2000" i="1" dirty="0">
               <a:latin typeface="Agency FB" panose="020B0503020202020204" pitchFamily="34" charset="0"/>
@@ -37680,43 +37674,7 @@
               <a:rPr lang="en-US" sz="3200" dirty="0" smtClean="0">
                 <a:latin typeface="Agency FB" panose="020B0503020202020204" pitchFamily="34" charset="0"/>
               </a:rPr>
-              <a:t>This tool will help </a:t>
-            </a:r>
-            <a:r>
-              <a:rPr lang="en-US" sz="3200" dirty="0" smtClean="0">
-                <a:latin typeface="Agency FB" panose="020B0503020202020204" pitchFamily="34" charset="0"/>
-              </a:rPr>
-              <a:t>readers </a:t>
-            </a:r>
-            <a:r>
-              <a:rPr lang="en-US" sz="3200" dirty="0" smtClean="0">
-                <a:latin typeface="Agency FB" panose="020B0503020202020204" pitchFamily="34" charset="0"/>
-              </a:rPr>
-              <a:t>to </a:t>
-            </a:r>
-            <a:r>
-              <a:rPr lang="en-US" sz="3200" dirty="0" smtClean="0">
-                <a:latin typeface="Agency FB" panose="020B0503020202020204" pitchFamily="34" charset="0"/>
-              </a:rPr>
-              <a:t>select </a:t>
-            </a:r>
-            <a:r>
-              <a:rPr lang="en-US" sz="3200" dirty="0" smtClean="0">
-                <a:latin typeface="Agency FB" panose="020B0503020202020204" pitchFamily="34" charset="0"/>
-              </a:rPr>
-              <a:t>popular </a:t>
-            </a:r>
-            <a:r>
-              <a:rPr lang="en-US" sz="3200" dirty="0" smtClean="0">
-                <a:latin typeface="Agency FB" panose="020B0503020202020204" pitchFamily="34" charset="0"/>
-              </a:rPr>
-              <a:t>books  </a:t>
-            </a:r>
-            <a:r>
-              <a:rPr lang="en-US" sz="3200" dirty="0" smtClean="0">
-                <a:latin typeface="Agency FB" panose="020B0503020202020204" pitchFamily="34" charset="0"/>
-              </a:rPr>
-              <a:t>and, assist librarian to add or remove books.</a:t>
+              <a:t>This tool will help readers to select popular books  and, assist librarian to add or remove books.</a:t>
             </a:r>
             <a:endParaRPr lang="en-US" sz="3200" dirty="0">
               <a:latin typeface="Agency FB" panose="020B0503020202020204" pitchFamily="34" charset="0"/>
@@ -38339,13 +38297,7 @@
               <a:rPr lang="en-US" sz="2000" dirty="0" smtClean="0">
                 <a:latin typeface="Agency FB" panose="020B0503020202020204" pitchFamily="34" charset="0"/>
               </a:rPr>
-              <a:t>Recommended Books For </a:t>
-            </a:r>
-            <a:r>
-              <a:rPr lang="en-US" sz="2000" dirty="0" smtClean="0">
-                <a:latin typeface="Agency FB" panose="020B0503020202020204" pitchFamily="34" charset="0"/>
-              </a:rPr>
-              <a:t>Readers</a:t>
+              <a:t>Recommended Books For Readers</a:t>
             </a:r>
             <a:endParaRPr lang="en-US" sz="2000" dirty="0">
               <a:latin typeface="Agency FB" panose="020B0503020202020204" pitchFamily="34" charset="0"/>
